--- a/images/fork_rdwr.pptx
+++ b/images/fork_rdwr.pptx
@@ -104,6 +104,11 @@
       </a:defRPr>
     </a:lvl9pPr>
   </p:defaultTextStyle>
+  <p:extLst>
+    <p:ext uri="{EFAFB233-063F-42B5-8137-9DF3F51BA10A}">
+      <p15:sldGuideLst xmlns:p15="http://schemas.microsoft.com/office/powerpoint/2012/main"/>
+    </p:ext>
+  </p:extLst>
 </p:presentation>
 </file>
 
@@ -254,7 +259,7 @@
           <a:p>
             <a:fld id="{F7D70331-2D09-4994-8C87-8F55D2FCE88F}" type="datetimeFigureOut">
               <a:rPr lang="en-US" smtClean="0"/>
-              <a:t>5/16/2018</a:t>
+              <a:t>9/17/2018</a:t>
             </a:fld>
             <a:endParaRPr lang="en-US"/>
           </a:p>
@@ -452,7 +457,7 @@
           <a:p>
             <a:fld id="{F7D70331-2D09-4994-8C87-8F55D2FCE88F}" type="datetimeFigureOut">
               <a:rPr lang="en-US" smtClean="0"/>
-              <a:t>5/16/2018</a:t>
+              <a:t>9/17/2018</a:t>
             </a:fld>
             <a:endParaRPr lang="en-US"/>
           </a:p>
@@ -660,7 +665,7 @@
           <a:p>
             <a:fld id="{F7D70331-2D09-4994-8C87-8F55D2FCE88F}" type="datetimeFigureOut">
               <a:rPr lang="en-US" smtClean="0"/>
-              <a:t>5/16/2018</a:t>
+              <a:t>9/17/2018</a:t>
             </a:fld>
             <a:endParaRPr lang="en-US"/>
           </a:p>
@@ -858,7 +863,7 @@
           <a:p>
             <a:fld id="{F7D70331-2D09-4994-8C87-8F55D2FCE88F}" type="datetimeFigureOut">
               <a:rPr lang="en-US" smtClean="0"/>
-              <a:t>5/16/2018</a:t>
+              <a:t>9/17/2018</a:t>
             </a:fld>
             <a:endParaRPr lang="en-US"/>
           </a:p>
@@ -1133,7 +1138,7 @@
           <a:p>
             <a:fld id="{F7D70331-2D09-4994-8C87-8F55D2FCE88F}" type="datetimeFigureOut">
               <a:rPr lang="en-US" smtClean="0"/>
-              <a:t>5/16/2018</a:t>
+              <a:t>9/17/2018</a:t>
             </a:fld>
             <a:endParaRPr lang="en-US"/>
           </a:p>
@@ -1398,7 +1403,7 @@
           <a:p>
             <a:fld id="{F7D70331-2D09-4994-8C87-8F55D2FCE88F}" type="datetimeFigureOut">
               <a:rPr lang="en-US" smtClean="0"/>
-              <a:t>5/16/2018</a:t>
+              <a:t>9/17/2018</a:t>
             </a:fld>
             <a:endParaRPr lang="en-US"/>
           </a:p>
@@ -1810,7 +1815,7 @@
           <a:p>
             <a:fld id="{F7D70331-2D09-4994-8C87-8F55D2FCE88F}" type="datetimeFigureOut">
               <a:rPr lang="en-US" smtClean="0"/>
-              <a:t>5/16/2018</a:t>
+              <a:t>9/17/2018</a:t>
             </a:fld>
             <a:endParaRPr lang="en-US"/>
           </a:p>
@@ -1951,7 +1956,7 @@
           <a:p>
             <a:fld id="{F7D70331-2D09-4994-8C87-8F55D2FCE88F}" type="datetimeFigureOut">
               <a:rPr lang="en-US" smtClean="0"/>
-              <a:t>5/16/2018</a:t>
+              <a:t>9/17/2018</a:t>
             </a:fld>
             <a:endParaRPr lang="en-US"/>
           </a:p>
@@ -2064,7 +2069,7 @@
           <a:p>
             <a:fld id="{F7D70331-2D09-4994-8C87-8F55D2FCE88F}" type="datetimeFigureOut">
               <a:rPr lang="en-US" smtClean="0"/>
-              <a:t>5/16/2018</a:t>
+              <a:t>9/17/2018</a:t>
             </a:fld>
             <a:endParaRPr lang="en-US"/>
           </a:p>
@@ -2375,7 +2380,7 @@
           <a:p>
             <a:fld id="{F7D70331-2D09-4994-8C87-8F55D2FCE88F}" type="datetimeFigureOut">
               <a:rPr lang="en-US" smtClean="0"/>
-              <a:t>5/16/2018</a:t>
+              <a:t>9/17/2018</a:t>
             </a:fld>
             <a:endParaRPr lang="en-US"/>
           </a:p>
@@ -2663,7 +2668,7 @@
           <a:p>
             <a:fld id="{F7D70331-2D09-4994-8C87-8F55D2FCE88F}" type="datetimeFigureOut">
               <a:rPr lang="en-US" smtClean="0"/>
-              <a:t>5/16/2018</a:t>
+              <a:t>9/17/2018</a:t>
             </a:fld>
             <a:endParaRPr lang="en-US"/>
           </a:p>
@@ -2904,7 +2909,7 @@
           <a:p>
             <a:fld id="{F7D70331-2D09-4994-8C87-8F55D2FCE88F}" type="datetimeFigureOut">
               <a:rPr lang="en-US" smtClean="0"/>
-              <a:t>5/16/2018</a:t>
+              <a:t>9/17/2018</a:t>
             </a:fld>
             <a:endParaRPr lang="en-US"/>
           </a:p>
@@ -3321,6 +3326,200 @@
           <a:chExt cx="0" cy="0"/>
         </a:xfrm>
       </p:grpSpPr>
+      <p:grpSp>
+        <p:nvGrpSpPr>
+          <p:cNvPr id="67" name="Group 66">
+            <a:extLst>
+              <a:ext uri="{FF2B5EF4-FFF2-40B4-BE49-F238E27FC236}">
+                <a16:creationId xmlns:a16="http://schemas.microsoft.com/office/drawing/2014/main" id="{3B62A3C7-AC55-4742-8F71-40113351E507}"/>
+              </a:ext>
+            </a:extLst>
+          </p:cNvPr>
+          <p:cNvGrpSpPr/>
+          <p:nvPr/>
+        </p:nvGrpSpPr>
+        <p:grpSpPr>
+          <a:xfrm rot="-1380000">
+            <a:off x="2809790" y="1408955"/>
+            <a:ext cx="1932196" cy="455201"/>
+            <a:chOff x="2827713" y="705537"/>
+            <a:chExt cx="1932196" cy="455201"/>
+          </a:xfrm>
+        </p:grpSpPr>
+        <p:grpSp>
+          <p:nvGrpSpPr>
+            <p:cNvPr id="68" name="Group 67">
+              <a:extLst>
+                <a:ext uri="{FF2B5EF4-FFF2-40B4-BE49-F238E27FC236}">
+                  <a16:creationId xmlns:a16="http://schemas.microsoft.com/office/drawing/2014/main" id="{2F52791D-A95F-49AD-A4A0-DAD5DDF1AFC2}"/>
+                </a:ext>
+              </a:extLst>
+            </p:cNvPr>
+            <p:cNvGrpSpPr/>
+            <p:nvPr/>
+          </p:nvGrpSpPr>
+          <p:grpSpPr>
+            <a:xfrm>
+              <a:off x="2827713" y="791406"/>
+              <a:ext cx="1932196" cy="369332"/>
+              <a:chOff x="2788920" y="2200705"/>
+              <a:chExt cx="1932196" cy="369332"/>
+            </a:xfrm>
+          </p:grpSpPr>
+          <p:sp>
+            <p:nvSpPr>
+              <p:cNvPr id="70" name="Rectangle 69">
+                <a:extLst>
+                  <a:ext uri="{FF2B5EF4-FFF2-40B4-BE49-F238E27FC236}">
+                    <a16:creationId xmlns:a16="http://schemas.microsoft.com/office/drawing/2014/main" id="{A2DD6D11-9995-442A-86D2-ACD71178E844}"/>
+                  </a:ext>
+                </a:extLst>
+              </p:cNvPr>
+              <p:cNvSpPr/>
+              <p:nvPr/>
+            </p:nvSpPr>
+            <p:spPr>
+              <a:xfrm>
+                <a:off x="2788920" y="2238582"/>
+                <a:ext cx="1856232" cy="274320"/>
+              </a:xfrm>
+              <a:prstGeom prst="rect">
+                <a:avLst/>
+              </a:prstGeom>
+              <a:ln w="28575"/>
+            </p:spPr>
+            <p:style>
+              <a:lnRef idx="2">
+                <a:schemeClr val="dk1"/>
+              </a:lnRef>
+              <a:fillRef idx="1">
+                <a:schemeClr val="lt1"/>
+              </a:fillRef>
+              <a:effectRef idx="0">
+                <a:schemeClr val="dk1"/>
+              </a:effectRef>
+              <a:fontRef idx="minor">
+                <a:schemeClr val="dk1"/>
+              </a:fontRef>
+            </p:style>
+            <p:txBody>
+              <a:bodyPr rtlCol="0" anchor="ctr"/>
+              <a:lstStyle/>
+              <a:p>
+                <a:pPr algn="ctr"/>
+                <a:endParaRPr lang="en-US" dirty="0"/>
+              </a:p>
+            </p:txBody>
+          </p:sp>
+          <p:cxnSp>
+            <p:nvCxnSpPr>
+              <p:cNvPr id="71" name="Straight Connector 70">
+                <a:extLst>
+                  <a:ext uri="{FF2B5EF4-FFF2-40B4-BE49-F238E27FC236}">
+                    <a16:creationId xmlns:a16="http://schemas.microsoft.com/office/drawing/2014/main" id="{91E4D965-B98D-47CC-9717-FBBC752254F5}"/>
+                  </a:ext>
+                </a:extLst>
+              </p:cNvPr>
+              <p:cNvCxnSpPr/>
+              <p:nvPr/>
+            </p:nvCxnSpPr>
+            <p:spPr>
+              <a:xfrm>
+                <a:off x="4239129" y="2233178"/>
+                <a:ext cx="0" cy="274320"/>
+              </a:xfrm>
+              <a:prstGeom prst="line">
+                <a:avLst/>
+              </a:prstGeom>
+              <a:ln w="28575"/>
+            </p:spPr>
+            <p:style>
+              <a:lnRef idx="1">
+                <a:schemeClr val="dk1"/>
+              </a:lnRef>
+              <a:fillRef idx="0">
+                <a:schemeClr val="dk1"/>
+              </a:fillRef>
+              <a:effectRef idx="0">
+                <a:schemeClr val="dk1"/>
+              </a:effectRef>
+              <a:fontRef idx="minor">
+                <a:schemeClr val="tx1"/>
+              </a:fontRef>
+            </p:style>
+          </p:cxnSp>
+          <p:sp>
+            <p:nvSpPr>
+              <p:cNvPr id="73" name="TextBox 72">
+                <a:extLst>
+                  <a:ext uri="{FF2B5EF4-FFF2-40B4-BE49-F238E27FC236}">
+                    <a16:creationId xmlns:a16="http://schemas.microsoft.com/office/drawing/2014/main" id="{A9CF8675-BE91-4563-BB92-D723C80C3F6D}"/>
+                  </a:ext>
+                </a:extLst>
+              </p:cNvPr>
+              <p:cNvSpPr txBox="1"/>
+              <p:nvPr/>
+            </p:nvSpPr>
+            <p:spPr>
+              <a:xfrm>
+                <a:off x="4170965" y="2200705"/>
+                <a:ext cx="550151" cy="369332"/>
+              </a:xfrm>
+              <a:prstGeom prst="rect">
+                <a:avLst/>
+              </a:prstGeom>
+              <a:noFill/>
+            </p:spPr>
+            <p:txBody>
+              <a:bodyPr wrap="none" rtlCol="0">
+                <a:spAutoFit/>
+              </a:bodyPr>
+              <a:lstStyle/>
+              <a:p>
+                <a:r>
+                  <a:rPr lang="en-US" dirty="0"/>
+                  <a:t>FD3</a:t>
+                </a:r>
+              </a:p>
+            </p:txBody>
+          </p:sp>
+        </p:grpSp>
+        <p:sp>
+          <p:nvSpPr>
+            <p:cNvPr id="69" name="TextBox 68">
+              <a:extLst>
+                <a:ext uri="{FF2B5EF4-FFF2-40B4-BE49-F238E27FC236}">
+                  <a16:creationId xmlns:a16="http://schemas.microsoft.com/office/drawing/2014/main" id="{A44535D2-ECE2-429B-906F-63F5AF62100E}"/>
+                </a:ext>
+              </a:extLst>
+            </p:cNvPr>
+            <p:cNvSpPr txBox="1"/>
+            <p:nvPr/>
+          </p:nvSpPr>
+          <p:spPr>
+            <a:xfrm>
+              <a:off x="3984034" y="705537"/>
+              <a:ext cx="343364" cy="369332"/>
+            </a:xfrm>
+            <a:prstGeom prst="rect">
+              <a:avLst/>
+            </a:prstGeom>
+            <a:noFill/>
+          </p:spPr>
+          <p:txBody>
+            <a:bodyPr wrap="none" rtlCol="0">
+              <a:spAutoFit/>
+            </a:bodyPr>
+            <a:lstStyle/>
+            <a:p>
+              <a:r>
+                <a:rPr lang="en-US" dirty="0"/>
+                <a:t>…</a:t>
+              </a:r>
+            </a:p>
+          </p:txBody>
+        </p:sp>
+      </p:grpSp>
       <p:sp>
         <p:nvSpPr>
           <p:cNvPr id="2" name="Rectangle 63">
@@ -3335,7 +3534,7 @@
         </p:nvSpPr>
         <p:spPr>
           <a:xfrm>
-            <a:off x="1082865" y="821189"/>
+            <a:off x="1001841" y="821189"/>
             <a:ext cx="1559751" cy="736721"/>
           </a:xfrm>
           <a:prstGeom prst="rect">
@@ -3364,7 +3563,7 @@
             <a:pPr algn="ctr"/>
             <a:r>
               <a:rPr lang="en-US" sz="2800" dirty="0"/>
-              <a:t>Sender 1</a:t>
+              <a:t>Thread 1</a:t>
             </a:r>
             <a:endParaRPr lang="en-US" sz="3600" dirty="0"/>
           </a:p>
@@ -3384,7 +3583,7 @@
         </p:nvSpPr>
         <p:spPr>
           <a:xfrm>
-            <a:off x="1082865" y="1785810"/>
+            <a:off x="1001841" y="1785810"/>
             <a:ext cx="1559751" cy="736721"/>
           </a:xfrm>
           <a:prstGeom prst="rect">
@@ -3413,7 +3612,7 @@
             <a:pPr algn="ctr"/>
             <a:r>
               <a:rPr lang="en-US" sz="2800" dirty="0"/>
-              <a:t>Sender 2</a:t>
+              <a:t>Thread 2</a:t>
             </a:r>
             <a:endParaRPr lang="en-US" sz="3200" dirty="0"/>
           </a:p>
@@ -3433,14 +3632,14 @@
         </p:nvSpPr>
         <p:spPr>
           <a:xfrm>
-            <a:off x="4850210" y="821189"/>
-            <a:ext cx="1856233" cy="736721"/>
+            <a:off x="4931235" y="821189"/>
+            <a:ext cx="2132504" cy="736721"/>
           </a:xfrm>
           <a:prstGeom prst="rect">
             <a:avLst/>
           </a:prstGeom>
           <a:ln w="38100">
-            <a:prstDash val="dash"/>
+            <a:prstDash val="solid"/>
           </a:ln>
         </p:spPr>
         <p:style>
@@ -3462,10 +3661,6 @@
           <a:lstStyle/>
           <a:p>
             <a:pPr algn="ctr"/>
-            <a:r>
-              <a:rPr lang="en-US" sz="2800" dirty="0"/>
-              <a:t>Receiver 1</a:t>
-            </a:r>
             <a:endParaRPr lang="en-US" sz="3600" dirty="0"/>
           </a:p>
         </p:txBody>
@@ -3484,8 +3679,8 @@
         </p:nvSpPr>
         <p:spPr>
           <a:xfrm>
-            <a:off x="4850211" y="1785810"/>
-            <a:ext cx="1856232" cy="736721"/>
+            <a:off x="4931236" y="1785810"/>
+            <a:ext cx="2132504" cy="736721"/>
           </a:xfrm>
           <a:prstGeom prst="rect">
             <a:avLst/>
@@ -3511,65 +3706,16 @@
           <a:lstStyle/>
           <a:p>
             <a:pPr algn="ctr"/>
-            <a:r>
-              <a:rPr lang="en-US" sz="2800" dirty="0"/>
-              <a:t>Receiver 2</a:t>
-            </a:r>
             <a:endParaRPr lang="en-US" sz="3600" dirty="0"/>
-          </a:p>
-        </p:txBody>
-      </p:sp>
-      <p:sp>
-        <p:nvSpPr>
-          <p:cNvPr id="20" name="Rectangle 19">
-            <a:extLst>
-              <a:ext uri="{FF2B5EF4-FFF2-40B4-BE49-F238E27FC236}">
-                <a16:creationId xmlns:a16="http://schemas.microsoft.com/office/drawing/2014/main" id="{A42A81CD-DAAD-4F8C-A1E7-42E42ECF5642}"/>
-              </a:ext>
-            </a:extLst>
-          </p:cNvPr>
-          <p:cNvSpPr/>
-          <p:nvPr/>
-        </p:nvSpPr>
-        <p:spPr>
-          <a:xfrm>
-            <a:off x="2790086" y="834531"/>
-            <a:ext cx="1856232" cy="274320"/>
-          </a:xfrm>
-          <a:prstGeom prst="rect">
-            <a:avLst/>
-          </a:prstGeom>
-          <a:ln w="28575"/>
-        </p:spPr>
-        <p:style>
-          <a:lnRef idx="2">
-            <a:schemeClr val="dk1"/>
-          </a:lnRef>
-          <a:fillRef idx="1">
-            <a:schemeClr val="lt1"/>
-          </a:fillRef>
-          <a:effectRef idx="0">
-            <a:schemeClr val="dk1"/>
-          </a:effectRef>
-          <a:fontRef idx="minor">
-            <a:schemeClr val="dk1"/>
-          </a:fontRef>
-        </p:style>
-        <p:txBody>
-          <a:bodyPr rtlCol="0" anchor="ctr"/>
-          <a:lstStyle/>
-          <a:p>
-            <a:pPr algn="ctr"/>
-            <a:endParaRPr lang="en-US"/>
           </a:p>
         </p:txBody>
       </p:sp>
       <p:grpSp>
         <p:nvGrpSpPr>
-          <p:cNvPr id="27" name="Group 26">
-            <a:extLst>
-              <a:ext uri="{FF2B5EF4-FFF2-40B4-BE49-F238E27FC236}">
-                <a16:creationId xmlns:a16="http://schemas.microsoft.com/office/drawing/2014/main" id="{DCB14882-4046-4BFB-A9B4-D87671507EE5}"/>
+          <p:cNvPr id="7" name="Group 6">
+            <a:extLst>
+              <a:ext uri="{FF2B5EF4-FFF2-40B4-BE49-F238E27FC236}">
+                <a16:creationId xmlns:a16="http://schemas.microsoft.com/office/drawing/2014/main" id="{AD7EDD25-0F9A-417A-8F1D-62AC4D9F86C9}"/>
               </a:ext>
             </a:extLst>
           </p:cNvPr>
@@ -3578,10 +3724,10 @@
         </p:nvGrpSpPr>
         <p:grpSpPr>
           <a:xfrm>
-            <a:off x="2788920" y="2238582"/>
-            <a:ext cx="1856232" cy="274320"/>
-            <a:chOff x="2788920" y="1069848"/>
-            <a:chExt cx="1856232" cy="274320"/>
+            <a:off x="2788920" y="2200705"/>
+            <a:ext cx="1932196" cy="369332"/>
+            <a:chOff x="2788920" y="2200705"/>
+            <a:chExt cx="1932196" cy="369332"/>
           </a:xfrm>
         </p:grpSpPr>
         <p:sp>
@@ -3598,7 +3744,7 @@
           </p:nvSpPr>
           <p:spPr>
             <a:xfrm>
-              <a:off x="2788920" y="1069848"/>
+              <a:off x="2788920" y="2238582"/>
               <a:ext cx="1856232" cy="274320"/>
             </a:xfrm>
             <a:prstGeom prst="rect">
@@ -3643,44 +3789,7 @@
           </p:nvCxnSpPr>
           <p:spPr>
             <a:xfrm>
-              <a:off x="4493577" y="1069848"/>
-              <a:ext cx="0" cy="274320"/>
-            </a:xfrm>
-            <a:prstGeom prst="line">
-              <a:avLst/>
-            </a:prstGeom>
-            <a:ln w="28575"/>
-          </p:spPr>
-          <p:style>
-            <a:lnRef idx="1">
-              <a:schemeClr val="dk1"/>
-            </a:lnRef>
-            <a:fillRef idx="0">
-              <a:schemeClr val="dk1"/>
-            </a:fillRef>
-            <a:effectRef idx="0">
-              <a:schemeClr val="dk1"/>
-            </a:effectRef>
-            <a:fontRef idx="minor">
-              <a:schemeClr val="tx1"/>
-            </a:fontRef>
-          </p:style>
-        </p:cxnSp>
-        <p:cxnSp>
-          <p:nvCxnSpPr>
-            <p:cNvPr id="30" name="Straight Connector 29">
-              <a:extLst>
-                <a:ext uri="{FF2B5EF4-FFF2-40B4-BE49-F238E27FC236}">
-                  <a16:creationId xmlns:a16="http://schemas.microsoft.com/office/drawing/2014/main" id="{B8C609AA-C437-4AF8-A81D-1C9509E8461A}"/>
-                </a:ext>
-              </a:extLst>
-            </p:cNvPr>
-            <p:cNvCxnSpPr/>
-            <p:nvPr/>
-          </p:nvCxnSpPr>
-          <p:spPr>
-            <a:xfrm>
-              <a:off x="4344225" y="1069848"/>
+              <a:off x="4239129" y="2233178"/>
               <a:ext cx="0" cy="274320"/>
             </a:xfrm>
             <a:prstGeom prst="line">
@@ -3717,7 +3826,7 @@
           </p:nvCxnSpPr>
           <p:spPr>
             <a:xfrm>
-              <a:off x="4185729" y="1069848"/>
+              <a:off x="3831413" y="2233178"/>
               <a:ext cx="0" cy="274320"/>
             </a:xfrm>
             <a:prstGeom prst="line">
@@ -3754,7 +3863,7 @@
           </p:nvCxnSpPr>
           <p:spPr>
             <a:xfrm>
-              <a:off x="4054665" y="1069848"/>
+              <a:off x="3416490" y="2248211"/>
               <a:ext cx="0" cy="274320"/>
             </a:xfrm>
             <a:prstGeom prst="line">
@@ -3777,58 +3886,153 @@
             </a:fontRef>
           </p:style>
         </p:cxnSp>
+        <p:sp>
+          <p:nvSpPr>
+            <p:cNvPr id="4" name="TextBox 3">
+              <a:extLst>
+                <a:ext uri="{FF2B5EF4-FFF2-40B4-BE49-F238E27FC236}">
+                  <a16:creationId xmlns:a16="http://schemas.microsoft.com/office/drawing/2014/main" id="{4388A5B3-3AEC-4858-9900-1FC05D59F8B7}"/>
+                </a:ext>
+              </a:extLst>
+            </p:cNvPr>
+            <p:cNvSpPr txBox="1"/>
+            <p:nvPr/>
+          </p:nvSpPr>
+          <p:spPr>
+            <a:xfrm>
+              <a:off x="3367523" y="2200705"/>
+              <a:ext cx="550151" cy="369332"/>
+            </a:xfrm>
+            <a:prstGeom prst="rect">
+              <a:avLst/>
+            </a:prstGeom>
+            <a:noFill/>
+          </p:spPr>
+          <p:txBody>
+            <a:bodyPr wrap="none" rtlCol="0">
+              <a:spAutoFit/>
+            </a:bodyPr>
+            <a:lstStyle/>
+            <a:p>
+              <a:r>
+                <a:rPr lang="en-US" dirty="0"/>
+                <a:t>FD1</a:t>
+              </a:r>
+            </a:p>
+          </p:txBody>
+        </p:sp>
+        <p:sp>
+          <p:nvSpPr>
+            <p:cNvPr id="21" name="TextBox 20">
+              <a:extLst>
+                <a:ext uri="{FF2B5EF4-FFF2-40B4-BE49-F238E27FC236}">
+                  <a16:creationId xmlns:a16="http://schemas.microsoft.com/office/drawing/2014/main" id="{21049340-DB0E-4B3A-BC89-B2296A610CB9}"/>
+                </a:ext>
+              </a:extLst>
+            </p:cNvPr>
+            <p:cNvSpPr txBox="1"/>
+            <p:nvPr/>
+          </p:nvSpPr>
+          <p:spPr>
+            <a:xfrm>
+              <a:off x="4170965" y="2200705"/>
+              <a:ext cx="550151" cy="369332"/>
+            </a:xfrm>
+            <a:prstGeom prst="rect">
+              <a:avLst/>
+            </a:prstGeom>
+            <a:noFill/>
+          </p:spPr>
+          <p:txBody>
+            <a:bodyPr wrap="none" rtlCol="0">
+              <a:spAutoFit/>
+            </a:bodyPr>
+            <a:lstStyle/>
+            <a:p>
+              <a:r>
+                <a:rPr lang="en-US" dirty="0"/>
+                <a:t>FD1</a:t>
+              </a:r>
+            </a:p>
+          </p:txBody>
+        </p:sp>
+        <p:sp>
+          <p:nvSpPr>
+            <p:cNvPr id="22" name="TextBox 21">
+              <a:extLst>
+                <a:ext uri="{FF2B5EF4-FFF2-40B4-BE49-F238E27FC236}">
+                  <a16:creationId xmlns:a16="http://schemas.microsoft.com/office/drawing/2014/main" id="{7626B050-25BF-4146-8016-A3470F47D9E0}"/>
+                </a:ext>
+              </a:extLst>
+            </p:cNvPr>
+            <p:cNvSpPr txBox="1"/>
+            <p:nvPr/>
+          </p:nvSpPr>
+          <p:spPr>
+            <a:xfrm>
+              <a:off x="3766794" y="2200705"/>
+              <a:ext cx="550151" cy="369332"/>
+            </a:xfrm>
+            <a:prstGeom prst="rect">
+              <a:avLst/>
+            </a:prstGeom>
+            <a:noFill/>
+          </p:spPr>
+          <p:txBody>
+            <a:bodyPr wrap="none" rtlCol="0">
+              <a:spAutoFit/>
+            </a:bodyPr>
+            <a:lstStyle/>
+            <a:p>
+              <a:r>
+                <a:rPr lang="en-US" dirty="0"/>
+                <a:t>FD2</a:t>
+              </a:r>
+            </a:p>
+          </p:txBody>
+        </p:sp>
+        <p:sp>
+          <p:nvSpPr>
+            <p:cNvPr id="23" name="TextBox 22">
+              <a:extLst>
+                <a:ext uri="{FF2B5EF4-FFF2-40B4-BE49-F238E27FC236}">
+                  <a16:creationId xmlns:a16="http://schemas.microsoft.com/office/drawing/2014/main" id="{AFDDA82A-48A4-47C6-AC0A-3732BE5BF5FF}"/>
+                </a:ext>
+              </a:extLst>
+            </p:cNvPr>
+            <p:cNvSpPr txBox="1"/>
+            <p:nvPr/>
+          </p:nvSpPr>
+          <p:spPr>
+            <a:xfrm>
+              <a:off x="3131294" y="2200705"/>
+              <a:ext cx="343364" cy="369332"/>
+            </a:xfrm>
+            <a:prstGeom prst="rect">
+              <a:avLst/>
+            </a:prstGeom>
+            <a:noFill/>
+          </p:spPr>
+          <p:txBody>
+            <a:bodyPr wrap="none" rtlCol="0">
+              <a:spAutoFit/>
+            </a:bodyPr>
+            <a:lstStyle/>
+            <a:p>
+              <a:r>
+                <a:rPr lang="en-US" dirty="0"/>
+                <a:t>…</a:t>
+              </a:r>
+            </a:p>
+          </p:txBody>
+        </p:sp>
       </p:grpSp>
-      <p:sp>
-        <p:nvSpPr>
-          <p:cNvPr id="34" name="Rectangle 33">
-            <a:extLst>
-              <a:ext uri="{FF2B5EF4-FFF2-40B4-BE49-F238E27FC236}">
-                <a16:creationId xmlns:a16="http://schemas.microsoft.com/office/drawing/2014/main" id="{04633517-073F-4289-B85D-69E610669517}"/>
-              </a:ext>
-            </a:extLst>
-          </p:cNvPr>
-          <p:cNvSpPr/>
-          <p:nvPr/>
-        </p:nvSpPr>
-        <p:spPr>
-          <a:xfrm rot="20400000">
-            <a:off x="2722514" y="1589581"/>
-            <a:ext cx="1982274" cy="274320"/>
-          </a:xfrm>
-          <a:prstGeom prst="rect">
-            <a:avLst/>
-          </a:prstGeom>
-          <a:ln w="28575"/>
-        </p:spPr>
-        <p:style>
-          <a:lnRef idx="2">
-            <a:schemeClr val="dk1"/>
-          </a:lnRef>
-          <a:fillRef idx="1">
-            <a:schemeClr val="lt1"/>
-          </a:fillRef>
-          <a:effectRef idx="0">
-            <a:schemeClr val="dk1"/>
-          </a:effectRef>
-          <a:fontRef idx="minor">
-            <a:schemeClr val="dk1"/>
-          </a:fontRef>
-        </p:style>
-        <p:txBody>
-          <a:bodyPr rtlCol="0" anchor="ctr"/>
-          <a:lstStyle/>
-          <a:p>
-            <a:pPr algn="ctr"/>
-            <a:endParaRPr lang="en-US"/>
-          </a:p>
-        </p:txBody>
-      </p:sp>
       <p:grpSp>
         <p:nvGrpSpPr>
-          <p:cNvPr id="39" name="Group 38">
-            <a:extLst>
-              <a:ext uri="{FF2B5EF4-FFF2-40B4-BE49-F238E27FC236}">
-                <a16:creationId xmlns:a16="http://schemas.microsoft.com/office/drawing/2014/main" id="{324F93EA-F150-4C80-ABFB-D26B81A7FBEC}"/>
+          <p:cNvPr id="25" name="Group 24">
+            <a:extLst>
+              <a:ext uri="{FF2B5EF4-FFF2-40B4-BE49-F238E27FC236}">
+                <a16:creationId xmlns:a16="http://schemas.microsoft.com/office/drawing/2014/main" id="{AC72EF52-F678-458B-9DB0-74782CCB39D7}"/>
               </a:ext>
             </a:extLst>
           </p:cNvPr>
@@ -3836,19 +4040,19 @@
           <p:nvPr/>
         </p:nvGrpSpPr>
         <p:grpSpPr>
-          <a:xfrm rot="1200000">
-            <a:off x="2764406" y="1539746"/>
-            <a:ext cx="1958421" cy="274320"/>
-            <a:chOff x="2788920" y="1069848"/>
-            <a:chExt cx="1856232" cy="274320"/>
+          <a:xfrm rot="1320000">
+            <a:off x="2825255" y="1499838"/>
+            <a:ext cx="1932196" cy="369333"/>
+            <a:chOff x="2788920" y="2200704"/>
+            <a:chExt cx="1932196" cy="369333"/>
           </a:xfrm>
         </p:grpSpPr>
         <p:sp>
           <p:nvSpPr>
-            <p:cNvPr id="40" name="Rectangle 39">
+            <p:cNvPr id="26" name="Rectangle 25">
               <a:extLst>
                 <a:ext uri="{FF2B5EF4-FFF2-40B4-BE49-F238E27FC236}">
-                  <a16:creationId xmlns:a16="http://schemas.microsoft.com/office/drawing/2014/main" id="{CA6BC031-58E1-4539-812C-66E3885EAFC2}"/>
+                  <a16:creationId xmlns:a16="http://schemas.microsoft.com/office/drawing/2014/main" id="{F790DA1B-631C-4B86-9A70-3E3C47FF0AA4}"/>
                 </a:ext>
               </a:extLst>
             </p:cNvPr>
@@ -3857,7 +4061,7 @@
           </p:nvSpPr>
           <p:spPr>
             <a:xfrm>
-              <a:off x="2788920" y="1069848"/>
+              <a:off x="2788920" y="2238582"/>
               <a:ext cx="1856232" cy="274320"/>
             </a:xfrm>
             <a:prstGeom prst="rect">
@@ -3890,10 +4094,10 @@
         </p:sp>
         <p:cxnSp>
           <p:nvCxnSpPr>
-            <p:cNvPr id="41" name="Straight Connector 40">
+            <p:cNvPr id="33" name="Straight Connector 32">
               <a:extLst>
                 <a:ext uri="{FF2B5EF4-FFF2-40B4-BE49-F238E27FC236}">
-                  <a16:creationId xmlns:a16="http://schemas.microsoft.com/office/drawing/2014/main" id="{3872F692-C718-4AB6-ACEA-A8138DAEA7FB}"/>
+                  <a16:creationId xmlns:a16="http://schemas.microsoft.com/office/drawing/2014/main" id="{E0ECAA87-7AB4-45AC-8DCD-CC3C6D936EE3}"/>
                 </a:ext>
               </a:extLst>
             </p:cNvPr>
@@ -3902,7 +4106,7 @@
           </p:nvCxnSpPr>
           <p:spPr>
             <a:xfrm>
-              <a:off x="4493577" y="1069848"/>
+              <a:off x="4239129" y="2233178"/>
               <a:ext cx="0" cy="274320"/>
             </a:xfrm>
             <a:prstGeom prst="line">
@@ -3927,10 +4131,10 @@
         </p:cxnSp>
         <p:cxnSp>
           <p:nvCxnSpPr>
-            <p:cNvPr id="42" name="Straight Connector 41">
+            <p:cNvPr id="35" name="Straight Connector 34">
               <a:extLst>
                 <a:ext uri="{FF2B5EF4-FFF2-40B4-BE49-F238E27FC236}">
-                  <a16:creationId xmlns:a16="http://schemas.microsoft.com/office/drawing/2014/main" id="{D1BAB6F4-6722-4949-8C68-B553DC5082E6}"/>
+                  <a16:creationId xmlns:a16="http://schemas.microsoft.com/office/drawing/2014/main" id="{1D8321D1-2A37-4954-AF89-BEE38591B05C}"/>
                 </a:ext>
               </a:extLst>
             </p:cNvPr>
@@ -3939,7 +4143,7 @@
           </p:nvCxnSpPr>
           <p:spPr>
             <a:xfrm>
-              <a:off x="4344225" y="1069848"/>
+              <a:off x="3831413" y="2233178"/>
               <a:ext cx="0" cy="274320"/>
             </a:xfrm>
             <a:prstGeom prst="line">
@@ -3964,10 +4168,10 @@
         </p:cxnSp>
         <p:cxnSp>
           <p:nvCxnSpPr>
-            <p:cNvPr id="43" name="Straight Connector 42">
+            <p:cNvPr id="36" name="Straight Connector 35">
               <a:extLst>
                 <a:ext uri="{FF2B5EF4-FFF2-40B4-BE49-F238E27FC236}">
-                  <a16:creationId xmlns:a16="http://schemas.microsoft.com/office/drawing/2014/main" id="{7EDF663D-6930-462C-9FAC-EC40EC20CBBB}"/>
+                  <a16:creationId xmlns:a16="http://schemas.microsoft.com/office/drawing/2014/main" id="{2AB2349E-20BA-4D84-AA4E-731144E72379}"/>
                 </a:ext>
               </a:extLst>
             </p:cNvPr>
@@ -3976,7 +4180,7 @@
           </p:nvCxnSpPr>
           <p:spPr>
             <a:xfrm>
-              <a:off x="4185729" y="1069848"/>
+              <a:off x="3416490" y="2248211"/>
               <a:ext cx="0" cy="274320"/>
             </a:xfrm>
             <a:prstGeom prst="line">
@@ -3999,43 +4203,1719 @@
             </a:fontRef>
           </p:style>
         </p:cxnSp>
-        <p:cxnSp>
-          <p:nvCxnSpPr>
-            <p:cNvPr id="44" name="Straight Connector 43">
+        <p:sp>
+          <p:nvSpPr>
+            <p:cNvPr id="37" name="TextBox 36">
               <a:extLst>
                 <a:ext uri="{FF2B5EF4-FFF2-40B4-BE49-F238E27FC236}">
-                  <a16:creationId xmlns:a16="http://schemas.microsoft.com/office/drawing/2014/main" id="{C6C77B59-A621-42C7-BF30-4B0602698026}"/>
+                  <a16:creationId xmlns:a16="http://schemas.microsoft.com/office/drawing/2014/main" id="{0221FEE0-6207-4CDD-9889-BF084F5747CD}"/>
                 </a:ext>
               </a:extLst>
             </p:cNvPr>
-            <p:cNvCxnSpPr/>
+            <p:cNvSpPr txBox="1"/>
             <p:nvPr/>
-          </p:nvCxnSpPr>
+          </p:nvSpPr>
           <p:spPr>
             <a:xfrm>
-              <a:off x="4054665" y="1069848"/>
-              <a:ext cx="0" cy="274320"/>
+              <a:off x="3367523" y="2200705"/>
+              <a:ext cx="550151" cy="369332"/>
             </a:xfrm>
-            <a:prstGeom prst="line">
+            <a:prstGeom prst="rect">
               <a:avLst/>
             </a:prstGeom>
-            <a:ln w="28575"/>
+            <a:noFill/>
           </p:spPr>
-          <p:style>
-            <a:lnRef idx="1">
-              <a:schemeClr val="dk1"/>
-            </a:lnRef>
-            <a:fillRef idx="0">
-              <a:schemeClr val="dk1"/>
-            </a:fillRef>
-            <a:effectRef idx="0">
-              <a:schemeClr val="dk1"/>
-            </a:effectRef>
-            <a:fontRef idx="minor">
+          <p:txBody>
+            <a:bodyPr wrap="none" rtlCol="0">
+              <a:spAutoFit/>
+            </a:bodyPr>
+            <a:lstStyle/>
+            <a:p>
+              <a:r>
+                <a:rPr lang="en-US" dirty="0"/>
+                <a:t>FD1</a:t>
+              </a:r>
+            </a:p>
+          </p:txBody>
+        </p:sp>
+        <p:sp>
+          <p:nvSpPr>
+            <p:cNvPr id="38" name="TextBox 37">
+              <a:extLst>
+                <a:ext uri="{FF2B5EF4-FFF2-40B4-BE49-F238E27FC236}">
+                  <a16:creationId xmlns:a16="http://schemas.microsoft.com/office/drawing/2014/main" id="{20B6554B-A9AE-428D-820F-943C0B8E01BC}"/>
+                </a:ext>
+              </a:extLst>
+            </p:cNvPr>
+            <p:cNvSpPr txBox="1"/>
+            <p:nvPr/>
+          </p:nvSpPr>
+          <p:spPr>
+            <a:xfrm>
+              <a:off x="4170965" y="2200705"/>
+              <a:ext cx="550151" cy="369332"/>
+            </a:xfrm>
+            <a:prstGeom prst="rect">
+              <a:avLst/>
+            </a:prstGeom>
+            <a:noFill/>
+          </p:spPr>
+          <p:txBody>
+            <a:bodyPr wrap="none" rtlCol="0">
+              <a:spAutoFit/>
+            </a:bodyPr>
+            <a:lstStyle/>
+            <a:p>
+              <a:r>
+                <a:rPr lang="en-US" dirty="0"/>
+                <a:t>FD2</a:t>
+              </a:r>
+            </a:p>
+          </p:txBody>
+        </p:sp>
+        <p:sp>
+          <p:nvSpPr>
+            <p:cNvPr id="45" name="TextBox 44">
+              <a:extLst>
+                <a:ext uri="{FF2B5EF4-FFF2-40B4-BE49-F238E27FC236}">
+                  <a16:creationId xmlns:a16="http://schemas.microsoft.com/office/drawing/2014/main" id="{C684C51C-858F-4315-AAC9-492104BB46BA}"/>
+                </a:ext>
+              </a:extLst>
+            </p:cNvPr>
+            <p:cNvSpPr txBox="1"/>
+            <p:nvPr/>
+          </p:nvSpPr>
+          <p:spPr>
+            <a:xfrm>
+              <a:off x="3766794" y="2200704"/>
+              <a:ext cx="550151" cy="369332"/>
+            </a:xfrm>
+            <a:prstGeom prst="rect">
+              <a:avLst/>
+            </a:prstGeom>
+            <a:noFill/>
+          </p:spPr>
+          <p:txBody>
+            <a:bodyPr wrap="none" rtlCol="0">
+              <a:spAutoFit/>
+            </a:bodyPr>
+            <a:lstStyle/>
+            <a:p>
+              <a:r>
+                <a:rPr lang="en-US" dirty="0"/>
+                <a:t>FD1</a:t>
+              </a:r>
+            </a:p>
+          </p:txBody>
+        </p:sp>
+        <p:sp>
+          <p:nvSpPr>
+            <p:cNvPr id="46" name="TextBox 45">
+              <a:extLst>
+                <a:ext uri="{FF2B5EF4-FFF2-40B4-BE49-F238E27FC236}">
+                  <a16:creationId xmlns:a16="http://schemas.microsoft.com/office/drawing/2014/main" id="{EC707FAF-5E70-4794-BB78-4C6C58999A89}"/>
+                </a:ext>
+              </a:extLst>
+            </p:cNvPr>
+            <p:cNvSpPr txBox="1"/>
+            <p:nvPr/>
+          </p:nvSpPr>
+          <p:spPr>
+            <a:xfrm>
+              <a:off x="3131294" y="2200705"/>
+              <a:ext cx="343364" cy="369332"/>
+            </a:xfrm>
+            <a:prstGeom prst="rect">
+              <a:avLst/>
+            </a:prstGeom>
+            <a:noFill/>
+          </p:spPr>
+          <p:txBody>
+            <a:bodyPr wrap="none" rtlCol="0">
+              <a:spAutoFit/>
+            </a:bodyPr>
+            <a:lstStyle/>
+            <a:p>
+              <a:r>
+                <a:rPr lang="en-US" dirty="0"/>
+                <a:t>…</a:t>
+              </a:r>
+            </a:p>
+          </p:txBody>
+        </p:sp>
+      </p:grpSp>
+      <p:sp>
+        <p:nvSpPr>
+          <p:cNvPr id="8" name="TextBox 7">
+            <a:extLst>
+              <a:ext uri="{FF2B5EF4-FFF2-40B4-BE49-F238E27FC236}">
+                <a16:creationId xmlns:a16="http://schemas.microsoft.com/office/drawing/2014/main" id="{078CF352-4A71-4A25-BE25-6857775BBD5E}"/>
+              </a:ext>
+            </a:extLst>
+          </p:cNvPr>
+          <p:cNvSpPr txBox="1"/>
+          <p:nvPr/>
+        </p:nvSpPr>
+        <p:spPr>
+          <a:xfrm>
+            <a:off x="1249358" y="2570037"/>
+            <a:ext cx="1064715" cy="461665"/>
+          </a:xfrm>
+          <a:prstGeom prst="rect">
+            <a:avLst/>
+          </a:prstGeom>
+          <a:noFill/>
+        </p:spPr>
+        <p:txBody>
+          <a:bodyPr wrap="none" rtlCol="0">
+            <a:spAutoFit/>
+          </a:bodyPr>
+          <a:lstStyle/>
+          <a:p>
+            <a:r>
+              <a:rPr lang="en-US" sz="2400" dirty="0"/>
+              <a:t>Sender</a:t>
+            </a:r>
+          </a:p>
+        </p:txBody>
+      </p:sp>
+      <p:sp>
+        <p:nvSpPr>
+          <p:cNvPr id="47" name="TextBox 46">
+            <a:extLst>
+              <a:ext uri="{FF2B5EF4-FFF2-40B4-BE49-F238E27FC236}">
+                <a16:creationId xmlns:a16="http://schemas.microsoft.com/office/drawing/2014/main" id="{02898DD5-0C96-4496-A574-A6E1482189C4}"/>
+              </a:ext>
+            </a:extLst>
+          </p:cNvPr>
+          <p:cNvSpPr txBox="1"/>
+          <p:nvPr/>
+        </p:nvSpPr>
+        <p:spPr>
+          <a:xfrm>
+            <a:off x="5371546" y="2554736"/>
+            <a:ext cx="1251881" cy="461665"/>
+          </a:xfrm>
+          <a:prstGeom prst="rect">
+            <a:avLst/>
+          </a:prstGeom>
+          <a:noFill/>
+        </p:spPr>
+        <p:txBody>
+          <a:bodyPr wrap="none" rtlCol="0">
+            <a:spAutoFit/>
+          </a:bodyPr>
+          <a:lstStyle/>
+          <a:p>
+            <a:r>
+              <a:rPr lang="en-US" sz="2400" dirty="0"/>
+              <a:t>Receiver</a:t>
+            </a:r>
+          </a:p>
+        </p:txBody>
+      </p:sp>
+      <p:sp>
+        <p:nvSpPr>
+          <p:cNvPr id="9" name="Rectangle 8">
+            <a:extLst>
+              <a:ext uri="{FF2B5EF4-FFF2-40B4-BE49-F238E27FC236}">
+                <a16:creationId xmlns:a16="http://schemas.microsoft.com/office/drawing/2014/main" id="{503A9071-9115-4617-9BE2-6C8815B63896}"/>
+              </a:ext>
+            </a:extLst>
+          </p:cNvPr>
+          <p:cNvSpPr/>
+          <p:nvPr/>
+        </p:nvSpPr>
+        <p:spPr>
+          <a:xfrm>
+            <a:off x="902825" y="694481"/>
+            <a:ext cx="1716134" cy="2336356"/>
+          </a:xfrm>
+          <a:prstGeom prst="rect">
+            <a:avLst/>
+          </a:prstGeom>
+          <a:noFill/>
+          <a:ln>
+            <a:prstDash val="lgDash"/>
+          </a:ln>
+        </p:spPr>
+        <p:style>
+          <a:lnRef idx="2">
+            <a:schemeClr val="dk1"/>
+          </a:lnRef>
+          <a:fillRef idx="1">
+            <a:schemeClr val="lt1"/>
+          </a:fillRef>
+          <a:effectRef idx="0">
+            <a:schemeClr val="dk1"/>
+          </a:effectRef>
+          <a:fontRef idx="minor">
+            <a:schemeClr val="dk1"/>
+          </a:fontRef>
+        </p:style>
+        <p:txBody>
+          <a:bodyPr rtlCol="0" anchor="ctr"/>
+          <a:lstStyle/>
+          <a:p>
+            <a:pPr algn="ctr"/>
+            <a:endParaRPr lang="en-US"/>
+          </a:p>
+        </p:txBody>
+      </p:sp>
+      <p:sp>
+        <p:nvSpPr>
+          <p:cNvPr id="48" name="Rectangle 47">
+            <a:extLst>
+              <a:ext uri="{FF2B5EF4-FFF2-40B4-BE49-F238E27FC236}">
+                <a16:creationId xmlns:a16="http://schemas.microsoft.com/office/drawing/2014/main" id="{1185B15A-1F62-4513-9018-7F75B51A5BEF}"/>
+              </a:ext>
+            </a:extLst>
+          </p:cNvPr>
+          <p:cNvSpPr/>
+          <p:nvPr/>
+        </p:nvSpPr>
+        <p:spPr>
+          <a:xfrm>
+            <a:off x="4865272" y="694481"/>
+            <a:ext cx="2282288" cy="2336356"/>
+          </a:xfrm>
+          <a:prstGeom prst="rect">
+            <a:avLst/>
+          </a:prstGeom>
+          <a:noFill/>
+          <a:ln>
+            <a:prstDash val="lgDash"/>
+          </a:ln>
+        </p:spPr>
+        <p:style>
+          <a:lnRef idx="2">
+            <a:schemeClr val="dk1"/>
+          </a:lnRef>
+          <a:fillRef idx="1">
+            <a:schemeClr val="lt1"/>
+          </a:fillRef>
+          <a:effectRef idx="0">
+            <a:schemeClr val="dk1"/>
+          </a:effectRef>
+          <a:fontRef idx="minor">
+            <a:schemeClr val="dk1"/>
+          </a:fontRef>
+        </p:style>
+        <p:txBody>
+          <a:bodyPr rtlCol="0" anchor="ctr"/>
+          <a:lstStyle/>
+          <a:p>
+            <a:pPr algn="ctr"/>
+            <a:endParaRPr lang="en-US"/>
+          </a:p>
+        </p:txBody>
+      </p:sp>
+      <p:sp>
+        <p:nvSpPr>
+          <p:cNvPr id="49" name="Rectangle 48">
+            <a:extLst>
+              <a:ext uri="{FF2B5EF4-FFF2-40B4-BE49-F238E27FC236}">
+                <a16:creationId xmlns:a16="http://schemas.microsoft.com/office/drawing/2014/main" id="{3EC2E2B1-4114-4A1D-A8E9-48E8FB69F2DF}"/>
+              </a:ext>
+            </a:extLst>
+          </p:cNvPr>
+          <p:cNvSpPr/>
+          <p:nvPr/>
+        </p:nvSpPr>
+        <p:spPr>
+          <a:xfrm>
+            <a:off x="2735657" y="694481"/>
+            <a:ext cx="2020624" cy="2336356"/>
+          </a:xfrm>
+          <a:prstGeom prst="rect">
+            <a:avLst/>
+          </a:prstGeom>
+          <a:noFill/>
+          <a:ln>
+            <a:prstDash val="lgDash"/>
+          </a:ln>
+        </p:spPr>
+        <p:style>
+          <a:lnRef idx="2">
+            <a:schemeClr val="dk1"/>
+          </a:lnRef>
+          <a:fillRef idx="1">
+            <a:schemeClr val="lt1"/>
+          </a:fillRef>
+          <a:effectRef idx="0">
+            <a:schemeClr val="dk1"/>
+          </a:effectRef>
+          <a:fontRef idx="minor">
+            <a:schemeClr val="dk1"/>
+          </a:fontRef>
+        </p:style>
+        <p:txBody>
+          <a:bodyPr rtlCol="0" anchor="ctr"/>
+          <a:lstStyle/>
+          <a:p>
+            <a:pPr algn="ctr"/>
+            <a:endParaRPr lang="en-US"/>
+          </a:p>
+        </p:txBody>
+      </p:sp>
+      <p:sp>
+        <p:nvSpPr>
+          <p:cNvPr id="50" name="TextBox 49">
+            <a:extLst>
+              <a:ext uri="{FF2B5EF4-FFF2-40B4-BE49-F238E27FC236}">
+                <a16:creationId xmlns:a16="http://schemas.microsoft.com/office/drawing/2014/main" id="{98CD816A-CDC2-4E00-94E6-4BC60147A031}"/>
+              </a:ext>
+            </a:extLst>
+          </p:cNvPr>
+          <p:cNvSpPr txBox="1"/>
+          <p:nvPr/>
+        </p:nvSpPr>
+        <p:spPr>
+          <a:xfrm>
+            <a:off x="2906433" y="2554737"/>
+            <a:ext cx="1765227" cy="461665"/>
+          </a:xfrm>
+          <a:prstGeom prst="rect">
+            <a:avLst/>
+          </a:prstGeom>
+          <a:noFill/>
+        </p:spPr>
+        <p:txBody>
+          <a:bodyPr wrap="none" rtlCol="0">
+            <a:spAutoFit/>
+          </a:bodyPr>
+          <a:lstStyle/>
+          <a:p>
+            <a:r>
+              <a:rPr lang="en-US" sz="2400" dirty="0" err="1"/>
+              <a:t>shm</a:t>
+            </a:r>
+            <a:r>
+              <a:rPr lang="en-US" sz="2400" dirty="0"/>
+              <a:t> / RDMA</a:t>
+            </a:r>
+          </a:p>
+        </p:txBody>
+      </p:sp>
+      <p:grpSp>
+        <p:nvGrpSpPr>
+          <p:cNvPr id="10" name="Group 9">
+            <a:extLst>
+              <a:ext uri="{FF2B5EF4-FFF2-40B4-BE49-F238E27FC236}">
+                <a16:creationId xmlns:a16="http://schemas.microsoft.com/office/drawing/2014/main" id="{64FB3223-DFF7-49F1-A38A-C63EEAE8FF86}"/>
+              </a:ext>
+            </a:extLst>
+          </p:cNvPr>
+          <p:cNvGrpSpPr/>
+          <p:nvPr/>
+        </p:nvGrpSpPr>
+        <p:grpSpPr>
+          <a:xfrm>
+            <a:off x="2827713" y="772884"/>
+            <a:ext cx="1932196" cy="387854"/>
+            <a:chOff x="2827713" y="772884"/>
+            <a:chExt cx="1932196" cy="387854"/>
+          </a:xfrm>
+        </p:grpSpPr>
+        <p:grpSp>
+          <p:nvGrpSpPr>
+            <p:cNvPr id="51" name="Group 50">
+              <a:extLst>
+                <a:ext uri="{FF2B5EF4-FFF2-40B4-BE49-F238E27FC236}">
+                  <a16:creationId xmlns:a16="http://schemas.microsoft.com/office/drawing/2014/main" id="{24EF4D7F-084B-4649-A5A5-9ABC2399CC4F}"/>
+                </a:ext>
+              </a:extLst>
+            </p:cNvPr>
+            <p:cNvGrpSpPr/>
+            <p:nvPr/>
+          </p:nvGrpSpPr>
+          <p:grpSpPr>
+            <a:xfrm>
+              <a:off x="2827713" y="791406"/>
+              <a:ext cx="1932196" cy="369332"/>
+              <a:chOff x="2788920" y="2200705"/>
+              <a:chExt cx="1932196" cy="369332"/>
+            </a:xfrm>
+          </p:grpSpPr>
+          <p:sp>
+            <p:nvSpPr>
+              <p:cNvPr id="52" name="Rectangle 51">
+                <a:extLst>
+                  <a:ext uri="{FF2B5EF4-FFF2-40B4-BE49-F238E27FC236}">
+                    <a16:creationId xmlns:a16="http://schemas.microsoft.com/office/drawing/2014/main" id="{D4FB0B32-6DC2-4665-968D-6A23D86E5AEC}"/>
+                  </a:ext>
+                </a:extLst>
+              </p:cNvPr>
+              <p:cNvSpPr/>
+              <p:nvPr/>
+            </p:nvSpPr>
+            <p:spPr>
+              <a:xfrm>
+                <a:off x="2788920" y="2238582"/>
+                <a:ext cx="1856232" cy="274320"/>
+              </a:xfrm>
+              <a:prstGeom prst="rect">
+                <a:avLst/>
+              </a:prstGeom>
+              <a:ln w="28575"/>
+            </p:spPr>
+            <p:style>
+              <a:lnRef idx="2">
+                <a:schemeClr val="dk1"/>
+              </a:lnRef>
+              <a:fillRef idx="1">
+                <a:schemeClr val="lt1"/>
+              </a:fillRef>
+              <a:effectRef idx="0">
+                <a:schemeClr val="dk1"/>
+              </a:effectRef>
+              <a:fontRef idx="minor">
+                <a:schemeClr val="dk1"/>
+              </a:fontRef>
+            </p:style>
+            <p:txBody>
+              <a:bodyPr rtlCol="0" anchor="ctr"/>
+              <a:lstStyle/>
+              <a:p>
+                <a:pPr algn="ctr"/>
+                <a:endParaRPr lang="en-US" dirty="0"/>
+              </a:p>
+            </p:txBody>
+          </p:sp>
+          <p:cxnSp>
+            <p:nvCxnSpPr>
+              <p:cNvPr id="53" name="Straight Connector 52">
+                <a:extLst>
+                  <a:ext uri="{FF2B5EF4-FFF2-40B4-BE49-F238E27FC236}">
+                    <a16:creationId xmlns:a16="http://schemas.microsoft.com/office/drawing/2014/main" id="{447C86BA-8F60-4EAC-834D-E7A3B87315EF}"/>
+                  </a:ext>
+                </a:extLst>
+              </p:cNvPr>
+              <p:cNvCxnSpPr/>
+              <p:nvPr/>
+            </p:nvCxnSpPr>
+            <p:spPr>
+              <a:xfrm>
+                <a:off x="4239129" y="2233178"/>
+                <a:ext cx="0" cy="274320"/>
+              </a:xfrm>
+              <a:prstGeom prst="line">
+                <a:avLst/>
+              </a:prstGeom>
+              <a:ln w="28575"/>
+            </p:spPr>
+            <p:style>
+              <a:lnRef idx="1">
+                <a:schemeClr val="dk1"/>
+              </a:lnRef>
+              <a:fillRef idx="0">
+                <a:schemeClr val="dk1"/>
+              </a:fillRef>
+              <a:effectRef idx="0">
+                <a:schemeClr val="dk1"/>
+              </a:effectRef>
+              <a:fontRef idx="minor">
+                <a:schemeClr val="tx1"/>
+              </a:fontRef>
+            </p:style>
+          </p:cxnSp>
+          <p:cxnSp>
+            <p:nvCxnSpPr>
+              <p:cNvPr id="54" name="Straight Connector 53">
+                <a:extLst>
+                  <a:ext uri="{FF2B5EF4-FFF2-40B4-BE49-F238E27FC236}">
+                    <a16:creationId xmlns:a16="http://schemas.microsoft.com/office/drawing/2014/main" id="{A534937F-3D1D-4436-9E9B-5B88F3094AD4}"/>
+                  </a:ext>
+                </a:extLst>
+              </p:cNvPr>
+              <p:cNvCxnSpPr/>
+              <p:nvPr/>
+            </p:nvCxnSpPr>
+            <p:spPr>
+              <a:xfrm>
+                <a:off x="3831413" y="2233178"/>
+                <a:ext cx="0" cy="274320"/>
+              </a:xfrm>
+              <a:prstGeom prst="line">
+                <a:avLst/>
+              </a:prstGeom>
+              <a:ln w="28575"/>
+            </p:spPr>
+            <p:style>
+              <a:lnRef idx="1">
+                <a:schemeClr val="dk1"/>
+              </a:lnRef>
+              <a:fillRef idx="0">
+                <a:schemeClr val="dk1"/>
+              </a:fillRef>
+              <a:effectRef idx="0">
+                <a:schemeClr val="dk1"/>
+              </a:effectRef>
+              <a:fontRef idx="minor">
+                <a:schemeClr val="tx1"/>
+              </a:fontRef>
+            </p:style>
+          </p:cxnSp>
+          <p:sp>
+            <p:nvSpPr>
+              <p:cNvPr id="57" name="TextBox 56">
+                <a:extLst>
+                  <a:ext uri="{FF2B5EF4-FFF2-40B4-BE49-F238E27FC236}">
+                    <a16:creationId xmlns:a16="http://schemas.microsoft.com/office/drawing/2014/main" id="{4641F2CA-9C95-4A87-87E6-E1A8D0E64FC6}"/>
+                  </a:ext>
+                </a:extLst>
+              </p:cNvPr>
+              <p:cNvSpPr txBox="1"/>
+              <p:nvPr/>
+            </p:nvSpPr>
+            <p:spPr>
+              <a:xfrm>
+                <a:off x="4170965" y="2200705"/>
+                <a:ext cx="550151" cy="369332"/>
+              </a:xfrm>
+              <a:prstGeom prst="rect">
+                <a:avLst/>
+              </a:prstGeom>
+              <a:noFill/>
+            </p:spPr>
+            <p:txBody>
+              <a:bodyPr wrap="none" rtlCol="0">
+                <a:spAutoFit/>
+              </a:bodyPr>
+              <a:lstStyle/>
+              <a:p>
+                <a:r>
+                  <a:rPr lang="en-US" dirty="0"/>
+                  <a:t>FD3</a:t>
+                </a:r>
+              </a:p>
+            </p:txBody>
+          </p:sp>
+          <p:sp>
+            <p:nvSpPr>
+              <p:cNvPr id="58" name="TextBox 57">
+                <a:extLst>
+                  <a:ext uri="{FF2B5EF4-FFF2-40B4-BE49-F238E27FC236}">
+                    <a16:creationId xmlns:a16="http://schemas.microsoft.com/office/drawing/2014/main" id="{FB16F888-F1F6-40B2-8818-708EC0F2D9A9}"/>
+                  </a:ext>
+                </a:extLst>
+              </p:cNvPr>
+              <p:cNvSpPr txBox="1"/>
+              <p:nvPr/>
+            </p:nvSpPr>
+            <p:spPr>
+              <a:xfrm>
+                <a:off x="3766794" y="2200705"/>
+                <a:ext cx="550151" cy="369332"/>
+              </a:xfrm>
+              <a:prstGeom prst="rect">
+                <a:avLst/>
+              </a:prstGeom>
+              <a:noFill/>
+            </p:spPr>
+            <p:txBody>
+              <a:bodyPr wrap="none" rtlCol="0">
+                <a:spAutoFit/>
+              </a:bodyPr>
+              <a:lstStyle/>
+              <a:p>
+                <a:r>
+                  <a:rPr lang="en-US" dirty="0"/>
+                  <a:t>FD4</a:t>
+                </a:r>
+              </a:p>
+            </p:txBody>
+          </p:sp>
+        </p:grpSp>
+        <p:sp>
+          <p:nvSpPr>
+            <p:cNvPr id="60" name="TextBox 59">
+              <a:extLst>
+                <a:ext uri="{FF2B5EF4-FFF2-40B4-BE49-F238E27FC236}">
+                  <a16:creationId xmlns:a16="http://schemas.microsoft.com/office/drawing/2014/main" id="{61C11836-E5A4-4DB7-AFCC-AC6671E2BA79}"/>
+                </a:ext>
+              </a:extLst>
+            </p:cNvPr>
+            <p:cNvSpPr txBox="1"/>
+            <p:nvPr/>
+          </p:nvSpPr>
+          <p:spPr>
+            <a:xfrm>
+              <a:off x="3574287" y="772884"/>
+              <a:ext cx="343364" cy="369332"/>
+            </a:xfrm>
+            <a:prstGeom prst="rect">
+              <a:avLst/>
+            </a:prstGeom>
+            <a:noFill/>
+          </p:spPr>
+          <p:txBody>
+            <a:bodyPr wrap="none" rtlCol="0">
+              <a:spAutoFit/>
+            </a:bodyPr>
+            <a:lstStyle/>
+            <a:p>
+              <a:r>
+                <a:rPr lang="en-US" dirty="0"/>
+                <a:t>…</a:t>
+              </a:r>
+            </a:p>
+          </p:txBody>
+        </p:sp>
+      </p:grpSp>
+      <p:grpSp>
+        <p:nvGrpSpPr>
+          <p:cNvPr id="13" name="Group 12">
+            <a:extLst>
+              <a:ext uri="{FF2B5EF4-FFF2-40B4-BE49-F238E27FC236}">
+                <a16:creationId xmlns:a16="http://schemas.microsoft.com/office/drawing/2014/main" id="{D67E17DD-CCA6-4E47-B1EC-A3C90FEF2ABC}"/>
+              </a:ext>
+            </a:extLst>
+          </p:cNvPr>
+          <p:cNvGrpSpPr/>
+          <p:nvPr/>
+        </p:nvGrpSpPr>
+        <p:grpSpPr>
+          <a:xfrm>
+            <a:off x="5873560" y="1855815"/>
+            <a:ext cx="550151" cy="630279"/>
+            <a:chOff x="5873560" y="1855815"/>
+            <a:chExt cx="550151" cy="630279"/>
+          </a:xfrm>
+        </p:grpSpPr>
+        <p:grpSp>
+          <p:nvGrpSpPr>
+            <p:cNvPr id="75" name="组合 59">
+              <a:extLst>
+                <a:ext uri="{FF2B5EF4-FFF2-40B4-BE49-F238E27FC236}">
+                  <a16:creationId xmlns:a16="http://schemas.microsoft.com/office/drawing/2014/main" id="{1F9B2822-F137-4C3D-9F0C-2F3CDCA1B711}"/>
+                </a:ext>
+              </a:extLst>
+            </p:cNvPr>
+            <p:cNvGrpSpPr/>
+            <p:nvPr/>
+          </p:nvGrpSpPr>
+          <p:grpSpPr>
+            <a:xfrm>
+              <a:off x="5905158" y="1855815"/>
+              <a:ext cx="486950" cy="630279"/>
+              <a:chOff x="7330281" y="2278987"/>
+              <a:chExt cx="304800" cy="456275"/>
+            </a:xfrm>
+            <a:solidFill>
               <a:schemeClr val="tx1"/>
-            </a:fontRef>
-          </p:style>
-        </p:cxnSp>
+            </a:solidFill>
+          </p:grpSpPr>
+          <p:sp>
+            <p:nvSpPr>
+              <p:cNvPr id="76" name="空心弧 60">
+                <a:extLst>
+                  <a:ext uri="{FF2B5EF4-FFF2-40B4-BE49-F238E27FC236}">
+                    <a16:creationId xmlns:a16="http://schemas.microsoft.com/office/drawing/2014/main" id="{F25B5862-E665-4E30-954D-ED1354CD9D34}"/>
+                  </a:ext>
+                </a:extLst>
+              </p:cNvPr>
+              <p:cNvSpPr/>
+              <p:nvPr/>
+            </p:nvSpPr>
+            <p:spPr bwMode="auto">
+              <a:xfrm>
+                <a:off x="7330281" y="2278987"/>
+                <a:ext cx="304800" cy="381000"/>
+              </a:xfrm>
+              <a:prstGeom prst="blockArc">
+                <a:avLst/>
+              </a:prstGeom>
+              <a:grpFill/>
+              <a:ln>
+                <a:noFill/>
+                <a:headEnd type="none" w="med" len="med"/>
+                <a:tailEnd type="none" w="med" len="med"/>
+              </a:ln>
+              <a:effectLst/>
+            </p:spPr>
+            <p:style>
+              <a:lnRef idx="1">
+                <a:schemeClr val="accent2"/>
+              </a:lnRef>
+              <a:fillRef idx="3">
+                <a:schemeClr val="accent2"/>
+              </a:fillRef>
+              <a:effectRef idx="2">
+                <a:schemeClr val="accent2"/>
+              </a:effectRef>
+              <a:fontRef idx="minor">
+                <a:schemeClr val="lt1"/>
+              </a:fontRef>
+            </p:style>
+            <p:txBody>
+              <a:bodyPr rot="0" spcFirstLastPara="0" vertOverflow="overflow" horzOverflow="overflow" vert="horz" wrap="square" lIns="179310" tIns="143448" rIns="179310" bIns="143448" numCol="1" spcCol="0" rtlCol="0" fromWordArt="0" anchor="t" anchorCtr="0" forceAA="0" compatLnSpc="1">
+                <a:prstTxWarp prst="textNoShape">
+                  <a:avLst/>
+                </a:prstTxWarp>
+                <a:noAutofit/>
+              </a:bodyPr>
+              <a:lstStyle/>
+              <a:p>
+                <a:pPr algn="ctr" defTabSz="914289" fontAlgn="base">
+                  <a:lnSpc>
+                    <a:spcPct val="90000"/>
+                  </a:lnSpc>
+                  <a:spcBef>
+                    <a:spcPct val="0"/>
+                  </a:spcBef>
+                  <a:spcAft>
+                    <a:spcPct val="0"/>
+                  </a:spcAft>
+                </a:pPr>
+                <a:endParaRPr lang="en-US" sz="2353" dirty="0" err="1">
+                  <a:gradFill>
+                    <a:gsLst>
+                      <a:gs pos="0">
+                        <a:srgbClr val="FFFFFF"/>
+                      </a:gs>
+                      <a:gs pos="100000">
+                        <a:srgbClr val="FFFFFF"/>
+                      </a:gs>
+                    </a:gsLst>
+                    <a:lin ang="5400000" scaled="0"/>
+                  </a:gradFill>
+                  <a:ea typeface="Segoe UI" pitchFamily="34" charset="0"/>
+                  <a:cs typeface="Segoe UI" pitchFamily="34" charset="0"/>
+                </a:endParaRPr>
+              </a:p>
+            </p:txBody>
+          </p:sp>
+          <p:sp>
+            <p:nvSpPr>
+              <p:cNvPr id="77" name="矩形 61">
+                <a:extLst>
+                  <a:ext uri="{FF2B5EF4-FFF2-40B4-BE49-F238E27FC236}">
+                    <a16:creationId xmlns:a16="http://schemas.microsoft.com/office/drawing/2014/main" id="{6442E8E5-937A-4AEB-8CE4-7D7D4A3B5C6E}"/>
+                  </a:ext>
+                </a:extLst>
+              </p:cNvPr>
+              <p:cNvSpPr/>
+              <p:nvPr/>
+            </p:nvSpPr>
+            <p:spPr bwMode="auto">
+              <a:xfrm>
+                <a:off x="7330281" y="2488184"/>
+                <a:ext cx="304800" cy="247078"/>
+              </a:xfrm>
+              <a:prstGeom prst="rect">
+                <a:avLst/>
+              </a:prstGeom>
+              <a:grpFill/>
+              <a:ln>
+                <a:noFill/>
+                <a:headEnd type="none" w="med" len="med"/>
+                <a:tailEnd type="none" w="med" len="med"/>
+              </a:ln>
+              <a:effectLst/>
+            </p:spPr>
+            <p:style>
+              <a:lnRef idx="1">
+                <a:schemeClr val="accent2"/>
+              </a:lnRef>
+              <a:fillRef idx="3">
+                <a:schemeClr val="accent2"/>
+              </a:fillRef>
+              <a:effectRef idx="2">
+                <a:schemeClr val="accent2"/>
+              </a:effectRef>
+              <a:fontRef idx="minor">
+                <a:schemeClr val="lt1"/>
+              </a:fontRef>
+            </p:style>
+            <p:txBody>
+              <a:bodyPr rot="0" spcFirstLastPara="0" vertOverflow="overflow" horzOverflow="overflow" vert="horz" wrap="square" lIns="179310" tIns="143448" rIns="179310" bIns="143448" numCol="1" spcCol="0" rtlCol="0" fromWordArt="0" anchor="t" anchorCtr="0" forceAA="0" compatLnSpc="1">
+                <a:prstTxWarp prst="textNoShape">
+                  <a:avLst/>
+                </a:prstTxWarp>
+                <a:noAutofit/>
+              </a:bodyPr>
+              <a:lstStyle/>
+              <a:p>
+                <a:pPr algn="ctr" defTabSz="914289" fontAlgn="base">
+                  <a:lnSpc>
+                    <a:spcPct val="90000"/>
+                  </a:lnSpc>
+                  <a:spcBef>
+                    <a:spcPct val="0"/>
+                  </a:spcBef>
+                  <a:spcAft>
+                    <a:spcPct val="0"/>
+                  </a:spcAft>
+                </a:pPr>
+                <a:endParaRPr lang="en-US" sz="2353" dirty="0">
+                  <a:gradFill>
+                    <a:gsLst>
+                      <a:gs pos="0">
+                        <a:srgbClr val="FFFFFF"/>
+                      </a:gs>
+                      <a:gs pos="100000">
+                        <a:srgbClr val="FFFFFF"/>
+                      </a:gs>
+                    </a:gsLst>
+                    <a:lin ang="5400000" scaled="0"/>
+                  </a:gradFill>
+                  <a:ea typeface="Segoe UI" pitchFamily="34" charset="0"/>
+                  <a:cs typeface="Segoe UI" pitchFamily="34" charset="0"/>
+                </a:endParaRPr>
+              </a:p>
+            </p:txBody>
+          </p:sp>
+        </p:grpSp>
+        <p:sp>
+          <p:nvSpPr>
+            <p:cNvPr id="11" name="TextBox 10">
+              <a:extLst>
+                <a:ext uri="{FF2B5EF4-FFF2-40B4-BE49-F238E27FC236}">
+                  <a16:creationId xmlns:a16="http://schemas.microsoft.com/office/drawing/2014/main" id="{27F89CE1-B550-48EE-B925-59674914313C}"/>
+                </a:ext>
+              </a:extLst>
+            </p:cNvPr>
+            <p:cNvSpPr txBox="1"/>
+            <p:nvPr/>
+          </p:nvSpPr>
+          <p:spPr>
+            <a:xfrm>
+              <a:off x="5873560" y="2111988"/>
+              <a:ext cx="550151" cy="369333"/>
+            </a:xfrm>
+            <a:prstGeom prst="rect">
+              <a:avLst/>
+            </a:prstGeom>
+            <a:solidFill>
+              <a:schemeClr val="tx1"/>
+            </a:solidFill>
+          </p:spPr>
+          <p:txBody>
+            <a:bodyPr wrap="none" rtlCol="0">
+              <a:spAutoFit/>
+            </a:bodyPr>
+            <a:lstStyle/>
+            <a:p>
+              <a:r>
+                <a:rPr lang="en-US" dirty="0">
+                  <a:solidFill>
+                    <a:schemeClr val="bg1"/>
+                  </a:solidFill>
+                </a:rPr>
+                <a:t>FD1</a:t>
+              </a:r>
+            </a:p>
+          </p:txBody>
+        </p:sp>
+      </p:grpSp>
+      <p:sp>
+        <p:nvSpPr>
+          <p:cNvPr id="12" name="TextBox 11">
+            <a:extLst>
+              <a:ext uri="{FF2B5EF4-FFF2-40B4-BE49-F238E27FC236}">
+                <a16:creationId xmlns:a16="http://schemas.microsoft.com/office/drawing/2014/main" id="{F42B5ABC-03C2-402F-93BA-B91245AB3958}"/>
+              </a:ext>
+            </a:extLst>
+          </p:cNvPr>
+          <p:cNvSpPr txBox="1"/>
+          <p:nvPr/>
+        </p:nvSpPr>
+        <p:spPr>
+          <a:xfrm>
+            <a:off x="4919447" y="823821"/>
+            <a:ext cx="1013611" cy="369332"/>
+          </a:xfrm>
+          <a:prstGeom prst="rect">
+            <a:avLst/>
+          </a:prstGeom>
+          <a:noFill/>
+        </p:spPr>
+        <p:txBody>
+          <a:bodyPr wrap="none" rtlCol="0">
+            <a:spAutoFit/>
+          </a:bodyPr>
+          <a:lstStyle/>
+          <a:p>
+            <a:r>
+              <a:rPr lang="en-US" dirty="0"/>
+              <a:t>Thread 1</a:t>
+            </a:r>
+          </a:p>
+        </p:txBody>
+      </p:sp>
+      <p:sp>
+        <p:nvSpPr>
+          <p:cNvPr id="78" name="TextBox 77">
+            <a:extLst>
+              <a:ext uri="{FF2B5EF4-FFF2-40B4-BE49-F238E27FC236}">
+                <a16:creationId xmlns:a16="http://schemas.microsoft.com/office/drawing/2014/main" id="{2B72D8E2-6200-4F37-B7FA-10D5B382137B}"/>
+              </a:ext>
+            </a:extLst>
+          </p:cNvPr>
+          <p:cNvSpPr txBox="1"/>
+          <p:nvPr/>
+        </p:nvSpPr>
+        <p:spPr>
+          <a:xfrm>
+            <a:off x="4931235" y="1774183"/>
+            <a:ext cx="1013611" cy="369332"/>
+          </a:xfrm>
+          <a:prstGeom prst="rect">
+            <a:avLst/>
+          </a:prstGeom>
+          <a:noFill/>
+        </p:spPr>
+        <p:txBody>
+          <a:bodyPr wrap="none" rtlCol="0">
+            <a:spAutoFit/>
+          </a:bodyPr>
+          <a:lstStyle/>
+          <a:p>
+            <a:r>
+              <a:rPr lang="en-US" dirty="0"/>
+              <a:t>Thread 2</a:t>
+            </a:r>
+          </a:p>
+        </p:txBody>
+      </p:sp>
+      <p:grpSp>
+        <p:nvGrpSpPr>
+          <p:cNvPr id="79" name="Group 78">
+            <a:extLst>
+              <a:ext uri="{FF2B5EF4-FFF2-40B4-BE49-F238E27FC236}">
+                <a16:creationId xmlns:a16="http://schemas.microsoft.com/office/drawing/2014/main" id="{D29F0331-9E21-4E71-AEEC-6FAE19D6D7F2}"/>
+              </a:ext>
+            </a:extLst>
+          </p:cNvPr>
+          <p:cNvGrpSpPr/>
+          <p:nvPr/>
+        </p:nvGrpSpPr>
+        <p:grpSpPr>
+          <a:xfrm>
+            <a:off x="6455309" y="1855815"/>
+            <a:ext cx="550151" cy="630279"/>
+            <a:chOff x="5873557" y="1855815"/>
+            <a:chExt cx="550151" cy="630279"/>
+          </a:xfrm>
+        </p:grpSpPr>
+        <p:grpSp>
+          <p:nvGrpSpPr>
+            <p:cNvPr id="80" name="组合 59">
+              <a:extLst>
+                <a:ext uri="{FF2B5EF4-FFF2-40B4-BE49-F238E27FC236}">
+                  <a16:creationId xmlns:a16="http://schemas.microsoft.com/office/drawing/2014/main" id="{F706FCE7-5BFC-4993-9CEE-BA8EDA5C01ED}"/>
+                </a:ext>
+              </a:extLst>
+            </p:cNvPr>
+            <p:cNvGrpSpPr/>
+            <p:nvPr/>
+          </p:nvGrpSpPr>
+          <p:grpSpPr>
+            <a:xfrm>
+              <a:off x="5905158" y="1855815"/>
+              <a:ext cx="486950" cy="630279"/>
+              <a:chOff x="7330281" y="2278987"/>
+              <a:chExt cx="304800" cy="456275"/>
+            </a:xfrm>
+            <a:solidFill>
+              <a:schemeClr val="tx1"/>
+            </a:solidFill>
+          </p:grpSpPr>
+          <p:sp>
+            <p:nvSpPr>
+              <p:cNvPr id="82" name="空心弧 60">
+                <a:extLst>
+                  <a:ext uri="{FF2B5EF4-FFF2-40B4-BE49-F238E27FC236}">
+                    <a16:creationId xmlns:a16="http://schemas.microsoft.com/office/drawing/2014/main" id="{1AF7C642-D2F6-40AC-BDA4-06602A4D115D}"/>
+                  </a:ext>
+                </a:extLst>
+              </p:cNvPr>
+              <p:cNvSpPr/>
+              <p:nvPr/>
+            </p:nvSpPr>
+            <p:spPr bwMode="auto">
+              <a:xfrm>
+                <a:off x="7330281" y="2278987"/>
+                <a:ext cx="304800" cy="381000"/>
+              </a:xfrm>
+              <a:prstGeom prst="blockArc">
+                <a:avLst/>
+              </a:prstGeom>
+              <a:grpFill/>
+              <a:ln>
+                <a:noFill/>
+                <a:headEnd type="none" w="med" len="med"/>
+                <a:tailEnd type="none" w="med" len="med"/>
+              </a:ln>
+              <a:effectLst/>
+            </p:spPr>
+            <p:style>
+              <a:lnRef idx="1">
+                <a:schemeClr val="accent2"/>
+              </a:lnRef>
+              <a:fillRef idx="3">
+                <a:schemeClr val="accent2"/>
+              </a:fillRef>
+              <a:effectRef idx="2">
+                <a:schemeClr val="accent2"/>
+              </a:effectRef>
+              <a:fontRef idx="minor">
+                <a:schemeClr val="lt1"/>
+              </a:fontRef>
+            </p:style>
+            <p:txBody>
+              <a:bodyPr rot="0" spcFirstLastPara="0" vertOverflow="overflow" horzOverflow="overflow" vert="horz" wrap="square" lIns="179310" tIns="143448" rIns="179310" bIns="143448" numCol="1" spcCol="0" rtlCol="0" fromWordArt="0" anchor="t" anchorCtr="0" forceAA="0" compatLnSpc="1">
+                <a:prstTxWarp prst="textNoShape">
+                  <a:avLst/>
+                </a:prstTxWarp>
+                <a:noAutofit/>
+              </a:bodyPr>
+              <a:lstStyle/>
+              <a:p>
+                <a:pPr algn="ctr" defTabSz="914289" fontAlgn="base">
+                  <a:lnSpc>
+                    <a:spcPct val="90000"/>
+                  </a:lnSpc>
+                  <a:spcBef>
+                    <a:spcPct val="0"/>
+                  </a:spcBef>
+                  <a:spcAft>
+                    <a:spcPct val="0"/>
+                  </a:spcAft>
+                </a:pPr>
+                <a:endParaRPr lang="en-US" sz="2353" dirty="0" err="1">
+                  <a:gradFill>
+                    <a:gsLst>
+                      <a:gs pos="0">
+                        <a:srgbClr val="FFFFFF"/>
+                      </a:gs>
+                      <a:gs pos="100000">
+                        <a:srgbClr val="FFFFFF"/>
+                      </a:gs>
+                    </a:gsLst>
+                    <a:lin ang="5400000" scaled="0"/>
+                  </a:gradFill>
+                  <a:ea typeface="Segoe UI" pitchFamily="34" charset="0"/>
+                  <a:cs typeface="Segoe UI" pitchFamily="34" charset="0"/>
+                </a:endParaRPr>
+              </a:p>
+            </p:txBody>
+          </p:sp>
+          <p:sp>
+            <p:nvSpPr>
+              <p:cNvPr id="83" name="矩形 61">
+                <a:extLst>
+                  <a:ext uri="{FF2B5EF4-FFF2-40B4-BE49-F238E27FC236}">
+                    <a16:creationId xmlns:a16="http://schemas.microsoft.com/office/drawing/2014/main" id="{42F3DE62-E051-4EC7-802B-BC38E99E66B1}"/>
+                  </a:ext>
+                </a:extLst>
+              </p:cNvPr>
+              <p:cNvSpPr/>
+              <p:nvPr/>
+            </p:nvSpPr>
+            <p:spPr bwMode="auto">
+              <a:xfrm>
+                <a:off x="7330281" y="2488184"/>
+                <a:ext cx="304800" cy="247078"/>
+              </a:xfrm>
+              <a:prstGeom prst="rect">
+                <a:avLst/>
+              </a:prstGeom>
+              <a:grpFill/>
+              <a:ln>
+                <a:noFill/>
+                <a:headEnd type="none" w="med" len="med"/>
+                <a:tailEnd type="none" w="med" len="med"/>
+              </a:ln>
+              <a:effectLst/>
+            </p:spPr>
+            <p:style>
+              <a:lnRef idx="1">
+                <a:schemeClr val="accent2"/>
+              </a:lnRef>
+              <a:fillRef idx="3">
+                <a:schemeClr val="accent2"/>
+              </a:fillRef>
+              <a:effectRef idx="2">
+                <a:schemeClr val="accent2"/>
+              </a:effectRef>
+              <a:fontRef idx="minor">
+                <a:schemeClr val="lt1"/>
+              </a:fontRef>
+            </p:style>
+            <p:txBody>
+              <a:bodyPr rot="0" spcFirstLastPara="0" vertOverflow="overflow" horzOverflow="overflow" vert="horz" wrap="square" lIns="179310" tIns="143448" rIns="179310" bIns="143448" numCol="1" spcCol="0" rtlCol="0" fromWordArt="0" anchor="t" anchorCtr="0" forceAA="0" compatLnSpc="1">
+                <a:prstTxWarp prst="textNoShape">
+                  <a:avLst/>
+                </a:prstTxWarp>
+                <a:noAutofit/>
+              </a:bodyPr>
+              <a:lstStyle/>
+              <a:p>
+                <a:pPr algn="ctr" defTabSz="914289" fontAlgn="base">
+                  <a:lnSpc>
+                    <a:spcPct val="90000"/>
+                  </a:lnSpc>
+                  <a:spcBef>
+                    <a:spcPct val="0"/>
+                  </a:spcBef>
+                  <a:spcAft>
+                    <a:spcPct val="0"/>
+                  </a:spcAft>
+                </a:pPr>
+                <a:endParaRPr lang="en-US" sz="2353" dirty="0">
+                  <a:gradFill>
+                    <a:gsLst>
+                      <a:gs pos="0">
+                        <a:srgbClr val="FFFFFF"/>
+                      </a:gs>
+                      <a:gs pos="100000">
+                        <a:srgbClr val="FFFFFF"/>
+                      </a:gs>
+                    </a:gsLst>
+                    <a:lin ang="5400000" scaled="0"/>
+                  </a:gradFill>
+                  <a:ea typeface="Segoe UI" pitchFamily="34" charset="0"/>
+                  <a:cs typeface="Segoe UI" pitchFamily="34" charset="0"/>
+                </a:endParaRPr>
+              </a:p>
+            </p:txBody>
+          </p:sp>
+        </p:grpSp>
+        <p:sp>
+          <p:nvSpPr>
+            <p:cNvPr id="81" name="TextBox 80">
+              <a:extLst>
+                <a:ext uri="{FF2B5EF4-FFF2-40B4-BE49-F238E27FC236}">
+                  <a16:creationId xmlns:a16="http://schemas.microsoft.com/office/drawing/2014/main" id="{EAD4E2EC-DBF2-46B1-A2CB-ACCE060569E9}"/>
+                </a:ext>
+              </a:extLst>
+            </p:cNvPr>
+            <p:cNvSpPr txBox="1"/>
+            <p:nvPr/>
+          </p:nvSpPr>
+          <p:spPr>
+            <a:xfrm>
+              <a:off x="5873557" y="2111988"/>
+              <a:ext cx="550151" cy="369332"/>
+            </a:xfrm>
+            <a:prstGeom prst="rect">
+              <a:avLst/>
+            </a:prstGeom>
+            <a:solidFill>
+              <a:schemeClr val="tx1"/>
+            </a:solidFill>
+          </p:spPr>
+          <p:txBody>
+            <a:bodyPr wrap="none" rtlCol="0">
+              <a:spAutoFit/>
+            </a:bodyPr>
+            <a:lstStyle/>
+            <a:p>
+              <a:r>
+                <a:rPr lang="en-US" dirty="0">
+                  <a:solidFill>
+                    <a:schemeClr val="bg1"/>
+                  </a:solidFill>
+                </a:rPr>
+                <a:t>FD2</a:t>
+              </a:r>
+            </a:p>
+          </p:txBody>
+        </p:sp>
+      </p:grpSp>
+      <p:grpSp>
+        <p:nvGrpSpPr>
+          <p:cNvPr id="94" name="Group 93">
+            <a:extLst>
+              <a:ext uri="{FF2B5EF4-FFF2-40B4-BE49-F238E27FC236}">
+                <a16:creationId xmlns:a16="http://schemas.microsoft.com/office/drawing/2014/main" id="{6CBF1E88-D155-4552-84D0-E8FF2CA8C3EC}"/>
+              </a:ext>
+            </a:extLst>
+          </p:cNvPr>
+          <p:cNvGrpSpPr/>
+          <p:nvPr/>
+        </p:nvGrpSpPr>
+        <p:grpSpPr>
+          <a:xfrm>
+            <a:off x="5873557" y="896232"/>
+            <a:ext cx="550151" cy="630279"/>
+            <a:chOff x="5873557" y="1855815"/>
+            <a:chExt cx="550151" cy="630279"/>
+          </a:xfrm>
+        </p:grpSpPr>
+        <p:grpSp>
+          <p:nvGrpSpPr>
+            <p:cNvPr id="95" name="组合 59">
+              <a:extLst>
+                <a:ext uri="{FF2B5EF4-FFF2-40B4-BE49-F238E27FC236}">
+                  <a16:creationId xmlns:a16="http://schemas.microsoft.com/office/drawing/2014/main" id="{5A742680-F888-4475-8AA7-6F66F09846CB}"/>
+                </a:ext>
+              </a:extLst>
+            </p:cNvPr>
+            <p:cNvGrpSpPr/>
+            <p:nvPr/>
+          </p:nvGrpSpPr>
+          <p:grpSpPr>
+            <a:xfrm>
+              <a:off x="5905158" y="1855815"/>
+              <a:ext cx="486950" cy="630279"/>
+              <a:chOff x="7330281" y="2278987"/>
+              <a:chExt cx="304800" cy="456275"/>
+            </a:xfrm>
+            <a:solidFill>
+              <a:schemeClr val="tx1"/>
+            </a:solidFill>
+          </p:grpSpPr>
+          <p:sp>
+            <p:nvSpPr>
+              <p:cNvPr id="97" name="空心弧 60">
+                <a:extLst>
+                  <a:ext uri="{FF2B5EF4-FFF2-40B4-BE49-F238E27FC236}">
+                    <a16:creationId xmlns:a16="http://schemas.microsoft.com/office/drawing/2014/main" id="{314F4CAE-F571-4ECC-84F4-933396076B62}"/>
+                  </a:ext>
+                </a:extLst>
+              </p:cNvPr>
+              <p:cNvSpPr/>
+              <p:nvPr/>
+            </p:nvSpPr>
+            <p:spPr bwMode="auto">
+              <a:xfrm>
+                <a:off x="7330281" y="2278987"/>
+                <a:ext cx="304800" cy="381000"/>
+              </a:xfrm>
+              <a:prstGeom prst="blockArc">
+                <a:avLst/>
+              </a:prstGeom>
+              <a:grpFill/>
+              <a:ln>
+                <a:noFill/>
+                <a:headEnd type="none" w="med" len="med"/>
+                <a:tailEnd type="none" w="med" len="med"/>
+              </a:ln>
+              <a:effectLst/>
+            </p:spPr>
+            <p:style>
+              <a:lnRef idx="1">
+                <a:schemeClr val="accent2"/>
+              </a:lnRef>
+              <a:fillRef idx="3">
+                <a:schemeClr val="accent2"/>
+              </a:fillRef>
+              <a:effectRef idx="2">
+                <a:schemeClr val="accent2"/>
+              </a:effectRef>
+              <a:fontRef idx="minor">
+                <a:schemeClr val="lt1"/>
+              </a:fontRef>
+            </p:style>
+            <p:txBody>
+              <a:bodyPr rot="0" spcFirstLastPara="0" vertOverflow="overflow" horzOverflow="overflow" vert="horz" wrap="square" lIns="179310" tIns="143448" rIns="179310" bIns="143448" numCol="1" spcCol="0" rtlCol="0" fromWordArt="0" anchor="t" anchorCtr="0" forceAA="0" compatLnSpc="1">
+                <a:prstTxWarp prst="textNoShape">
+                  <a:avLst/>
+                </a:prstTxWarp>
+                <a:noAutofit/>
+              </a:bodyPr>
+              <a:lstStyle/>
+              <a:p>
+                <a:pPr algn="ctr" defTabSz="914289" fontAlgn="base">
+                  <a:lnSpc>
+                    <a:spcPct val="90000"/>
+                  </a:lnSpc>
+                  <a:spcBef>
+                    <a:spcPct val="0"/>
+                  </a:spcBef>
+                  <a:spcAft>
+                    <a:spcPct val="0"/>
+                  </a:spcAft>
+                </a:pPr>
+                <a:endParaRPr lang="en-US" sz="2353" dirty="0" err="1">
+                  <a:gradFill>
+                    <a:gsLst>
+                      <a:gs pos="0">
+                        <a:srgbClr val="FFFFFF"/>
+                      </a:gs>
+                      <a:gs pos="100000">
+                        <a:srgbClr val="FFFFFF"/>
+                      </a:gs>
+                    </a:gsLst>
+                    <a:lin ang="5400000" scaled="0"/>
+                  </a:gradFill>
+                  <a:ea typeface="Segoe UI" pitchFamily="34" charset="0"/>
+                  <a:cs typeface="Segoe UI" pitchFamily="34" charset="0"/>
+                </a:endParaRPr>
+              </a:p>
+            </p:txBody>
+          </p:sp>
+          <p:sp>
+            <p:nvSpPr>
+              <p:cNvPr id="98" name="矩形 61">
+                <a:extLst>
+                  <a:ext uri="{FF2B5EF4-FFF2-40B4-BE49-F238E27FC236}">
+                    <a16:creationId xmlns:a16="http://schemas.microsoft.com/office/drawing/2014/main" id="{F8844702-9374-40CF-889E-7F4FEEEDE901}"/>
+                  </a:ext>
+                </a:extLst>
+              </p:cNvPr>
+              <p:cNvSpPr/>
+              <p:nvPr/>
+            </p:nvSpPr>
+            <p:spPr bwMode="auto">
+              <a:xfrm>
+                <a:off x="7330281" y="2488184"/>
+                <a:ext cx="304800" cy="247078"/>
+              </a:xfrm>
+              <a:prstGeom prst="rect">
+                <a:avLst/>
+              </a:prstGeom>
+              <a:grpFill/>
+              <a:ln>
+                <a:noFill/>
+                <a:headEnd type="none" w="med" len="med"/>
+                <a:tailEnd type="none" w="med" len="med"/>
+              </a:ln>
+              <a:effectLst/>
+            </p:spPr>
+            <p:style>
+              <a:lnRef idx="1">
+                <a:schemeClr val="accent2"/>
+              </a:lnRef>
+              <a:fillRef idx="3">
+                <a:schemeClr val="accent2"/>
+              </a:fillRef>
+              <a:effectRef idx="2">
+                <a:schemeClr val="accent2"/>
+              </a:effectRef>
+              <a:fontRef idx="minor">
+                <a:schemeClr val="lt1"/>
+              </a:fontRef>
+            </p:style>
+            <p:txBody>
+              <a:bodyPr rot="0" spcFirstLastPara="0" vertOverflow="overflow" horzOverflow="overflow" vert="horz" wrap="square" lIns="179310" tIns="143448" rIns="179310" bIns="143448" numCol="1" spcCol="0" rtlCol="0" fromWordArt="0" anchor="t" anchorCtr="0" forceAA="0" compatLnSpc="1">
+                <a:prstTxWarp prst="textNoShape">
+                  <a:avLst/>
+                </a:prstTxWarp>
+                <a:noAutofit/>
+              </a:bodyPr>
+              <a:lstStyle/>
+              <a:p>
+                <a:pPr algn="ctr" defTabSz="914289" fontAlgn="base">
+                  <a:lnSpc>
+                    <a:spcPct val="90000"/>
+                  </a:lnSpc>
+                  <a:spcBef>
+                    <a:spcPct val="0"/>
+                  </a:spcBef>
+                  <a:spcAft>
+                    <a:spcPct val="0"/>
+                  </a:spcAft>
+                </a:pPr>
+                <a:endParaRPr lang="en-US" sz="2353" dirty="0">
+                  <a:gradFill>
+                    <a:gsLst>
+                      <a:gs pos="0">
+                        <a:srgbClr val="FFFFFF"/>
+                      </a:gs>
+                      <a:gs pos="100000">
+                        <a:srgbClr val="FFFFFF"/>
+                      </a:gs>
+                    </a:gsLst>
+                    <a:lin ang="5400000" scaled="0"/>
+                  </a:gradFill>
+                  <a:ea typeface="Segoe UI" pitchFamily="34" charset="0"/>
+                  <a:cs typeface="Segoe UI" pitchFamily="34" charset="0"/>
+                </a:endParaRPr>
+              </a:p>
+            </p:txBody>
+          </p:sp>
+        </p:grpSp>
+        <p:sp>
+          <p:nvSpPr>
+            <p:cNvPr id="96" name="TextBox 95">
+              <a:extLst>
+                <a:ext uri="{FF2B5EF4-FFF2-40B4-BE49-F238E27FC236}">
+                  <a16:creationId xmlns:a16="http://schemas.microsoft.com/office/drawing/2014/main" id="{BB0A5B30-6762-446F-B585-D7ADE913FECA}"/>
+                </a:ext>
+              </a:extLst>
+            </p:cNvPr>
+            <p:cNvSpPr txBox="1"/>
+            <p:nvPr/>
+          </p:nvSpPr>
+          <p:spPr>
+            <a:xfrm>
+              <a:off x="5873557" y="2111988"/>
+              <a:ext cx="550151" cy="369332"/>
+            </a:xfrm>
+            <a:prstGeom prst="rect">
+              <a:avLst/>
+            </a:prstGeom>
+            <a:solidFill>
+              <a:schemeClr val="tx1"/>
+            </a:solidFill>
+          </p:spPr>
+          <p:txBody>
+            <a:bodyPr wrap="none" rtlCol="0">
+              <a:spAutoFit/>
+            </a:bodyPr>
+            <a:lstStyle/>
+            <a:p>
+              <a:r>
+                <a:rPr lang="en-US" dirty="0">
+                  <a:solidFill>
+                    <a:schemeClr val="bg1"/>
+                  </a:solidFill>
+                </a:rPr>
+                <a:t>FD3</a:t>
+              </a:r>
+            </a:p>
+          </p:txBody>
+        </p:sp>
+      </p:grpSp>
+      <p:grpSp>
+        <p:nvGrpSpPr>
+          <p:cNvPr id="99" name="Group 98">
+            <a:extLst>
+              <a:ext uri="{FF2B5EF4-FFF2-40B4-BE49-F238E27FC236}">
+                <a16:creationId xmlns:a16="http://schemas.microsoft.com/office/drawing/2014/main" id="{7A527833-6436-44C6-BCD6-89C344ED6927}"/>
+              </a:ext>
+            </a:extLst>
+          </p:cNvPr>
+          <p:cNvGrpSpPr/>
+          <p:nvPr/>
+        </p:nvGrpSpPr>
+        <p:grpSpPr>
+          <a:xfrm>
+            <a:off x="6455309" y="896232"/>
+            <a:ext cx="550151" cy="630279"/>
+            <a:chOff x="5873557" y="1855815"/>
+            <a:chExt cx="550151" cy="630279"/>
+          </a:xfrm>
+        </p:grpSpPr>
+        <p:grpSp>
+          <p:nvGrpSpPr>
+            <p:cNvPr id="100" name="组合 59">
+              <a:extLst>
+                <a:ext uri="{FF2B5EF4-FFF2-40B4-BE49-F238E27FC236}">
+                  <a16:creationId xmlns:a16="http://schemas.microsoft.com/office/drawing/2014/main" id="{760ACD9E-25F5-45A4-B7DC-BA6B82DA1632}"/>
+                </a:ext>
+              </a:extLst>
+            </p:cNvPr>
+            <p:cNvGrpSpPr/>
+            <p:nvPr/>
+          </p:nvGrpSpPr>
+          <p:grpSpPr>
+            <a:xfrm>
+              <a:off x="5905158" y="1855815"/>
+              <a:ext cx="486950" cy="630279"/>
+              <a:chOff x="7330281" y="2278987"/>
+              <a:chExt cx="304800" cy="456275"/>
+            </a:xfrm>
+            <a:solidFill>
+              <a:schemeClr val="tx1"/>
+            </a:solidFill>
+          </p:grpSpPr>
+          <p:sp>
+            <p:nvSpPr>
+              <p:cNvPr id="102" name="空心弧 60">
+                <a:extLst>
+                  <a:ext uri="{FF2B5EF4-FFF2-40B4-BE49-F238E27FC236}">
+                    <a16:creationId xmlns:a16="http://schemas.microsoft.com/office/drawing/2014/main" id="{979F9CC6-4EE3-493F-B194-D28CA46D3D80}"/>
+                  </a:ext>
+                </a:extLst>
+              </p:cNvPr>
+              <p:cNvSpPr/>
+              <p:nvPr/>
+            </p:nvSpPr>
+            <p:spPr bwMode="auto">
+              <a:xfrm>
+                <a:off x="7330281" y="2278987"/>
+                <a:ext cx="304800" cy="381000"/>
+              </a:xfrm>
+              <a:prstGeom prst="blockArc">
+                <a:avLst/>
+              </a:prstGeom>
+              <a:grpFill/>
+              <a:ln>
+                <a:noFill/>
+                <a:headEnd type="none" w="med" len="med"/>
+                <a:tailEnd type="none" w="med" len="med"/>
+              </a:ln>
+              <a:effectLst/>
+            </p:spPr>
+            <p:style>
+              <a:lnRef idx="1">
+                <a:schemeClr val="accent2"/>
+              </a:lnRef>
+              <a:fillRef idx="3">
+                <a:schemeClr val="accent2"/>
+              </a:fillRef>
+              <a:effectRef idx="2">
+                <a:schemeClr val="accent2"/>
+              </a:effectRef>
+              <a:fontRef idx="minor">
+                <a:schemeClr val="lt1"/>
+              </a:fontRef>
+            </p:style>
+            <p:txBody>
+              <a:bodyPr rot="0" spcFirstLastPara="0" vertOverflow="overflow" horzOverflow="overflow" vert="horz" wrap="square" lIns="179310" tIns="143448" rIns="179310" bIns="143448" numCol="1" spcCol="0" rtlCol="0" fromWordArt="0" anchor="t" anchorCtr="0" forceAA="0" compatLnSpc="1">
+                <a:prstTxWarp prst="textNoShape">
+                  <a:avLst/>
+                </a:prstTxWarp>
+                <a:noAutofit/>
+              </a:bodyPr>
+              <a:lstStyle/>
+              <a:p>
+                <a:pPr algn="ctr" defTabSz="914289" fontAlgn="base">
+                  <a:lnSpc>
+                    <a:spcPct val="90000"/>
+                  </a:lnSpc>
+                  <a:spcBef>
+                    <a:spcPct val="0"/>
+                  </a:spcBef>
+                  <a:spcAft>
+                    <a:spcPct val="0"/>
+                  </a:spcAft>
+                </a:pPr>
+                <a:endParaRPr lang="en-US" sz="2353" dirty="0" err="1">
+                  <a:gradFill>
+                    <a:gsLst>
+                      <a:gs pos="0">
+                        <a:srgbClr val="FFFFFF"/>
+                      </a:gs>
+                      <a:gs pos="100000">
+                        <a:srgbClr val="FFFFFF"/>
+                      </a:gs>
+                    </a:gsLst>
+                    <a:lin ang="5400000" scaled="0"/>
+                  </a:gradFill>
+                  <a:ea typeface="Segoe UI" pitchFamily="34" charset="0"/>
+                  <a:cs typeface="Segoe UI" pitchFamily="34" charset="0"/>
+                </a:endParaRPr>
+              </a:p>
+            </p:txBody>
+          </p:sp>
+          <p:sp>
+            <p:nvSpPr>
+              <p:cNvPr id="103" name="矩形 61">
+                <a:extLst>
+                  <a:ext uri="{FF2B5EF4-FFF2-40B4-BE49-F238E27FC236}">
+                    <a16:creationId xmlns:a16="http://schemas.microsoft.com/office/drawing/2014/main" id="{B5864438-30C0-4AB9-BC76-E2C08A9C2280}"/>
+                  </a:ext>
+                </a:extLst>
+              </p:cNvPr>
+              <p:cNvSpPr/>
+              <p:nvPr/>
+            </p:nvSpPr>
+            <p:spPr bwMode="auto">
+              <a:xfrm>
+                <a:off x="7330281" y="2488184"/>
+                <a:ext cx="304800" cy="247078"/>
+              </a:xfrm>
+              <a:prstGeom prst="rect">
+                <a:avLst/>
+              </a:prstGeom>
+              <a:grpFill/>
+              <a:ln>
+                <a:noFill/>
+                <a:headEnd type="none" w="med" len="med"/>
+                <a:tailEnd type="none" w="med" len="med"/>
+              </a:ln>
+              <a:effectLst/>
+            </p:spPr>
+            <p:style>
+              <a:lnRef idx="1">
+                <a:schemeClr val="accent2"/>
+              </a:lnRef>
+              <a:fillRef idx="3">
+                <a:schemeClr val="accent2"/>
+              </a:fillRef>
+              <a:effectRef idx="2">
+                <a:schemeClr val="accent2"/>
+              </a:effectRef>
+              <a:fontRef idx="minor">
+                <a:schemeClr val="lt1"/>
+              </a:fontRef>
+            </p:style>
+            <p:txBody>
+              <a:bodyPr rot="0" spcFirstLastPara="0" vertOverflow="overflow" horzOverflow="overflow" vert="horz" wrap="square" lIns="179310" tIns="143448" rIns="179310" bIns="143448" numCol="1" spcCol="0" rtlCol="0" fromWordArt="0" anchor="t" anchorCtr="0" forceAA="0" compatLnSpc="1">
+                <a:prstTxWarp prst="textNoShape">
+                  <a:avLst/>
+                </a:prstTxWarp>
+                <a:noAutofit/>
+              </a:bodyPr>
+              <a:lstStyle/>
+              <a:p>
+                <a:pPr algn="ctr" defTabSz="914289" fontAlgn="base">
+                  <a:lnSpc>
+                    <a:spcPct val="90000"/>
+                  </a:lnSpc>
+                  <a:spcBef>
+                    <a:spcPct val="0"/>
+                  </a:spcBef>
+                  <a:spcAft>
+                    <a:spcPct val="0"/>
+                  </a:spcAft>
+                </a:pPr>
+                <a:endParaRPr lang="en-US" sz="2353" dirty="0">
+                  <a:gradFill>
+                    <a:gsLst>
+                      <a:gs pos="0">
+                        <a:srgbClr val="FFFFFF"/>
+                      </a:gs>
+                      <a:gs pos="100000">
+                        <a:srgbClr val="FFFFFF"/>
+                      </a:gs>
+                    </a:gsLst>
+                    <a:lin ang="5400000" scaled="0"/>
+                  </a:gradFill>
+                  <a:ea typeface="Segoe UI" pitchFamily="34" charset="0"/>
+                  <a:cs typeface="Segoe UI" pitchFamily="34" charset="0"/>
+                </a:endParaRPr>
+              </a:p>
+            </p:txBody>
+          </p:sp>
+        </p:grpSp>
+        <p:sp>
+          <p:nvSpPr>
+            <p:cNvPr id="101" name="TextBox 100">
+              <a:extLst>
+                <a:ext uri="{FF2B5EF4-FFF2-40B4-BE49-F238E27FC236}">
+                  <a16:creationId xmlns:a16="http://schemas.microsoft.com/office/drawing/2014/main" id="{8ED032F7-CB1F-498A-BA9E-C553FCFE3A2E}"/>
+                </a:ext>
+              </a:extLst>
+            </p:cNvPr>
+            <p:cNvSpPr txBox="1"/>
+            <p:nvPr/>
+          </p:nvSpPr>
+          <p:spPr>
+            <a:xfrm>
+              <a:off x="5873557" y="2111988"/>
+              <a:ext cx="550151" cy="369332"/>
+            </a:xfrm>
+            <a:prstGeom prst="rect">
+              <a:avLst/>
+            </a:prstGeom>
+            <a:solidFill>
+              <a:schemeClr val="tx1"/>
+            </a:solidFill>
+          </p:spPr>
+          <p:txBody>
+            <a:bodyPr wrap="none" rtlCol="0">
+              <a:spAutoFit/>
+            </a:bodyPr>
+            <a:lstStyle/>
+            <a:p>
+              <a:r>
+                <a:rPr lang="en-US" dirty="0">
+                  <a:solidFill>
+                    <a:schemeClr val="bg1"/>
+                  </a:solidFill>
+                </a:rPr>
+                <a:t>FD4</a:t>
+              </a:r>
+            </a:p>
+          </p:txBody>
+        </p:sp>
       </p:grpSp>
     </p:spTree>
     <p:extLst>

--- a/images/fork_rdwr.pptx
+++ b/images/fork_rdwr.pptx
@@ -6,6 +6,7 @@
   </p:sldMasterIdLst>
   <p:sldIdLst>
     <p:sldId id="257" r:id="rId2"/>
+    <p:sldId id="258" r:id="rId3"/>
   </p:sldIdLst>
   <p:sldSz cx="12192000" cy="6858000"/>
   <p:notesSz cx="6858000" cy="9144000"/>
@@ -259,7 +260,7 @@
           <a:p>
             <a:fld id="{F7D70331-2D09-4994-8C87-8F55D2FCE88F}" type="datetimeFigureOut">
               <a:rPr lang="en-US" smtClean="0"/>
-              <a:t>9/17/2018</a:t>
+              <a:t>9/19/2018</a:t>
             </a:fld>
             <a:endParaRPr lang="en-US"/>
           </a:p>
@@ -457,7 +458,7 @@
           <a:p>
             <a:fld id="{F7D70331-2D09-4994-8C87-8F55D2FCE88F}" type="datetimeFigureOut">
               <a:rPr lang="en-US" smtClean="0"/>
-              <a:t>9/17/2018</a:t>
+              <a:t>9/19/2018</a:t>
             </a:fld>
             <a:endParaRPr lang="en-US"/>
           </a:p>
@@ -665,7 +666,7 @@
           <a:p>
             <a:fld id="{F7D70331-2D09-4994-8C87-8F55D2FCE88F}" type="datetimeFigureOut">
               <a:rPr lang="en-US" smtClean="0"/>
-              <a:t>9/17/2018</a:t>
+              <a:t>9/19/2018</a:t>
             </a:fld>
             <a:endParaRPr lang="en-US"/>
           </a:p>
@@ -863,7 +864,7 @@
           <a:p>
             <a:fld id="{F7D70331-2D09-4994-8C87-8F55D2FCE88F}" type="datetimeFigureOut">
               <a:rPr lang="en-US" smtClean="0"/>
-              <a:t>9/17/2018</a:t>
+              <a:t>9/19/2018</a:t>
             </a:fld>
             <a:endParaRPr lang="en-US"/>
           </a:p>
@@ -1138,7 +1139,7 @@
           <a:p>
             <a:fld id="{F7D70331-2D09-4994-8C87-8F55D2FCE88F}" type="datetimeFigureOut">
               <a:rPr lang="en-US" smtClean="0"/>
-              <a:t>9/17/2018</a:t>
+              <a:t>9/19/2018</a:t>
             </a:fld>
             <a:endParaRPr lang="en-US"/>
           </a:p>
@@ -1403,7 +1404,7 @@
           <a:p>
             <a:fld id="{F7D70331-2D09-4994-8C87-8F55D2FCE88F}" type="datetimeFigureOut">
               <a:rPr lang="en-US" smtClean="0"/>
-              <a:t>9/17/2018</a:t>
+              <a:t>9/19/2018</a:t>
             </a:fld>
             <a:endParaRPr lang="en-US"/>
           </a:p>
@@ -1815,7 +1816,7 @@
           <a:p>
             <a:fld id="{F7D70331-2D09-4994-8C87-8F55D2FCE88F}" type="datetimeFigureOut">
               <a:rPr lang="en-US" smtClean="0"/>
-              <a:t>9/17/2018</a:t>
+              <a:t>9/19/2018</a:t>
             </a:fld>
             <a:endParaRPr lang="en-US"/>
           </a:p>
@@ -1956,7 +1957,7 @@
           <a:p>
             <a:fld id="{F7D70331-2D09-4994-8C87-8F55D2FCE88F}" type="datetimeFigureOut">
               <a:rPr lang="en-US" smtClean="0"/>
-              <a:t>9/17/2018</a:t>
+              <a:t>9/19/2018</a:t>
             </a:fld>
             <a:endParaRPr lang="en-US"/>
           </a:p>
@@ -2069,7 +2070,7 @@
           <a:p>
             <a:fld id="{F7D70331-2D09-4994-8C87-8F55D2FCE88F}" type="datetimeFigureOut">
               <a:rPr lang="en-US" smtClean="0"/>
-              <a:t>9/17/2018</a:t>
+              <a:t>9/19/2018</a:t>
             </a:fld>
             <a:endParaRPr lang="en-US"/>
           </a:p>
@@ -2380,7 +2381,7 @@
           <a:p>
             <a:fld id="{F7D70331-2D09-4994-8C87-8F55D2FCE88F}" type="datetimeFigureOut">
               <a:rPr lang="en-US" smtClean="0"/>
-              <a:t>9/17/2018</a:t>
+              <a:t>9/19/2018</a:t>
             </a:fld>
             <a:endParaRPr lang="en-US"/>
           </a:p>
@@ -2668,7 +2669,7 @@
           <a:p>
             <a:fld id="{F7D70331-2D09-4994-8C87-8F55D2FCE88F}" type="datetimeFigureOut">
               <a:rPr lang="en-US" smtClean="0"/>
-              <a:t>9/17/2018</a:t>
+              <a:t>9/19/2018</a:t>
             </a:fld>
             <a:endParaRPr lang="en-US"/>
           </a:p>
@@ -2909,7 +2910,7 @@
           <a:p>
             <a:fld id="{F7D70331-2D09-4994-8C87-8F55D2FCE88F}" type="datetimeFigureOut">
               <a:rPr lang="en-US" smtClean="0"/>
-              <a:t>9/17/2018</a:t>
+              <a:t>9/19/2018</a:t>
             </a:fld>
             <a:endParaRPr lang="en-US"/>
           </a:p>
@@ -5930,6 +5931,2971 @@
 </p:sld>
 </file>
 
+<file path=ppt/slides/slide2.xml><?xml version="1.0" encoding="utf-8"?>
+<p:sld xmlns:a="http://schemas.openxmlformats.org/drawingml/2006/main" xmlns:r="http://schemas.openxmlformats.org/officeDocument/2006/relationships" xmlns:p="http://schemas.openxmlformats.org/presentationml/2006/main">
+  <p:cSld>
+    <p:spTree>
+      <p:nvGrpSpPr>
+        <p:cNvPr id="1" name=""/>
+        <p:cNvGrpSpPr/>
+        <p:nvPr/>
+      </p:nvGrpSpPr>
+      <p:grpSpPr>
+        <a:xfrm>
+          <a:off x="0" y="0"/>
+          <a:ext cx="0" cy="0"/>
+          <a:chOff x="0" y="0"/>
+          <a:chExt cx="0" cy="0"/>
+        </a:xfrm>
+      </p:grpSpPr>
+      <p:sp>
+        <p:nvSpPr>
+          <p:cNvPr id="30" name="TextBox 29">
+            <a:extLst>
+              <a:ext uri="{FF2B5EF4-FFF2-40B4-BE49-F238E27FC236}">
+                <a16:creationId xmlns:a16="http://schemas.microsoft.com/office/drawing/2014/main" id="{9A8CACF6-EF26-4FDC-9761-D84F710E2694}"/>
+              </a:ext>
+            </a:extLst>
+          </p:cNvPr>
+          <p:cNvSpPr txBox="1"/>
+          <p:nvPr/>
+        </p:nvSpPr>
+        <p:spPr>
+          <a:xfrm>
+            <a:off x="1495472" y="2584480"/>
+            <a:ext cx="1064715" cy="461665"/>
+          </a:xfrm>
+          <a:prstGeom prst="rect">
+            <a:avLst/>
+          </a:prstGeom>
+          <a:noFill/>
+        </p:spPr>
+        <p:txBody>
+          <a:bodyPr wrap="none" rtlCol="0">
+            <a:spAutoFit/>
+          </a:bodyPr>
+          <a:lstStyle/>
+          <a:p>
+            <a:r>
+              <a:rPr lang="en-US" sz="2400" dirty="0"/>
+              <a:t>Sender</a:t>
+            </a:r>
+          </a:p>
+        </p:txBody>
+      </p:sp>
+      <p:sp>
+        <p:nvSpPr>
+          <p:cNvPr id="31" name="TextBox 30">
+            <a:extLst>
+              <a:ext uri="{FF2B5EF4-FFF2-40B4-BE49-F238E27FC236}">
+                <a16:creationId xmlns:a16="http://schemas.microsoft.com/office/drawing/2014/main" id="{179D3CD3-E4F6-4553-8150-6ACC36DACF26}"/>
+              </a:ext>
+            </a:extLst>
+          </p:cNvPr>
+          <p:cNvSpPr txBox="1"/>
+          <p:nvPr/>
+        </p:nvSpPr>
+        <p:spPr>
+          <a:xfrm>
+            <a:off x="5470059" y="2589435"/>
+            <a:ext cx="1251881" cy="461665"/>
+          </a:xfrm>
+          <a:prstGeom prst="rect">
+            <a:avLst/>
+          </a:prstGeom>
+          <a:noFill/>
+        </p:spPr>
+        <p:txBody>
+          <a:bodyPr wrap="none" rtlCol="0">
+            <a:spAutoFit/>
+          </a:bodyPr>
+          <a:lstStyle/>
+          <a:p>
+            <a:r>
+              <a:rPr lang="en-US" sz="2400" dirty="0"/>
+              <a:t>Receiver</a:t>
+            </a:r>
+          </a:p>
+        </p:txBody>
+      </p:sp>
+      <p:sp>
+        <p:nvSpPr>
+          <p:cNvPr id="32" name="Rectangle 31">
+            <a:extLst>
+              <a:ext uri="{FF2B5EF4-FFF2-40B4-BE49-F238E27FC236}">
+                <a16:creationId xmlns:a16="http://schemas.microsoft.com/office/drawing/2014/main" id="{196EFC46-AAB9-401D-8A96-6C95E9F79C83}"/>
+              </a:ext>
+            </a:extLst>
+          </p:cNvPr>
+          <p:cNvSpPr/>
+          <p:nvPr/>
+        </p:nvSpPr>
+        <p:spPr>
+          <a:xfrm>
+            <a:off x="902825" y="694481"/>
+            <a:ext cx="2241216" cy="2336356"/>
+          </a:xfrm>
+          <a:prstGeom prst="rect">
+            <a:avLst/>
+          </a:prstGeom>
+          <a:noFill/>
+          <a:ln>
+            <a:prstDash val="lgDash"/>
+          </a:ln>
+        </p:spPr>
+        <p:style>
+          <a:lnRef idx="2">
+            <a:schemeClr val="dk1"/>
+          </a:lnRef>
+          <a:fillRef idx="1">
+            <a:schemeClr val="lt1"/>
+          </a:fillRef>
+          <a:effectRef idx="0">
+            <a:schemeClr val="dk1"/>
+          </a:effectRef>
+          <a:fontRef idx="minor">
+            <a:schemeClr val="dk1"/>
+          </a:fontRef>
+        </p:style>
+        <p:txBody>
+          <a:bodyPr rtlCol="0" anchor="ctr"/>
+          <a:lstStyle/>
+          <a:p>
+            <a:pPr algn="ctr"/>
+            <a:endParaRPr lang="en-US"/>
+          </a:p>
+        </p:txBody>
+      </p:sp>
+      <p:sp>
+        <p:nvSpPr>
+          <p:cNvPr id="33" name="Rectangle 32">
+            <a:extLst>
+              <a:ext uri="{FF2B5EF4-FFF2-40B4-BE49-F238E27FC236}">
+                <a16:creationId xmlns:a16="http://schemas.microsoft.com/office/drawing/2014/main" id="{2B99887A-BE2B-4C4D-AE99-A73E0C001096}"/>
+              </a:ext>
+            </a:extLst>
+          </p:cNvPr>
+          <p:cNvSpPr/>
+          <p:nvPr/>
+        </p:nvSpPr>
+        <p:spPr>
+          <a:xfrm>
+            <a:off x="4962409" y="694481"/>
+            <a:ext cx="2185150" cy="2336356"/>
+          </a:xfrm>
+          <a:prstGeom prst="rect">
+            <a:avLst/>
+          </a:prstGeom>
+          <a:noFill/>
+          <a:ln>
+            <a:prstDash val="lgDash"/>
+          </a:ln>
+        </p:spPr>
+        <p:style>
+          <a:lnRef idx="2">
+            <a:schemeClr val="dk1"/>
+          </a:lnRef>
+          <a:fillRef idx="1">
+            <a:schemeClr val="lt1"/>
+          </a:fillRef>
+          <a:effectRef idx="0">
+            <a:schemeClr val="dk1"/>
+          </a:effectRef>
+          <a:fontRef idx="minor">
+            <a:schemeClr val="dk1"/>
+          </a:fontRef>
+        </p:style>
+        <p:txBody>
+          <a:bodyPr rtlCol="0" anchor="ctr"/>
+          <a:lstStyle/>
+          <a:p>
+            <a:pPr algn="ctr"/>
+            <a:endParaRPr lang="en-US"/>
+          </a:p>
+        </p:txBody>
+      </p:sp>
+      <p:sp>
+        <p:nvSpPr>
+          <p:cNvPr id="34" name="Rectangle 33">
+            <a:extLst>
+              <a:ext uri="{FF2B5EF4-FFF2-40B4-BE49-F238E27FC236}">
+                <a16:creationId xmlns:a16="http://schemas.microsoft.com/office/drawing/2014/main" id="{94424A2B-490A-44CC-94C9-A972DCEB26DE}"/>
+              </a:ext>
+            </a:extLst>
+          </p:cNvPr>
+          <p:cNvSpPr/>
+          <p:nvPr/>
+        </p:nvSpPr>
+        <p:spPr>
+          <a:xfrm>
+            <a:off x="3210529" y="694481"/>
+            <a:ext cx="1680910" cy="2336356"/>
+          </a:xfrm>
+          <a:prstGeom prst="rect">
+            <a:avLst/>
+          </a:prstGeom>
+          <a:noFill/>
+          <a:ln>
+            <a:prstDash val="lgDash"/>
+          </a:ln>
+        </p:spPr>
+        <p:style>
+          <a:lnRef idx="2">
+            <a:schemeClr val="dk1"/>
+          </a:lnRef>
+          <a:fillRef idx="1">
+            <a:schemeClr val="lt1"/>
+          </a:fillRef>
+          <a:effectRef idx="0">
+            <a:schemeClr val="dk1"/>
+          </a:effectRef>
+          <a:fontRef idx="minor">
+            <a:schemeClr val="dk1"/>
+          </a:fontRef>
+        </p:style>
+        <p:txBody>
+          <a:bodyPr rtlCol="0" anchor="ctr"/>
+          <a:lstStyle/>
+          <a:p>
+            <a:pPr algn="ctr"/>
+            <a:endParaRPr lang="en-US"/>
+          </a:p>
+        </p:txBody>
+      </p:sp>
+      <p:sp>
+        <p:nvSpPr>
+          <p:cNvPr id="35" name="TextBox 34">
+            <a:extLst>
+              <a:ext uri="{FF2B5EF4-FFF2-40B4-BE49-F238E27FC236}">
+                <a16:creationId xmlns:a16="http://schemas.microsoft.com/office/drawing/2014/main" id="{F9C67767-521A-4174-9850-1BEAA3C6F7BD}"/>
+              </a:ext>
+            </a:extLst>
+          </p:cNvPr>
+          <p:cNvSpPr txBox="1"/>
+          <p:nvPr/>
+        </p:nvSpPr>
+        <p:spPr>
+          <a:xfrm>
+            <a:off x="3175845" y="2581774"/>
+            <a:ext cx="1765227" cy="461665"/>
+          </a:xfrm>
+          <a:prstGeom prst="rect">
+            <a:avLst/>
+          </a:prstGeom>
+          <a:noFill/>
+        </p:spPr>
+        <p:txBody>
+          <a:bodyPr wrap="none" rtlCol="0">
+            <a:spAutoFit/>
+          </a:bodyPr>
+          <a:lstStyle/>
+          <a:p>
+            <a:r>
+              <a:rPr lang="en-US" sz="2400" dirty="0" err="1"/>
+              <a:t>shm</a:t>
+            </a:r>
+            <a:r>
+              <a:rPr lang="en-US" sz="2400" dirty="0"/>
+              <a:t> / RDMA</a:t>
+            </a:r>
+          </a:p>
+        </p:txBody>
+      </p:sp>
+      <p:grpSp>
+        <p:nvGrpSpPr>
+          <p:cNvPr id="36" name="Group 35">
+            <a:extLst>
+              <a:ext uri="{FF2B5EF4-FFF2-40B4-BE49-F238E27FC236}">
+                <a16:creationId xmlns:a16="http://schemas.microsoft.com/office/drawing/2014/main" id="{3517E32D-6DCB-4EF2-9A35-169748D33C03}"/>
+              </a:ext>
+            </a:extLst>
+          </p:cNvPr>
+          <p:cNvGrpSpPr/>
+          <p:nvPr/>
+        </p:nvGrpSpPr>
+        <p:grpSpPr>
+          <a:xfrm>
+            <a:off x="3315700" y="938530"/>
+            <a:ext cx="1500250" cy="387854"/>
+            <a:chOff x="3259659" y="772884"/>
+            <a:chExt cx="1500250" cy="387854"/>
+          </a:xfrm>
+        </p:grpSpPr>
+        <p:grpSp>
+          <p:nvGrpSpPr>
+            <p:cNvPr id="37" name="Group 36">
+              <a:extLst>
+                <a:ext uri="{FF2B5EF4-FFF2-40B4-BE49-F238E27FC236}">
+                  <a16:creationId xmlns:a16="http://schemas.microsoft.com/office/drawing/2014/main" id="{498E46B3-34E2-493D-B195-68FFB98840F9}"/>
+                </a:ext>
+              </a:extLst>
+            </p:cNvPr>
+            <p:cNvGrpSpPr/>
+            <p:nvPr/>
+          </p:nvGrpSpPr>
+          <p:grpSpPr>
+            <a:xfrm>
+              <a:off x="3259659" y="791406"/>
+              <a:ext cx="1500250" cy="369332"/>
+              <a:chOff x="3220866" y="2200705"/>
+              <a:chExt cx="1500250" cy="369332"/>
+            </a:xfrm>
+          </p:grpSpPr>
+          <p:sp>
+            <p:nvSpPr>
+              <p:cNvPr id="39" name="Rectangle 38">
+                <a:extLst>
+                  <a:ext uri="{FF2B5EF4-FFF2-40B4-BE49-F238E27FC236}">
+                    <a16:creationId xmlns:a16="http://schemas.microsoft.com/office/drawing/2014/main" id="{124BE58F-A9E0-4598-976A-02181DC67D69}"/>
+                  </a:ext>
+                </a:extLst>
+              </p:cNvPr>
+              <p:cNvSpPr/>
+              <p:nvPr/>
+            </p:nvSpPr>
+            <p:spPr>
+              <a:xfrm>
+                <a:off x="3220866" y="2238582"/>
+                <a:ext cx="1424285" cy="274320"/>
+              </a:xfrm>
+              <a:prstGeom prst="rect">
+                <a:avLst/>
+              </a:prstGeom>
+              <a:ln w="28575"/>
+            </p:spPr>
+            <p:style>
+              <a:lnRef idx="2">
+                <a:schemeClr val="dk1"/>
+              </a:lnRef>
+              <a:fillRef idx="1">
+                <a:schemeClr val="lt1"/>
+              </a:fillRef>
+              <a:effectRef idx="0">
+                <a:schemeClr val="dk1"/>
+              </a:effectRef>
+              <a:fontRef idx="minor">
+                <a:schemeClr val="dk1"/>
+              </a:fontRef>
+            </p:style>
+            <p:txBody>
+              <a:bodyPr rtlCol="0" anchor="ctr"/>
+              <a:lstStyle/>
+              <a:p>
+                <a:pPr algn="ctr"/>
+                <a:endParaRPr lang="en-US" dirty="0"/>
+              </a:p>
+            </p:txBody>
+          </p:sp>
+          <p:cxnSp>
+            <p:nvCxnSpPr>
+              <p:cNvPr id="40" name="Straight Connector 39">
+                <a:extLst>
+                  <a:ext uri="{FF2B5EF4-FFF2-40B4-BE49-F238E27FC236}">
+                    <a16:creationId xmlns:a16="http://schemas.microsoft.com/office/drawing/2014/main" id="{44988025-58E3-4565-A056-FB5BFE6F8CD3}"/>
+                  </a:ext>
+                </a:extLst>
+              </p:cNvPr>
+              <p:cNvCxnSpPr/>
+              <p:nvPr/>
+            </p:nvCxnSpPr>
+            <p:spPr>
+              <a:xfrm>
+                <a:off x="4239129" y="2233178"/>
+                <a:ext cx="0" cy="274320"/>
+              </a:xfrm>
+              <a:prstGeom prst="line">
+                <a:avLst/>
+              </a:prstGeom>
+              <a:ln w="28575"/>
+            </p:spPr>
+            <p:style>
+              <a:lnRef idx="1">
+                <a:schemeClr val="dk1"/>
+              </a:lnRef>
+              <a:fillRef idx="0">
+                <a:schemeClr val="dk1"/>
+              </a:fillRef>
+              <a:effectRef idx="0">
+                <a:schemeClr val="dk1"/>
+              </a:effectRef>
+              <a:fontRef idx="minor">
+                <a:schemeClr val="tx1"/>
+              </a:fontRef>
+            </p:style>
+          </p:cxnSp>
+          <p:cxnSp>
+            <p:nvCxnSpPr>
+              <p:cNvPr id="41" name="Straight Connector 40">
+                <a:extLst>
+                  <a:ext uri="{FF2B5EF4-FFF2-40B4-BE49-F238E27FC236}">
+                    <a16:creationId xmlns:a16="http://schemas.microsoft.com/office/drawing/2014/main" id="{5CCB5744-035A-4756-8C5C-525EC328A4B3}"/>
+                  </a:ext>
+                </a:extLst>
+              </p:cNvPr>
+              <p:cNvCxnSpPr/>
+              <p:nvPr/>
+            </p:nvCxnSpPr>
+            <p:spPr>
+              <a:xfrm>
+                <a:off x="3831413" y="2233178"/>
+                <a:ext cx="0" cy="274320"/>
+              </a:xfrm>
+              <a:prstGeom prst="line">
+                <a:avLst/>
+              </a:prstGeom>
+              <a:ln w="28575"/>
+            </p:spPr>
+            <p:style>
+              <a:lnRef idx="1">
+                <a:schemeClr val="dk1"/>
+              </a:lnRef>
+              <a:fillRef idx="0">
+                <a:schemeClr val="dk1"/>
+              </a:fillRef>
+              <a:effectRef idx="0">
+                <a:schemeClr val="dk1"/>
+              </a:effectRef>
+              <a:fontRef idx="minor">
+                <a:schemeClr val="tx1"/>
+              </a:fontRef>
+            </p:style>
+          </p:cxnSp>
+          <p:sp>
+            <p:nvSpPr>
+              <p:cNvPr id="42" name="TextBox 41">
+                <a:extLst>
+                  <a:ext uri="{FF2B5EF4-FFF2-40B4-BE49-F238E27FC236}">
+                    <a16:creationId xmlns:a16="http://schemas.microsoft.com/office/drawing/2014/main" id="{58EA61BD-1956-4F01-95CE-B429F6E0554E}"/>
+                  </a:ext>
+                </a:extLst>
+              </p:cNvPr>
+              <p:cNvSpPr txBox="1"/>
+              <p:nvPr/>
+            </p:nvSpPr>
+            <p:spPr>
+              <a:xfrm>
+                <a:off x="4170965" y="2200705"/>
+                <a:ext cx="550151" cy="369332"/>
+              </a:xfrm>
+              <a:prstGeom prst="rect">
+                <a:avLst/>
+              </a:prstGeom>
+              <a:noFill/>
+            </p:spPr>
+            <p:txBody>
+              <a:bodyPr wrap="none" rtlCol="0">
+                <a:spAutoFit/>
+              </a:bodyPr>
+              <a:lstStyle/>
+              <a:p>
+                <a:r>
+                  <a:rPr lang="en-US" dirty="0"/>
+                  <a:t>FD1</a:t>
+                </a:r>
+              </a:p>
+            </p:txBody>
+          </p:sp>
+          <p:sp>
+            <p:nvSpPr>
+              <p:cNvPr id="43" name="TextBox 42">
+                <a:extLst>
+                  <a:ext uri="{FF2B5EF4-FFF2-40B4-BE49-F238E27FC236}">
+                    <a16:creationId xmlns:a16="http://schemas.microsoft.com/office/drawing/2014/main" id="{8988DFDF-35C9-4BDB-B236-379774FF4CFE}"/>
+                  </a:ext>
+                </a:extLst>
+              </p:cNvPr>
+              <p:cNvSpPr txBox="1"/>
+              <p:nvPr/>
+            </p:nvSpPr>
+            <p:spPr>
+              <a:xfrm>
+                <a:off x="3766794" y="2200705"/>
+                <a:ext cx="550151" cy="369332"/>
+              </a:xfrm>
+              <a:prstGeom prst="rect">
+                <a:avLst/>
+              </a:prstGeom>
+              <a:noFill/>
+            </p:spPr>
+            <p:txBody>
+              <a:bodyPr wrap="none" rtlCol="0">
+                <a:spAutoFit/>
+              </a:bodyPr>
+              <a:lstStyle/>
+              <a:p>
+                <a:r>
+                  <a:rPr lang="en-US" dirty="0"/>
+                  <a:t>FD1</a:t>
+                </a:r>
+              </a:p>
+            </p:txBody>
+          </p:sp>
+        </p:grpSp>
+        <p:sp>
+          <p:nvSpPr>
+            <p:cNvPr id="38" name="TextBox 37">
+              <a:extLst>
+                <a:ext uri="{FF2B5EF4-FFF2-40B4-BE49-F238E27FC236}">
+                  <a16:creationId xmlns:a16="http://schemas.microsoft.com/office/drawing/2014/main" id="{F60313C0-E1E1-41AF-BBC2-65AB9F74CC8C}"/>
+                </a:ext>
+              </a:extLst>
+            </p:cNvPr>
+            <p:cNvSpPr txBox="1"/>
+            <p:nvPr/>
+          </p:nvSpPr>
+          <p:spPr>
+            <a:xfrm>
+              <a:off x="3574287" y="772884"/>
+              <a:ext cx="343364" cy="369332"/>
+            </a:xfrm>
+            <a:prstGeom prst="rect">
+              <a:avLst/>
+            </a:prstGeom>
+            <a:noFill/>
+          </p:spPr>
+          <p:txBody>
+            <a:bodyPr wrap="none" rtlCol="0">
+              <a:spAutoFit/>
+            </a:bodyPr>
+            <a:lstStyle/>
+            <a:p>
+              <a:r>
+                <a:rPr lang="en-US" dirty="0"/>
+                <a:t>…</a:t>
+              </a:r>
+            </a:p>
+          </p:txBody>
+        </p:sp>
+      </p:grpSp>
+      <p:grpSp>
+        <p:nvGrpSpPr>
+          <p:cNvPr id="44" name="Group 43">
+            <a:extLst>
+              <a:ext uri="{FF2B5EF4-FFF2-40B4-BE49-F238E27FC236}">
+                <a16:creationId xmlns:a16="http://schemas.microsoft.com/office/drawing/2014/main" id="{DDB8CC00-C99C-4328-AACB-0B64DAC0EE66}"/>
+              </a:ext>
+            </a:extLst>
+          </p:cNvPr>
+          <p:cNvGrpSpPr/>
+          <p:nvPr/>
+        </p:nvGrpSpPr>
+        <p:grpSpPr>
+          <a:xfrm>
+            <a:off x="2543136" y="707988"/>
+            <a:ext cx="550151" cy="630279"/>
+            <a:chOff x="5873560" y="1855815"/>
+            <a:chExt cx="550151" cy="630279"/>
+          </a:xfrm>
+        </p:grpSpPr>
+        <p:grpSp>
+          <p:nvGrpSpPr>
+            <p:cNvPr id="45" name="组合 59">
+              <a:extLst>
+                <a:ext uri="{FF2B5EF4-FFF2-40B4-BE49-F238E27FC236}">
+                  <a16:creationId xmlns:a16="http://schemas.microsoft.com/office/drawing/2014/main" id="{29A6F1DD-467E-4F9A-BB73-B916F9582805}"/>
+                </a:ext>
+              </a:extLst>
+            </p:cNvPr>
+            <p:cNvGrpSpPr/>
+            <p:nvPr/>
+          </p:nvGrpSpPr>
+          <p:grpSpPr>
+            <a:xfrm>
+              <a:off x="5905158" y="1855815"/>
+              <a:ext cx="486950" cy="630279"/>
+              <a:chOff x="7330281" y="2278987"/>
+              <a:chExt cx="304800" cy="456275"/>
+            </a:xfrm>
+            <a:solidFill>
+              <a:schemeClr val="tx1"/>
+            </a:solidFill>
+          </p:grpSpPr>
+          <p:sp>
+            <p:nvSpPr>
+              <p:cNvPr id="47" name="空心弧 60">
+                <a:extLst>
+                  <a:ext uri="{FF2B5EF4-FFF2-40B4-BE49-F238E27FC236}">
+                    <a16:creationId xmlns:a16="http://schemas.microsoft.com/office/drawing/2014/main" id="{EEFA6C50-7072-4A77-AF69-704E437E6C93}"/>
+                  </a:ext>
+                </a:extLst>
+              </p:cNvPr>
+              <p:cNvSpPr/>
+              <p:nvPr/>
+            </p:nvSpPr>
+            <p:spPr bwMode="auto">
+              <a:xfrm>
+                <a:off x="7330281" y="2278987"/>
+                <a:ext cx="304800" cy="381000"/>
+              </a:xfrm>
+              <a:prstGeom prst="blockArc">
+                <a:avLst/>
+              </a:prstGeom>
+              <a:grpFill/>
+              <a:ln>
+                <a:noFill/>
+                <a:headEnd type="none" w="med" len="med"/>
+                <a:tailEnd type="none" w="med" len="med"/>
+              </a:ln>
+              <a:effectLst/>
+            </p:spPr>
+            <p:style>
+              <a:lnRef idx="1">
+                <a:schemeClr val="accent2"/>
+              </a:lnRef>
+              <a:fillRef idx="3">
+                <a:schemeClr val="accent2"/>
+              </a:fillRef>
+              <a:effectRef idx="2">
+                <a:schemeClr val="accent2"/>
+              </a:effectRef>
+              <a:fontRef idx="minor">
+                <a:schemeClr val="lt1"/>
+              </a:fontRef>
+            </p:style>
+            <p:txBody>
+              <a:bodyPr rot="0" spcFirstLastPara="0" vertOverflow="overflow" horzOverflow="overflow" vert="horz" wrap="square" lIns="179310" tIns="143448" rIns="179310" bIns="143448" numCol="1" spcCol="0" rtlCol="0" fromWordArt="0" anchor="t" anchorCtr="0" forceAA="0" compatLnSpc="1">
+                <a:prstTxWarp prst="textNoShape">
+                  <a:avLst/>
+                </a:prstTxWarp>
+                <a:noAutofit/>
+              </a:bodyPr>
+              <a:lstStyle/>
+              <a:p>
+                <a:pPr algn="ctr" defTabSz="914289" fontAlgn="base">
+                  <a:lnSpc>
+                    <a:spcPct val="90000"/>
+                  </a:lnSpc>
+                  <a:spcBef>
+                    <a:spcPct val="0"/>
+                  </a:spcBef>
+                  <a:spcAft>
+                    <a:spcPct val="0"/>
+                  </a:spcAft>
+                </a:pPr>
+                <a:endParaRPr lang="en-US" sz="2353" dirty="0" err="1">
+                  <a:gradFill>
+                    <a:gsLst>
+                      <a:gs pos="0">
+                        <a:srgbClr val="FFFFFF"/>
+                      </a:gs>
+                      <a:gs pos="100000">
+                        <a:srgbClr val="FFFFFF"/>
+                      </a:gs>
+                    </a:gsLst>
+                    <a:lin ang="5400000" scaled="0"/>
+                  </a:gradFill>
+                  <a:ea typeface="Segoe UI" pitchFamily="34" charset="0"/>
+                  <a:cs typeface="Segoe UI" pitchFamily="34" charset="0"/>
+                </a:endParaRPr>
+              </a:p>
+            </p:txBody>
+          </p:sp>
+          <p:sp>
+            <p:nvSpPr>
+              <p:cNvPr id="48" name="矩形 61">
+                <a:extLst>
+                  <a:ext uri="{FF2B5EF4-FFF2-40B4-BE49-F238E27FC236}">
+                    <a16:creationId xmlns:a16="http://schemas.microsoft.com/office/drawing/2014/main" id="{09FA9132-BD7A-455F-983A-E83685E143C4}"/>
+                  </a:ext>
+                </a:extLst>
+              </p:cNvPr>
+              <p:cNvSpPr/>
+              <p:nvPr/>
+            </p:nvSpPr>
+            <p:spPr bwMode="auto">
+              <a:xfrm>
+                <a:off x="7330281" y="2488184"/>
+                <a:ext cx="304800" cy="247078"/>
+              </a:xfrm>
+              <a:prstGeom prst="rect">
+                <a:avLst/>
+              </a:prstGeom>
+              <a:grpFill/>
+              <a:ln>
+                <a:noFill/>
+                <a:headEnd type="none" w="med" len="med"/>
+                <a:tailEnd type="none" w="med" len="med"/>
+              </a:ln>
+              <a:effectLst/>
+            </p:spPr>
+            <p:style>
+              <a:lnRef idx="1">
+                <a:schemeClr val="accent2"/>
+              </a:lnRef>
+              <a:fillRef idx="3">
+                <a:schemeClr val="accent2"/>
+              </a:fillRef>
+              <a:effectRef idx="2">
+                <a:schemeClr val="accent2"/>
+              </a:effectRef>
+              <a:fontRef idx="minor">
+                <a:schemeClr val="lt1"/>
+              </a:fontRef>
+            </p:style>
+            <p:txBody>
+              <a:bodyPr rot="0" spcFirstLastPara="0" vertOverflow="overflow" horzOverflow="overflow" vert="horz" wrap="square" lIns="179310" tIns="143448" rIns="179310" bIns="143448" numCol="1" spcCol="0" rtlCol="0" fromWordArt="0" anchor="t" anchorCtr="0" forceAA="0" compatLnSpc="1">
+                <a:prstTxWarp prst="textNoShape">
+                  <a:avLst/>
+                </a:prstTxWarp>
+                <a:noAutofit/>
+              </a:bodyPr>
+              <a:lstStyle/>
+              <a:p>
+                <a:pPr algn="ctr" defTabSz="914289" fontAlgn="base">
+                  <a:lnSpc>
+                    <a:spcPct val="90000"/>
+                  </a:lnSpc>
+                  <a:spcBef>
+                    <a:spcPct val="0"/>
+                  </a:spcBef>
+                  <a:spcAft>
+                    <a:spcPct val="0"/>
+                  </a:spcAft>
+                </a:pPr>
+                <a:endParaRPr lang="en-US" sz="2353" dirty="0">
+                  <a:gradFill>
+                    <a:gsLst>
+                      <a:gs pos="0">
+                        <a:srgbClr val="FFFFFF"/>
+                      </a:gs>
+                      <a:gs pos="100000">
+                        <a:srgbClr val="FFFFFF"/>
+                      </a:gs>
+                    </a:gsLst>
+                    <a:lin ang="5400000" scaled="0"/>
+                  </a:gradFill>
+                  <a:ea typeface="Segoe UI" pitchFamily="34" charset="0"/>
+                  <a:cs typeface="Segoe UI" pitchFamily="34" charset="0"/>
+                </a:endParaRPr>
+              </a:p>
+            </p:txBody>
+          </p:sp>
+        </p:grpSp>
+        <p:sp>
+          <p:nvSpPr>
+            <p:cNvPr id="46" name="TextBox 45">
+              <a:extLst>
+                <a:ext uri="{FF2B5EF4-FFF2-40B4-BE49-F238E27FC236}">
+                  <a16:creationId xmlns:a16="http://schemas.microsoft.com/office/drawing/2014/main" id="{AE9713DC-BC24-4841-B4AF-288924065BDA}"/>
+                </a:ext>
+              </a:extLst>
+            </p:cNvPr>
+            <p:cNvSpPr txBox="1"/>
+            <p:nvPr/>
+          </p:nvSpPr>
+          <p:spPr>
+            <a:xfrm>
+              <a:off x="5873560" y="2111988"/>
+              <a:ext cx="550151" cy="369333"/>
+            </a:xfrm>
+            <a:prstGeom prst="rect">
+              <a:avLst/>
+            </a:prstGeom>
+            <a:solidFill>
+              <a:schemeClr val="tx1"/>
+            </a:solidFill>
+          </p:spPr>
+          <p:txBody>
+            <a:bodyPr wrap="none" rtlCol="0">
+              <a:spAutoFit/>
+            </a:bodyPr>
+            <a:lstStyle/>
+            <a:p>
+              <a:r>
+                <a:rPr lang="en-US" dirty="0">
+                  <a:solidFill>
+                    <a:schemeClr val="bg1"/>
+                  </a:solidFill>
+                </a:rPr>
+                <a:t>FD1</a:t>
+              </a:r>
+            </a:p>
+          </p:txBody>
+        </p:sp>
+      </p:grpSp>
+      <p:grpSp>
+        <p:nvGrpSpPr>
+          <p:cNvPr id="84" name="Group 83">
+            <a:extLst>
+              <a:ext uri="{FF2B5EF4-FFF2-40B4-BE49-F238E27FC236}">
+                <a16:creationId xmlns:a16="http://schemas.microsoft.com/office/drawing/2014/main" id="{41DFDB83-5A57-45D8-A101-C5023D701856}"/>
+              </a:ext>
+            </a:extLst>
+          </p:cNvPr>
+          <p:cNvGrpSpPr/>
+          <p:nvPr/>
+        </p:nvGrpSpPr>
+        <p:grpSpPr>
+          <a:xfrm>
+            <a:off x="5636545" y="821189"/>
+            <a:ext cx="1427194" cy="736721"/>
+            <a:chOff x="5636545" y="821189"/>
+            <a:chExt cx="1427194" cy="736721"/>
+          </a:xfrm>
+        </p:grpSpPr>
+        <p:sp>
+          <p:nvSpPr>
+            <p:cNvPr id="10" name="Rectangle 63">
+              <a:extLst>
+                <a:ext uri="{FF2B5EF4-FFF2-40B4-BE49-F238E27FC236}">
+                  <a16:creationId xmlns:a16="http://schemas.microsoft.com/office/drawing/2014/main" id="{1760A3A2-0409-45EE-B9C8-204EBBA0C2CE}"/>
+                </a:ext>
+              </a:extLst>
+            </p:cNvPr>
+            <p:cNvSpPr/>
+            <p:nvPr/>
+          </p:nvSpPr>
+          <p:spPr>
+            <a:xfrm>
+              <a:off x="5636545" y="821189"/>
+              <a:ext cx="1427194" cy="736721"/>
+            </a:xfrm>
+            <a:prstGeom prst="rect">
+              <a:avLst/>
+            </a:prstGeom>
+            <a:ln w="38100">
+              <a:prstDash val="solid"/>
+            </a:ln>
+          </p:spPr>
+          <p:style>
+            <a:lnRef idx="2">
+              <a:schemeClr val="dk1"/>
+            </a:lnRef>
+            <a:fillRef idx="1">
+              <a:schemeClr val="lt1"/>
+            </a:fillRef>
+            <a:effectRef idx="0">
+              <a:schemeClr val="dk1"/>
+            </a:effectRef>
+            <a:fontRef idx="minor">
+              <a:schemeClr val="dk1"/>
+            </a:fontRef>
+          </p:style>
+          <p:txBody>
+            <a:bodyPr rtlCol="0" anchor="ctr"/>
+            <a:lstStyle/>
+            <a:p>
+              <a:pPr algn="ctr"/>
+              <a:endParaRPr lang="en-US" sz="3600" dirty="0"/>
+            </a:p>
+          </p:txBody>
+        </p:sp>
+        <p:sp>
+          <p:nvSpPr>
+            <p:cNvPr id="49" name="TextBox 48">
+              <a:extLst>
+                <a:ext uri="{FF2B5EF4-FFF2-40B4-BE49-F238E27FC236}">
+                  <a16:creationId xmlns:a16="http://schemas.microsoft.com/office/drawing/2014/main" id="{3A65A891-37C2-4C57-B5B1-7E9A4B424B11}"/>
+                </a:ext>
+              </a:extLst>
+            </p:cNvPr>
+            <p:cNvSpPr txBox="1"/>
+            <p:nvPr/>
+          </p:nvSpPr>
+          <p:spPr>
+            <a:xfrm>
+              <a:off x="5705990" y="932111"/>
+              <a:ext cx="1288301" cy="461665"/>
+            </a:xfrm>
+            <a:prstGeom prst="rect">
+              <a:avLst/>
+            </a:prstGeom>
+            <a:noFill/>
+          </p:spPr>
+          <p:txBody>
+            <a:bodyPr wrap="none" rtlCol="0">
+              <a:spAutoFit/>
+            </a:bodyPr>
+            <a:lstStyle/>
+            <a:p>
+              <a:r>
+                <a:rPr lang="en-US" sz="2400" dirty="0"/>
+                <a:t>Thread 1</a:t>
+              </a:r>
+            </a:p>
+          </p:txBody>
+        </p:sp>
+      </p:grpSp>
+      <p:grpSp>
+        <p:nvGrpSpPr>
+          <p:cNvPr id="85" name="Group 84">
+            <a:extLst>
+              <a:ext uri="{FF2B5EF4-FFF2-40B4-BE49-F238E27FC236}">
+                <a16:creationId xmlns:a16="http://schemas.microsoft.com/office/drawing/2014/main" id="{353D7CE0-338F-43FE-852C-1609C0496727}"/>
+              </a:ext>
+            </a:extLst>
+          </p:cNvPr>
+          <p:cNvGrpSpPr/>
+          <p:nvPr/>
+        </p:nvGrpSpPr>
+        <p:grpSpPr>
+          <a:xfrm>
+            <a:off x="5636544" y="1785810"/>
+            <a:ext cx="1427195" cy="736721"/>
+            <a:chOff x="5636544" y="1785810"/>
+            <a:chExt cx="1427195" cy="736721"/>
+          </a:xfrm>
+        </p:grpSpPr>
+        <p:sp>
+          <p:nvSpPr>
+            <p:cNvPr id="11" name="Rectangle 63">
+              <a:extLst>
+                <a:ext uri="{FF2B5EF4-FFF2-40B4-BE49-F238E27FC236}">
+                  <a16:creationId xmlns:a16="http://schemas.microsoft.com/office/drawing/2014/main" id="{92FA9D3D-BD9E-410E-A86D-90DFB7CC7BED}"/>
+                </a:ext>
+              </a:extLst>
+            </p:cNvPr>
+            <p:cNvSpPr/>
+            <p:nvPr/>
+          </p:nvSpPr>
+          <p:spPr>
+            <a:xfrm>
+              <a:off x="5636544" y="1785810"/>
+              <a:ext cx="1427195" cy="736721"/>
+            </a:xfrm>
+            <a:prstGeom prst="rect">
+              <a:avLst/>
+            </a:prstGeom>
+            <a:ln w="38100"/>
+          </p:spPr>
+          <p:style>
+            <a:lnRef idx="2">
+              <a:schemeClr val="dk1"/>
+            </a:lnRef>
+            <a:fillRef idx="1">
+              <a:schemeClr val="lt1"/>
+            </a:fillRef>
+            <a:effectRef idx="0">
+              <a:schemeClr val="dk1"/>
+            </a:effectRef>
+            <a:fontRef idx="minor">
+              <a:schemeClr val="dk1"/>
+            </a:fontRef>
+          </p:style>
+          <p:txBody>
+            <a:bodyPr rtlCol="0" anchor="ctr"/>
+            <a:lstStyle/>
+            <a:p>
+              <a:pPr algn="ctr"/>
+              <a:endParaRPr lang="en-US" sz="3600" dirty="0"/>
+            </a:p>
+          </p:txBody>
+        </p:sp>
+        <p:sp>
+          <p:nvSpPr>
+            <p:cNvPr id="50" name="TextBox 49">
+              <a:extLst>
+                <a:ext uri="{FF2B5EF4-FFF2-40B4-BE49-F238E27FC236}">
+                  <a16:creationId xmlns:a16="http://schemas.microsoft.com/office/drawing/2014/main" id="{6797502A-E82F-4213-A6F2-5F6C204896CC}"/>
+                </a:ext>
+              </a:extLst>
+            </p:cNvPr>
+            <p:cNvSpPr txBox="1"/>
+            <p:nvPr/>
+          </p:nvSpPr>
+          <p:spPr>
+            <a:xfrm>
+              <a:off x="5705990" y="1923337"/>
+              <a:ext cx="1288301" cy="461665"/>
+            </a:xfrm>
+            <a:prstGeom prst="rect">
+              <a:avLst/>
+            </a:prstGeom>
+            <a:noFill/>
+          </p:spPr>
+          <p:txBody>
+            <a:bodyPr wrap="none" rtlCol="0">
+              <a:spAutoFit/>
+            </a:bodyPr>
+            <a:lstStyle/>
+            <a:p>
+              <a:r>
+                <a:rPr lang="en-US" sz="2400" dirty="0"/>
+                <a:t>Thread 2</a:t>
+              </a:r>
+            </a:p>
+          </p:txBody>
+        </p:sp>
+      </p:grpSp>
+      <p:grpSp>
+        <p:nvGrpSpPr>
+          <p:cNvPr id="86" name="Group 85">
+            <a:extLst>
+              <a:ext uri="{FF2B5EF4-FFF2-40B4-BE49-F238E27FC236}">
+                <a16:creationId xmlns:a16="http://schemas.microsoft.com/office/drawing/2014/main" id="{FA618D64-42A1-40F8-8E1A-35ACDC675C9C}"/>
+              </a:ext>
+            </a:extLst>
+          </p:cNvPr>
+          <p:cNvGrpSpPr/>
+          <p:nvPr/>
+        </p:nvGrpSpPr>
+        <p:grpSpPr>
+          <a:xfrm>
+            <a:off x="1032243" y="821189"/>
+            <a:ext cx="1427194" cy="736721"/>
+            <a:chOff x="5636545" y="821189"/>
+            <a:chExt cx="1427194" cy="736721"/>
+          </a:xfrm>
+        </p:grpSpPr>
+        <p:sp>
+          <p:nvSpPr>
+            <p:cNvPr id="87" name="Rectangle 63">
+              <a:extLst>
+                <a:ext uri="{FF2B5EF4-FFF2-40B4-BE49-F238E27FC236}">
+                  <a16:creationId xmlns:a16="http://schemas.microsoft.com/office/drawing/2014/main" id="{005EF84F-548D-4CE1-AED4-CD9F63AF16E9}"/>
+                </a:ext>
+              </a:extLst>
+            </p:cNvPr>
+            <p:cNvSpPr/>
+            <p:nvPr/>
+          </p:nvSpPr>
+          <p:spPr>
+            <a:xfrm>
+              <a:off x="5636545" y="821189"/>
+              <a:ext cx="1427194" cy="736721"/>
+            </a:xfrm>
+            <a:prstGeom prst="rect">
+              <a:avLst/>
+            </a:prstGeom>
+            <a:ln w="38100">
+              <a:prstDash val="solid"/>
+            </a:ln>
+          </p:spPr>
+          <p:style>
+            <a:lnRef idx="2">
+              <a:schemeClr val="dk1"/>
+            </a:lnRef>
+            <a:fillRef idx="1">
+              <a:schemeClr val="lt1"/>
+            </a:fillRef>
+            <a:effectRef idx="0">
+              <a:schemeClr val="dk1"/>
+            </a:effectRef>
+            <a:fontRef idx="minor">
+              <a:schemeClr val="dk1"/>
+            </a:fontRef>
+          </p:style>
+          <p:txBody>
+            <a:bodyPr rtlCol="0" anchor="ctr"/>
+            <a:lstStyle/>
+            <a:p>
+              <a:pPr algn="ctr"/>
+              <a:endParaRPr lang="en-US" sz="3600" dirty="0"/>
+            </a:p>
+          </p:txBody>
+        </p:sp>
+        <p:sp>
+          <p:nvSpPr>
+            <p:cNvPr id="88" name="TextBox 87">
+              <a:extLst>
+                <a:ext uri="{FF2B5EF4-FFF2-40B4-BE49-F238E27FC236}">
+                  <a16:creationId xmlns:a16="http://schemas.microsoft.com/office/drawing/2014/main" id="{E009F9BF-8608-47DF-88A6-E2F4CD34A587}"/>
+                </a:ext>
+              </a:extLst>
+            </p:cNvPr>
+            <p:cNvSpPr txBox="1"/>
+            <p:nvPr/>
+          </p:nvSpPr>
+          <p:spPr>
+            <a:xfrm>
+              <a:off x="5705990" y="932111"/>
+              <a:ext cx="1288301" cy="461665"/>
+            </a:xfrm>
+            <a:prstGeom prst="rect">
+              <a:avLst/>
+            </a:prstGeom>
+            <a:noFill/>
+          </p:spPr>
+          <p:txBody>
+            <a:bodyPr wrap="none" rtlCol="0">
+              <a:spAutoFit/>
+            </a:bodyPr>
+            <a:lstStyle/>
+            <a:p>
+              <a:r>
+                <a:rPr lang="en-US" sz="2400" dirty="0"/>
+                <a:t>Thread 1</a:t>
+              </a:r>
+            </a:p>
+          </p:txBody>
+        </p:sp>
+      </p:grpSp>
+      <p:grpSp>
+        <p:nvGrpSpPr>
+          <p:cNvPr id="89" name="Group 88">
+            <a:extLst>
+              <a:ext uri="{FF2B5EF4-FFF2-40B4-BE49-F238E27FC236}">
+                <a16:creationId xmlns:a16="http://schemas.microsoft.com/office/drawing/2014/main" id="{829C944A-33B6-4B2B-96AB-AB3FD6650DB6}"/>
+              </a:ext>
+            </a:extLst>
+          </p:cNvPr>
+          <p:cNvGrpSpPr/>
+          <p:nvPr/>
+        </p:nvGrpSpPr>
+        <p:grpSpPr>
+          <a:xfrm>
+            <a:off x="1032240" y="1788661"/>
+            <a:ext cx="1427195" cy="736721"/>
+            <a:chOff x="5636544" y="1785810"/>
+            <a:chExt cx="1427195" cy="736721"/>
+          </a:xfrm>
+        </p:grpSpPr>
+        <p:sp>
+          <p:nvSpPr>
+            <p:cNvPr id="90" name="Rectangle 63">
+              <a:extLst>
+                <a:ext uri="{FF2B5EF4-FFF2-40B4-BE49-F238E27FC236}">
+                  <a16:creationId xmlns:a16="http://schemas.microsoft.com/office/drawing/2014/main" id="{9EB2F262-0DDB-4B4B-8B57-FDE07A123303}"/>
+                </a:ext>
+              </a:extLst>
+            </p:cNvPr>
+            <p:cNvSpPr/>
+            <p:nvPr/>
+          </p:nvSpPr>
+          <p:spPr>
+            <a:xfrm>
+              <a:off x="5636544" y="1785810"/>
+              <a:ext cx="1427195" cy="736721"/>
+            </a:xfrm>
+            <a:prstGeom prst="rect">
+              <a:avLst/>
+            </a:prstGeom>
+            <a:ln w="38100"/>
+          </p:spPr>
+          <p:style>
+            <a:lnRef idx="2">
+              <a:schemeClr val="dk1"/>
+            </a:lnRef>
+            <a:fillRef idx="1">
+              <a:schemeClr val="lt1"/>
+            </a:fillRef>
+            <a:effectRef idx="0">
+              <a:schemeClr val="dk1"/>
+            </a:effectRef>
+            <a:fontRef idx="minor">
+              <a:schemeClr val="dk1"/>
+            </a:fontRef>
+          </p:style>
+          <p:txBody>
+            <a:bodyPr rtlCol="0" anchor="ctr"/>
+            <a:lstStyle/>
+            <a:p>
+              <a:pPr algn="ctr"/>
+              <a:endParaRPr lang="en-US" sz="3600" dirty="0"/>
+            </a:p>
+          </p:txBody>
+        </p:sp>
+        <p:sp>
+          <p:nvSpPr>
+            <p:cNvPr id="91" name="TextBox 90">
+              <a:extLst>
+                <a:ext uri="{FF2B5EF4-FFF2-40B4-BE49-F238E27FC236}">
+                  <a16:creationId xmlns:a16="http://schemas.microsoft.com/office/drawing/2014/main" id="{27E4018E-FA1E-4EEC-B885-56938155E33B}"/>
+                </a:ext>
+              </a:extLst>
+            </p:cNvPr>
+            <p:cNvSpPr txBox="1"/>
+            <p:nvPr/>
+          </p:nvSpPr>
+          <p:spPr>
+            <a:xfrm>
+              <a:off x="5705990" y="1923337"/>
+              <a:ext cx="1288301" cy="461665"/>
+            </a:xfrm>
+            <a:prstGeom prst="rect">
+              <a:avLst/>
+            </a:prstGeom>
+            <a:noFill/>
+          </p:spPr>
+          <p:txBody>
+            <a:bodyPr wrap="none" rtlCol="0">
+              <a:spAutoFit/>
+            </a:bodyPr>
+            <a:lstStyle/>
+            <a:p>
+              <a:r>
+                <a:rPr lang="en-US" sz="2400" dirty="0"/>
+                <a:t>Thread 2</a:t>
+              </a:r>
+            </a:p>
+          </p:txBody>
+        </p:sp>
+      </p:grpSp>
+      <p:grpSp>
+        <p:nvGrpSpPr>
+          <p:cNvPr id="92" name="Group 91">
+            <a:extLst>
+              <a:ext uri="{FF2B5EF4-FFF2-40B4-BE49-F238E27FC236}">
+                <a16:creationId xmlns:a16="http://schemas.microsoft.com/office/drawing/2014/main" id="{6A58E9DB-3CB2-4883-BD32-BD583ACD555D}"/>
+              </a:ext>
+            </a:extLst>
+          </p:cNvPr>
+          <p:cNvGrpSpPr/>
+          <p:nvPr/>
+        </p:nvGrpSpPr>
+        <p:grpSpPr>
+          <a:xfrm>
+            <a:off x="5023084" y="736869"/>
+            <a:ext cx="550151" cy="630279"/>
+            <a:chOff x="5873560" y="1855815"/>
+            <a:chExt cx="550151" cy="630279"/>
+          </a:xfrm>
+        </p:grpSpPr>
+        <p:grpSp>
+          <p:nvGrpSpPr>
+            <p:cNvPr id="93" name="组合 59">
+              <a:extLst>
+                <a:ext uri="{FF2B5EF4-FFF2-40B4-BE49-F238E27FC236}">
+                  <a16:creationId xmlns:a16="http://schemas.microsoft.com/office/drawing/2014/main" id="{43B5CE86-CD47-464E-8828-147E8963EF50}"/>
+                </a:ext>
+              </a:extLst>
+            </p:cNvPr>
+            <p:cNvGrpSpPr/>
+            <p:nvPr/>
+          </p:nvGrpSpPr>
+          <p:grpSpPr>
+            <a:xfrm>
+              <a:off x="5905158" y="1855815"/>
+              <a:ext cx="486950" cy="630279"/>
+              <a:chOff x="7330281" y="2278987"/>
+              <a:chExt cx="304800" cy="456275"/>
+            </a:xfrm>
+            <a:solidFill>
+              <a:schemeClr val="tx1"/>
+            </a:solidFill>
+          </p:grpSpPr>
+          <p:sp>
+            <p:nvSpPr>
+              <p:cNvPr id="95" name="空心弧 60">
+                <a:extLst>
+                  <a:ext uri="{FF2B5EF4-FFF2-40B4-BE49-F238E27FC236}">
+                    <a16:creationId xmlns:a16="http://schemas.microsoft.com/office/drawing/2014/main" id="{58F92047-D2D8-40DA-ABF7-7DE65A4DCAE7}"/>
+                  </a:ext>
+                </a:extLst>
+              </p:cNvPr>
+              <p:cNvSpPr/>
+              <p:nvPr/>
+            </p:nvSpPr>
+            <p:spPr bwMode="auto">
+              <a:xfrm>
+                <a:off x="7330281" y="2278987"/>
+                <a:ext cx="304800" cy="381000"/>
+              </a:xfrm>
+              <a:prstGeom prst="blockArc">
+                <a:avLst/>
+              </a:prstGeom>
+              <a:grpFill/>
+              <a:ln>
+                <a:noFill/>
+                <a:headEnd type="none" w="med" len="med"/>
+                <a:tailEnd type="none" w="med" len="med"/>
+              </a:ln>
+              <a:effectLst/>
+            </p:spPr>
+            <p:style>
+              <a:lnRef idx="1">
+                <a:schemeClr val="accent2"/>
+              </a:lnRef>
+              <a:fillRef idx="3">
+                <a:schemeClr val="accent2"/>
+              </a:fillRef>
+              <a:effectRef idx="2">
+                <a:schemeClr val="accent2"/>
+              </a:effectRef>
+              <a:fontRef idx="minor">
+                <a:schemeClr val="lt1"/>
+              </a:fontRef>
+            </p:style>
+            <p:txBody>
+              <a:bodyPr rot="0" spcFirstLastPara="0" vertOverflow="overflow" horzOverflow="overflow" vert="horz" wrap="square" lIns="179310" tIns="143448" rIns="179310" bIns="143448" numCol="1" spcCol="0" rtlCol="0" fromWordArt="0" anchor="t" anchorCtr="0" forceAA="0" compatLnSpc="1">
+                <a:prstTxWarp prst="textNoShape">
+                  <a:avLst/>
+                </a:prstTxWarp>
+                <a:noAutofit/>
+              </a:bodyPr>
+              <a:lstStyle/>
+              <a:p>
+                <a:pPr algn="ctr" defTabSz="914289" fontAlgn="base">
+                  <a:lnSpc>
+                    <a:spcPct val="90000"/>
+                  </a:lnSpc>
+                  <a:spcBef>
+                    <a:spcPct val="0"/>
+                  </a:spcBef>
+                  <a:spcAft>
+                    <a:spcPct val="0"/>
+                  </a:spcAft>
+                </a:pPr>
+                <a:endParaRPr lang="en-US" sz="2353" dirty="0" err="1">
+                  <a:gradFill>
+                    <a:gsLst>
+                      <a:gs pos="0">
+                        <a:srgbClr val="FFFFFF"/>
+                      </a:gs>
+                      <a:gs pos="100000">
+                        <a:srgbClr val="FFFFFF"/>
+                      </a:gs>
+                    </a:gsLst>
+                    <a:lin ang="5400000" scaled="0"/>
+                  </a:gradFill>
+                  <a:ea typeface="Segoe UI" pitchFamily="34" charset="0"/>
+                  <a:cs typeface="Segoe UI" pitchFamily="34" charset="0"/>
+                </a:endParaRPr>
+              </a:p>
+            </p:txBody>
+          </p:sp>
+          <p:sp>
+            <p:nvSpPr>
+              <p:cNvPr id="96" name="矩形 61">
+                <a:extLst>
+                  <a:ext uri="{FF2B5EF4-FFF2-40B4-BE49-F238E27FC236}">
+                    <a16:creationId xmlns:a16="http://schemas.microsoft.com/office/drawing/2014/main" id="{8B47A12B-EB81-4717-ABF5-3EB65C191726}"/>
+                  </a:ext>
+                </a:extLst>
+              </p:cNvPr>
+              <p:cNvSpPr/>
+              <p:nvPr/>
+            </p:nvSpPr>
+            <p:spPr bwMode="auto">
+              <a:xfrm>
+                <a:off x="7330281" y="2488184"/>
+                <a:ext cx="304800" cy="247078"/>
+              </a:xfrm>
+              <a:prstGeom prst="rect">
+                <a:avLst/>
+              </a:prstGeom>
+              <a:grpFill/>
+              <a:ln>
+                <a:noFill/>
+                <a:headEnd type="none" w="med" len="med"/>
+                <a:tailEnd type="none" w="med" len="med"/>
+              </a:ln>
+              <a:effectLst/>
+            </p:spPr>
+            <p:style>
+              <a:lnRef idx="1">
+                <a:schemeClr val="accent2"/>
+              </a:lnRef>
+              <a:fillRef idx="3">
+                <a:schemeClr val="accent2"/>
+              </a:fillRef>
+              <a:effectRef idx="2">
+                <a:schemeClr val="accent2"/>
+              </a:effectRef>
+              <a:fontRef idx="minor">
+                <a:schemeClr val="lt1"/>
+              </a:fontRef>
+            </p:style>
+            <p:txBody>
+              <a:bodyPr rot="0" spcFirstLastPara="0" vertOverflow="overflow" horzOverflow="overflow" vert="horz" wrap="square" lIns="179310" tIns="143448" rIns="179310" bIns="143448" numCol="1" spcCol="0" rtlCol="0" fromWordArt="0" anchor="t" anchorCtr="0" forceAA="0" compatLnSpc="1">
+                <a:prstTxWarp prst="textNoShape">
+                  <a:avLst/>
+                </a:prstTxWarp>
+                <a:noAutofit/>
+              </a:bodyPr>
+              <a:lstStyle/>
+              <a:p>
+                <a:pPr algn="ctr" defTabSz="914289" fontAlgn="base">
+                  <a:lnSpc>
+                    <a:spcPct val="90000"/>
+                  </a:lnSpc>
+                  <a:spcBef>
+                    <a:spcPct val="0"/>
+                  </a:spcBef>
+                  <a:spcAft>
+                    <a:spcPct val="0"/>
+                  </a:spcAft>
+                </a:pPr>
+                <a:endParaRPr lang="en-US" sz="2353" dirty="0">
+                  <a:gradFill>
+                    <a:gsLst>
+                      <a:gs pos="0">
+                        <a:srgbClr val="FFFFFF"/>
+                      </a:gs>
+                      <a:gs pos="100000">
+                        <a:srgbClr val="FFFFFF"/>
+                      </a:gs>
+                    </a:gsLst>
+                    <a:lin ang="5400000" scaled="0"/>
+                  </a:gradFill>
+                  <a:ea typeface="Segoe UI" pitchFamily="34" charset="0"/>
+                  <a:cs typeface="Segoe UI" pitchFamily="34" charset="0"/>
+                </a:endParaRPr>
+              </a:p>
+            </p:txBody>
+          </p:sp>
+        </p:grpSp>
+        <p:sp>
+          <p:nvSpPr>
+            <p:cNvPr id="94" name="TextBox 93">
+              <a:extLst>
+                <a:ext uri="{FF2B5EF4-FFF2-40B4-BE49-F238E27FC236}">
+                  <a16:creationId xmlns:a16="http://schemas.microsoft.com/office/drawing/2014/main" id="{B89D6EBE-AEB3-4562-BFB2-0C652D885B5F}"/>
+                </a:ext>
+              </a:extLst>
+            </p:cNvPr>
+            <p:cNvSpPr txBox="1"/>
+            <p:nvPr/>
+          </p:nvSpPr>
+          <p:spPr>
+            <a:xfrm>
+              <a:off x="5873560" y="2111988"/>
+              <a:ext cx="550151" cy="369333"/>
+            </a:xfrm>
+            <a:prstGeom prst="rect">
+              <a:avLst/>
+            </a:prstGeom>
+            <a:solidFill>
+              <a:schemeClr val="tx1"/>
+            </a:solidFill>
+          </p:spPr>
+          <p:txBody>
+            <a:bodyPr wrap="none" rtlCol="0">
+              <a:spAutoFit/>
+            </a:bodyPr>
+            <a:lstStyle/>
+            <a:p>
+              <a:r>
+                <a:rPr lang="en-US" dirty="0">
+                  <a:solidFill>
+                    <a:schemeClr val="bg1"/>
+                  </a:solidFill>
+                </a:rPr>
+                <a:t>FD1</a:t>
+              </a:r>
+            </a:p>
+          </p:txBody>
+        </p:sp>
+      </p:grpSp>
+      <p:grpSp>
+        <p:nvGrpSpPr>
+          <p:cNvPr id="105" name="Group 104">
+            <a:extLst>
+              <a:ext uri="{FF2B5EF4-FFF2-40B4-BE49-F238E27FC236}">
+                <a16:creationId xmlns:a16="http://schemas.microsoft.com/office/drawing/2014/main" id="{82115AB4-6740-4D93-AB7E-CBBAC8620CDB}"/>
+              </a:ext>
+            </a:extLst>
+          </p:cNvPr>
+          <p:cNvGrpSpPr/>
+          <p:nvPr/>
+        </p:nvGrpSpPr>
+        <p:grpSpPr>
+          <a:xfrm>
+            <a:off x="2543136" y="1348353"/>
+            <a:ext cx="550151" cy="630279"/>
+            <a:chOff x="5873557" y="1855815"/>
+            <a:chExt cx="550151" cy="630279"/>
+          </a:xfrm>
+        </p:grpSpPr>
+        <p:grpSp>
+          <p:nvGrpSpPr>
+            <p:cNvPr id="106" name="组合 59">
+              <a:extLst>
+                <a:ext uri="{FF2B5EF4-FFF2-40B4-BE49-F238E27FC236}">
+                  <a16:creationId xmlns:a16="http://schemas.microsoft.com/office/drawing/2014/main" id="{8AA0FAB2-45D9-433F-BC10-A694A092A030}"/>
+                </a:ext>
+              </a:extLst>
+            </p:cNvPr>
+            <p:cNvGrpSpPr/>
+            <p:nvPr/>
+          </p:nvGrpSpPr>
+          <p:grpSpPr>
+            <a:xfrm>
+              <a:off x="5905158" y="1855815"/>
+              <a:ext cx="486950" cy="630279"/>
+              <a:chOff x="7330281" y="2278987"/>
+              <a:chExt cx="304800" cy="456275"/>
+            </a:xfrm>
+            <a:solidFill>
+              <a:schemeClr val="tx1"/>
+            </a:solidFill>
+          </p:grpSpPr>
+          <p:sp>
+            <p:nvSpPr>
+              <p:cNvPr id="108" name="空心弧 60">
+                <a:extLst>
+                  <a:ext uri="{FF2B5EF4-FFF2-40B4-BE49-F238E27FC236}">
+                    <a16:creationId xmlns:a16="http://schemas.microsoft.com/office/drawing/2014/main" id="{AC78187A-1887-459E-8C15-634E6FF45034}"/>
+                  </a:ext>
+                </a:extLst>
+              </p:cNvPr>
+              <p:cNvSpPr/>
+              <p:nvPr/>
+            </p:nvSpPr>
+            <p:spPr bwMode="auto">
+              <a:xfrm>
+                <a:off x="7330281" y="2278987"/>
+                <a:ext cx="304800" cy="381000"/>
+              </a:xfrm>
+              <a:prstGeom prst="blockArc">
+                <a:avLst/>
+              </a:prstGeom>
+              <a:grpFill/>
+              <a:ln>
+                <a:noFill/>
+                <a:headEnd type="none" w="med" len="med"/>
+                <a:tailEnd type="none" w="med" len="med"/>
+              </a:ln>
+              <a:effectLst/>
+            </p:spPr>
+            <p:style>
+              <a:lnRef idx="1">
+                <a:schemeClr val="accent2"/>
+              </a:lnRef>
+              <a:fillRef idx="3">
+                <a:schemeClr val="accent2"/>
+              </a:fillRef>
+              <a:effectRef idx="2">
+                <a:schemeClr val="accent2"/>
+              </a:effectRef>
+              <a:fontRef idx="minor">
+                <a:schemeClr val="lt1"/>
+              </a:fontRef>
+            </p:style>
+            <p:txBody>
+              <a:bodyPr rot="0" spcFirstLastPara="0" vertOverflow="overflow" horzOverflow="overflow" vert="horz" wrap="square" lIns="179310" tIns="143448" rIns="179310" bIns="143448" numCol="1" spcCol="0" rtlCol="0" fromWordArt="0" anchor="t" anchorCtr="0" forceAA="0" compatLnSpc="1">
+                <a:prstTxWarp prst="textNoShape">
+                  <a:avLst/>
+                </a:prstTxWarp>
+                <a:noAutofit/>
+              </a:bodyPr>
+              <a:lstStyle/>
+              <a:p>
+                <a:pPr algn="ctr" defTabSz="914289" fontAlgn="base">
+                  <a:lnSpc>
+                    <a:spcPct val="90000"/>
+                  </a:lnSpc>
+                  <a:spcBef>
+                    <a:spcPct val="0"/>
+                  </a:spcBef>
+                  <a:spcAft>
+                    <a:spcPct val="0"/>
+                  </a:spcAft>
+                </a:pPr>
+                <a:endParaRPr lang="en-US" sz="2353" dirty="0" err="1">
+                  <a:gradFill>
+                    <a:gsLst>
+                      <a:gs pos="0">
+                        <a:srgbClr val="FFFFFF"/>
+                      </a:gs>
+                      <a:gs pos="100000">
+                        <a:srgbClr val="FFFFFF"/>
+                      </a:gs>
+                    </a:gsLst>
+                    <a:lin ang="5400000" scaled="0"/>
+                  </a:gradFill>
+                  <a:ea typeface="Segoe UI" pitchFamily="34" charset="0"/>
+                  <a:cs typeface="Segoe UI" pitchFamily="34" charset="0"/>
+                </a:endParaRPr>
+              </a:p>
+            </p:txBody>
+          </p:sp>
+          <p:sp>
+            <p:nvSpPr>
+              <p:cNvPr id="109" name="矩形 61">
+                <a:extLst>
+                  <a:ext uri="{FF2B5EF4-FFF2-40B4-BE49-F238E27FC236}">
+                    <a16:creationId xmlns:a16="http://schemas.microsoft.com/office/drawing/2014/main" id="{3E519CB4-FAEB-4D75-84B2-7553F484CBA7}"/>
+                  </a:ext>
+                </a:extLst>
+              </p:cNvPr>
+              <p:cNvSpPr/>
+              <p:nvPr/>
+            </p:nvSpPr>
+            <p:spPr bwMode="auto">
+              <a:xfrm>
+                <a:off x="7330281" y="2488184"/>
+                <a:ext cx="304800" cy="247078"/>
+              </a:xfrm>
+              <a:prstGeom prst="rect">
+                <a:avLst/>
+              </a:prstGeom>
+              <a:grpFill/>
+              <a:ln>
+                <a:noFill/>
+                <a:headEnd type="none" w="med" len="med"/>
+                <a:tailEnd type="none" w="med" len="med"/>
+              </a:ln>
+              <a:effectLst/>
+            </p:spPr>
+            <p:style>
+              <a:lnRef idx="1">
+                <a:schemeClr val="accent2"/>
+              </a:lnRef>
+              <a:fillRef idx="3">
+                <a:schemeClr val="accent2"/>
+              </a:fillRef>
+              <a:effectRef idx="2">
+                <a:schemeClr val="accent2"/>
+              </a:effectRef>
+              <a:fontRef idx="minor">
+                <a:schemeClr val="lt1"/>
+              </a:fontRef>
+            </p:style>
+            <p:txBody>
+              <a:bodyPr rot="0" spcFirstLastPara="0" vertOverflow="overflow" horzOverflow="overflow" vert="horz" wrap="square" lIns="179310" tIns="143448" rIns="179310" bIns="143448" numCol="1" spcCol="0" rtlCol="0" fromWordArt="0" anchor="t" anchorCtr="0" forceAA="0" compatLnSpc="1">
+                <a:prstTxWarp prst="textNoShape">
+                  <a:avLst/>
+                </a:prstTxWarp>
+                <a:noAutofit/>
+              </a:bodyPr>
+              <a:lstStyle/>
+              <a:p>
+                <a:pPr algn="ctr" defTabSz="914289" fontAlgn="base">
+                  <a:lnSpc>
+                    <a:spcPct val="90000"/>
+                  </a:lnSpc>
+                  <a:spcBef>
+                    <a:spcPct val="0"/>
+                  </a:spcBef>
+                  <a:spcAft>
+                    <a:spcPct val="0"/>
+                  </a:spcAft>
+                </a:pPr>
+                <a:endParaRPr lang="en-US" sz="2353" dirty="0">
+                  <a:gradFill>
+                    <a:gsLst>
+                      <a:gs pos="0">
+                        <a:srgbClr val="FFFFFF"/>
+                      </a:gs>
+                      <a:gs pos="100000">
+                        <a:srgbClr val="FFFFFF"/>
+                      </a:gs>
+                    </a:gsLst>
+                    <a:lin ang="5400000" scaled="0"/>
+                  </a:gradFill>
+                  <a:ea typeface="Segoe UI" pitchFamily="34" charset="0"/>
+                  <a:cs typeface="Segoe UI" pitchFamily="34" charset="0"/>
+                </a:endParaRPr>
+              </a:p>
+            </p:txBody>
+          </p:sp>
+        </p:grpSp>
+        <p:sp>
+          <p:nvSpPr>
+            <p:cNvPr id="107" name="TextBox 106">
+              <a:extLst>
+                <a:ext uri="{FF2B5EF4-FFF2-40B4-BE49-F238E27FC236}">
+                  <a16:creationId xmlns:a16="http://schemas.microsoft.com/office/drawing/2014/main" id="{E5979ACC-19CA-42A5-8766-2B4C41393212}"/>
+                </a:ext>
+              </a:extLst>
+            </p:cNvPr>
+            <p:cNvSpPr txBox="1"/>
+            <p:nvPr/>
+          </p:nvSpPr>
+          <p:spPr>
+            <a:xfrm>
+              <a:off x="5873557" y="2111988"/>
+              <a:ext cx="550151" cy="369332"/>
+            </a:xfrm>
+            <a:prstGeom prst="rect">
+              <a:avLst/>
+            </a:prstGeom>
+            <a:solidFill>
+              <a:schemeClr val="tx1"/>
+            </a:solidFill>
+          </p:spPr>
+          <p:txBody>
+            <a:bodyPr wrap="none" rtlCol="0">
+              <a:spAutoFit/>
+            </a:bodyPr>
+            <a:lstStyle/>
+            <a:p>
+              <a:r>
+                <a:rPr lang="en-US" dirty="0">
+                  <a:solidFill>
+                    <a:schemeClr val="bg1"/>
+                  </a:solidFill>
+                </a:rPr>
+                <a:t>FD2</a:t>
+              </a:r>
+            </a:p>
+          </p:txBody>
+        </p:sp>
+      </p:grpSp>
+      <p:grpSp>
+        <p:nvGrpSpPr>
+          <p:cNvPr id="110" name="Group 109">
+            <a:extLst>
+              <a:ext uri="{FF2B5EF4-FFF2-40B4-BE49-F238E27FC236}">
+                <a16:creationId xmlns:a16="http://schemas.microsoft.com/office/drawing/2014/main" id="{5B888E9A-3F0F-425B-92D5-F5B021C1FC1E}"/>
+              </a:ext>
+            </a:extLst>
+          </p:cNvPr>
+          <p:cNvGrpSpPr/>
+          <p:nvPr/>
+        </p:nvGrpSpPr>
+        <p:grpSpPr>
+          <a:xfrm>
+            <a:off x="5017810" y="1379815"/>
+            <a:ext cx="550151" cy="630279"/>
+            <a:chOff x="5873557" y="1855815"/>
+            <a:chExt cx="550151" cy="630279"/>
+          </a:xfrm>
+        </p:grpSpPr>
+        <p:grpSp>
+          <p:nvGrpSpPr>
+            <p:cNvPr id="111" name="组合 59">
+              <a:extLst>
+                <a:ext uri="{FF2B5EF4-FFF2-40B4-BE49-F238E27FC236}">
+                  <a16:creationId xmlns:a16="http://schemas.microsoft.com/office/drawing/2014/main" id="{5E4D5E30-593F-4620-A579-7F1F4AE74F9F}"/>
+                </a:ext>
+              </a:extLst>
+            </p:cNvPr>
+            <p:cNvGrpSpPr/>
+            <p:nvPr/>
+          </p:nvGrpSpPr>
+          <p:grpSpPr>
+            <a:xfrm>
+              <a:off x="5905158" y="1855815"/>
+              <a:ext cx="486950" cy="630279"/>
+              <a:chOff x="7330281" y="2278987"/>
+              <a:chExt cx="304800" cy="456275"/>
+            </a:xfrm>
+            <a:solidFill>
+              <a:schemeClr val="tx1"/>
+            </a:solidFill>
+          </p:grpSpPr>
+          <p:sp>
+            <p:nvSpPr>
+              <p:cNvPr id="113" name="空心弧 60">
+                <a:extLst>
+                  <a:ext uri="{FF2B5EF4-FFF2-40B4-BE49-F238E27FC236}">
+                    <a16:creationId xmlns:a16="http://schemas.microsoft.com/office/drawing/2014/main" id="{CB556BB7-047E-45E4-A84E-9963CC3DC97C}"/>
+                  </a:ext>
+                </a:extLst>
+              </p:cNvPr>
+              <p:cNvSpPr/>
+              <p:nvPr/>
+            </p:nvSpPr>
+            <p:spPr bwMode="auto">
+              <a:xfrm>
+                <a:off x="7330281" y="2278987"/>
+                <a:ext cx="304800" cy="381000"/>
+              </a:xfrm>
+              <a:prstGeom prst="blockArc">
+                <a:avLst/>
+              </a:prstGeom>
+              <a:grpFill/>
+              <a:ln>
+                <a:noFill/>
+                <a:headEnd type="none" w="med" len="med"/>
+                <a:tailEnd type="none" w="med" len="med"/>
+              </a:ln>
+              <a:effectLst/>
+            </p:spPr>
+            <p:style>
+              <a:lnRef idx="1">
+                <a:schemeClr val="accent2"/>
+              </a:lnRef>
+              <a:fillRef idx="3">
+                <a:schemeClr val="accent2"/>
+              </a:fillRef>
+              <a:effectRef idx="2">
+                <a:schemeClr val="accent2"/>
+              </a:effectRef>
+              <a:fontRef idx="minor">
+                <a:schemeClr val="lt1"/>
+              </a:fontRef>
+            </p:style>
+            <p:txBody>
+              <a:bodyPr rot="0" spcFirstLastPara="0" vertOverflow="overflow" horzOverflow="overflow" vert="horz" wrap="square" lIns="179310" tIns="143448" rIns="179310" bIns="143448" numCol="1" spcCol="0" rtlCol="0" fromWordArt="0" anchor="t" anchorCtr="0" forceAA="0" compatLnSpc="1">
+                <a:prstTxWarp prst="textNoShape">
+                  <a:avLst/>
+                </a:prstTxWarp>
+                <a:noAutofit/>
+              </a:bodyPr>
+              <a:lstStyle/>
+              <a:p>
+                <a:pPr algn="ctr" defTabSz="914289" fontAlgn="base">
+                  <a:lnSpc>
+                    <a:spcPct val="90000"/>
+                  </a:lnSpc>
+                  <a:spcBef>
+                    <a:spcPct val="0"/>
+                  </a:spcBef>
+                  <a:spcAft>
+                    <a:spcPct val="0"/>
+                  </a:spcAft>
+                </a:pPr>
+                <a:endParaRPr lang="en-US" sz="2353" dirty="0" err="1">
+                  <a:gradFill>
+                    <a:gsLst>
+                      <a:gs pos="0">
+                        <a:srgbClr val="FFFFFF"/>
+                      </a:gs>
+                      <a:gs pos="100000">
+                        <a:srgbClr val="FFFFFF"/>
+                      </a:gs>
+                    </a:gsLst>
+                    <a:lin ang="5400000" scaled="0"/>
+                  </a:gradFill>
+                  <a:ea typeface="Segoe UI" pitchFamily="34" charset="0"/>
+                  <a:cs typeface="Segoe UI" pitchFamily="34" charset="0"/>
+                </a:endParaRPr>
+              </a:p>
+            </p:txBody>
+          </p:sp>
+          <p:sp>
+            <p:nvSpPr>
+              <p:cNvPr id="114" name="矩形 61">
+                <a:extLst>
+                  <a:ext uri="{FF2B5EF4-FFF2-40B4-BE49-F238E27FC236}">
+                    <a16:creationId xmlns:a16="http://schemas.microsoft.com/office/drawing/2014/main" id="{ADD9D0B4-0A47-44B1-B213-7EC83CD2CC45}"/>
+                  </a:ext>
+                </a:extLst>
+              </p:cNvPr>
+              <p:cNvSpPr/>
+              <p:nvPr/>
+            </p:nvSpPr>
+            <p:spPr bwMode="auto">
+              <a:xfrm>
+                <a:off x="7330281" y="2488184"/>
+                <a:ext cx="304800" cy="247078"/>
+              </a:xfrm>
+              <a:prstGeom prst="rect">
+                <a:avLst/>
+              </a:prstGeom>
+              <a:grpFill/>
+              <a:ln>
+                <a:noFill/>
+                <a:headEnd type="none" w="med" len="med"/>
+                <a:tailEnd type="none" w="med" len="med"/>
+              </a:ln>
+              <a:effectLst/>
+            </p:spPr>
+            <p:style>
+              <a:lnRef idx="1">
+                <a:schemeClr val="accent2"/>
+              </a:lnRef>
+              <a:fillRef idx="3">
+                <a:schemeClr val="accent2"/>
+              </a:fillRef>
+              <a:effectRef idx="2">
+                <a:schemeClr val="accent2"/>
+              </a:effectRef>
+              <a:fontRef idx="minor">
+                <a:schemeClr val="lt1"/>
+              </a:fontRef>
+            </p:style>
+            <p:txBody>
+              <a:bodyPr rot="0" spcFirstLastPara="0" vertOverflow="overflow" horzOverflow="overflow" vert="horz" wrap="square" lIns="179310" tIns="143448" rIns="179310" bIns="143448" numCol="1" spcCol="0" rtlCol="0" fromWordArt="0" anchor="t" anchorCtr="0" forceAA="0" compatLnSpc="1">
+                <a:prstTxWarp prst="textNoShape">
+                  <a:avLst/>
+                </a:prstTxWarp>
+                <a:noAutofit/>
+              </a:bodyPr>
+              <a:lstStyle/>
+              <a:p>
+                <a:pPr algn="ctr" defTabSz="914289" fontAlgn="base">
+                  <a:lnSpc>
+                    <a:spcPct val="90000"/>
+                  </a:lnSpc>
+                  <a:spcBef>
+                    <a:spcPct val="0"/>
+                  </a:spcBef>
+                  <a:spcAft>
+                    <a:spcPct val="0"/>
+                  </a:spcAft>
+                </a:pPr>
+                <a:endParaRPr lang="en-US" sz="2353" dirty="0">
+                  <a:gradFill>
+                    <a:gsLst>
+                      <a:gs pos="0">
+                        <a:srgbClr val="FFFFFF"/>
+                      </a:gs>
+                      <a:gs pos="100000">
+                        <a:srgbClr val="FFFFFF"/>
+                      </a:gs>
+                    </a:gsLst>
+                    <a:lin ang="5400000" scaled="0"/>
+                  </a:gradFill>
+                  <a:ea typeface="Segoe UI" pitchFamily="34" charset="0"/>
+                  <a:cs typeface="Segoe UI" pitchFamily="34" charset="0"/>
+                </a:endParaRPr>
+              </a:p>
+            </p:txBody>
+          </p:sp>
+        </p:grpSp>
+        <p:sp>
+          <p:nvSpPr>
+            <p:cNvPr id="112" name="TextBox 111">
+              <a:extLst>
+                <a:ext uri="{FF2B5EF4-FFF2-40B4-BE49-F238E27FC236}">
+                  <a16:creationId xmlns:a16="http://schemas.microsoft.com/office/drawing/2014/main" id="{BB3C4DE8-D755-4B30-80C2-1A37A361066B}"/>
+                </a:ext>
+              </a:extLst>
+            </p:cNvPr>
+            <p:cNvSpPr txBox="1"/>
+            <p:nvPr/>
+          </p:nvSpPr>
+          <p:spPr>
+            <a:xfrm>
+              <a:off x="5873557" y="2111988"/>
+              <a:ext cx="550151" cy="369332"/>
+            </a:xfrm>
+            <a:prstGeom prst="rect">
+              <a:avLst/>
+            </a:prstGeom>
+            <a:solidFill>
+              <a:schemeClr val="tx1"/>
+            </a:solidFill>
+          </p:spPr>
+          <p:txBody>
+            <a:bodyPr wrap="none" rtlCol="0">
+              <a:spAutoFit/>
+            </a:bodyPr>
+            <a:lstStyle/>
+            <a:p>
+              <a:r>
+                <a:rPr lang="en-US" dirty="0">
+                  <a:solidFill>
+                    <a:schemeClr val="bg1"/>
+                  </a:solidFill>
+                </a:rPr>
+                <a:t>FD2</a:t>
+              </a:r>
+            </a:p>
+          </p:txBody>
+        </p:sp>
+      </p:grpSp>
+      <p:grpSp>
+        <p:nvGrpSpPr>
+          <p:cNvPr id="123" name="Group 122">
+            <a:extLst>
+              <a:ext uri="{FF2B5EF4-FFF2-40B4-BE49-F238E27FC236}">
+                <a16:creationId xmlns:a16="http://schemas.microsoft.com/office/drawing/2014/main" id="{DE8C0E86-8E37-48C4-A5AD-1E41DA315399}"/>
+              </a:ext>
+            </a:extLst>
+          </p:cNvPr>
+          <p:cNvGrpSpPr/>
+          <p:nvPr/>
+        </p:nvGrpSpPr>
+        <p:grpSpPr>
+          <a:xfrm>
+            <a:off x="2540749" y="1992484"/>
+            <a:ext cx="550151" cy="630279"/>
+            <a:chOff x="5873557" y="1855815"/>
+            <a:chExt cx="550151" cy="630279"/>
+          </a:xfrm>
+        </p:grpSpPr>
+        <p:grpSp>
+          <p:nvGrpSpPr>
+            <p:cNvPr id="124" name="组合 59">
+              <a:extLst>
+                <a:ext uri="{FF2B5EF4-FFF2-40B4-BE49-F238E27FC236}">
+                  <a16:creationId xmlns:a16="http://schemas.microsoft.com/office/drawing/2014/main" id="{BFD2DA25-ABCB-4699-8F3F-B19EDBDFF236}"/>
+                </a:ext>
+              </a:extLst>
+            </p:cNvPr>
+            <p:cNvGrpSpPr/>
+            <p:nvPr/>
+          </p:nvGrpSpPr>
+          <p:grpSpPr>
+            <a:xfrm>
+              <a:off x="5905158" y="1855815"/>
+              <a:ext cx="486950" cy="630279"/>
+              <a:chOff x="7330281" y="2278987"/>
+              <a:chExt cx="304800" cy="456275"/>
+            </a:xfrm>
+            <a:solidFill>
+              <a:schemeClr val="tx1"/>
+            </a:solidFill>
+          </p:grpSpPr>
+          <p:sp>
+            <p:nvSpPr>
+              <p:cNvPr id="126" name="空心弧 60">
+                <a:extLst>
+                  <a:ext uri="{FF2B5EF4-FFF2-40B4-BE49-F238E27FC236}">
+                    <a16:creationId xmlns:a16="http://schemas.microsoft.com/office/drawing/2014/main" id="{24C3B06B-E892-4D24-BBA6-967662810725}"/>
+                  </a:ext>
+                </a:extLst>
+              </p:cNvPr>
+              <p:cNvSpPr/>
+              <p:nvPr/>
+            </p:nvSpPr>
+            <p:spPr bwMode="auto">
+              <a:xfrm>
+                <a:off x="7330281" y="2278987"/>
+                <a:ext cx="304800" cy="381000"/>
+              </a:xfrm>
+              <a:prstGeom prst="blockArc">
+                <a:avLst/>
+              </a:prstGeom>
+              <a:grpFill/>
+              <a:ln>
+                <a:noFill/>
+                <a:headEnd type="none" w="med" len="med"/>
+                <a:tailEnd type="none" w="med" len="med"/>
+              </a:ln>
+              <a:effectLst/>
+            </p:spPr>
+            <p:style>
+              <a:lnRef idx="1">
+                <a:schemeClr val="accent2"/>
+              </a:lnRef>
+              <a:fillRef idx="3">
+                <a:schemeClr val="accent2"/>
+              </a:fillRef>
+              <a:effectRef idx="2">
+                <a:schemeClr val="accent2"/>
+              </a:effectRef>
+              <a:fontRef idx="minor">
+                <a:schemeClr val="lt1"/>
+              </a:fontRef>
+            </p:style>
+            <p:txBody>
+              <a:bodyPr rot="0" spcFirstLastPara="0" vertOverflow="overflow" horzOverflow="overflow" vert="horz" wrap="square" lIns="179310" tIns="143448" rIns="179310" bIns="143448" numCol="1" spcCol="0" rtlCol="0" fromWordArt="0" anchor="t" anchorCtr="0" forceAA="0" compatLnSpc="1">
+                <a:prstTxWarp prst="textNoShape">
+                  <a:avLst/>
+                </a:prstTxWarp>
+                <a:noAutofit/>
+              </a:bodyPr>
+              <a:lstStyle/>
+              <a:p>
+                <a:pPr algn="ctr" defTabSz="914289" fontAlgn="base">
+                  <a:lnSpc>
+                    <a:spcPct val="90000"/>
+                  </a:lnSpc>
+                  <a:spcBef>
+                    <a:spcPct val="0"/>
+                  </a:spcBef>
+                  <a:spcAft>
+                    <a:spcPct val="0"/>
+                  </a:spcAft>
+                </a:pPr>
+                <a:endParaRPr lang="en-US" sz="2353" dirty="0" err="1">
+                  <a:gradFill>
+                    <a:gsLst>
+                      <a:gs pos="0">
+                        <a:srgbClr val="FFFFFF"/>
+                      </a:gs>
+                      <a:gs pos="100000">
+                        <a:srgbClr val="FFFFFF"/>
+                      </a:gs>
+                    </a:gsLst>
+                    <a:lin ang="5400000" scaled="0"/>
+                  </a:gradFill>
+                  <a:ea typeface="Segoe UI" pitchFamily="34" charset="0"/>
+                  <a:cs typeface="Segoe UI" pitchFamily="34" charset="0"/>
+                </a:endParaRPr>
+              </a:p>
+            </p:txBody>
+          </p:sp>
+          <p:sp>
+            <p:nvSpPr>
+              <p:cNvPr id="127" name="矩形 61">
+                <a:extLst>
+                  <a:ext uri="{FF2B5EF4-FFF2-40B4-BE49-F238E27FC236}">
+                    <a16:creationId xmlns:a16="http://schemas.microsoft.com/office/drawing/2014/main" id="{D8E2333E-5DCD-4505-BC2D-3C6C75BA7259}"/>
+                  </a:ext>
+                </a:extLst>
+              </p:cNvPr>
+              <p:cNvSpPr/>
+              <p:nvPr/>
+            </p:nvSpPr>
+            <p:spPr bwMode="auto">
+              <a:xfrm>
+                <a:off x="7330281" y="2488184"/>
+                <a:ext cx="304800" cy="247078"/>
+              </a:xfrm>
+              <a:prstGeom prst="rect">
+                <a:avLst/>
+              </a:prstGeom>
+              <a:grpFill/>
+              <a:ln>
+                <a:noFill/>
+                <a:headEnd type="none" w="med" len="med"/>
+                <a:tailEnd type="none" w="med" len="med"/>
+              </a:ln>
+              <a:effectLst/>
+            </p:spPr>
+            <p:style>
+              <a:lnRef idx="1">
+                <a:schemeClr val="accent2"/>
+              </a:lnRef>
+              <a:fillRef idx="3">
+                <a:schemeClr val="accent2"/>
+              </a:fillRef>
+              <a:effectRef idx="2">
+                <a:schemeClr val="accent2"/>
+              </a:effectRef>
+              <a:fontRef idx="minor">
+                <a:schemeClr val="lt1"/>
+              </a:fontRef>
+            </p:style>
+            <p:txBody>
+              <a:bodyPr rot="0" spcFirstLastPara="0" vertOverflow="overflow" horzOverflow="overflow" vert="horz" wrap="square" lIns="179310" tIns="143448" rIns="179310" bIns="143448" numCol="1" spcCol="0" rtlCol="0" fromWordArt="0" anchor="t" anchorCtr="0" forceAA="0" compatLnSpc="1">
+                <a:prstTxWarp prst="textNoShape">
+                  <a:avLst/>
+                </a:prstTxWarp>
+                <a:noAutofit/>
+              </a:bodyPr>
+              <a:lstStyle/>
+              <a:p>
+                <a:pPr algn="ctr" defTabSz="914289" fontAlgn="base">
+                  <a:lnSpc>
+                    <a:spcPct val="90000"/>
+                  </a:lnSpc>
+                  <a:spcBef>
+                    <a:spcPct val="0"/>
+                  </a:spcBef>
+                  <a:spcAft>
+                    <a:spcPct val="0"/>
+                  </a:spcAft>
+                </a:pPr>
+                <a:endParaRPr lang="en-US" sz="2353" dirty="0">
+                  <a:gradFill>
+                    <a:gsLst>
+                      <a:gs pos="0">
+                        <a:srgbClr val="FFFFFF"/>
+                      </a:gs>
+                      <a:gs pos="100000">
+                        <a:srgbClr val="FFFFFF"/>
+                      </a:gs>
+                    </a:gsLst>
+                    <a:lin ang="5400000" scaled="0"/>
+                  </a:gradFill>
+                  <a:ea typeface="Segoe UI" pitchFamily="34" charset="0"/>
+                  <a:cs typeface="Segoe UI" pitchFamily="34" charset="0"/>
+                </a:endParaRPr>
+              </a:p>
+            </p:txBody>
+          </p:sp>
+        </p:grpSp>
+        <p:sp>
+          <p:nvSpPr>
+            <p:cNvPr id="125" name="TextBox 124">
+              <a:extLst>
+                <a:ext uri="{FF2B5EF4-FFF2-40B4-BE49-F238E27FC236}">
+                  <a16:creationId xmlns:a16="http://schemas.microsoft.com/office/drawing/2014/main" id="{C02D0CC7-322F-41BC-BA37-B5298182AE6D}"/>
+                </a:ext>
+              </a:extLst>
+            </p:cNvPr>
+            <p:cNvSpPr txBox="1"/>
+            <p:nvPr/>
+          </p:nvSpPr>
+          <p:spPr>
+            <a:xfrm>
+              <a:off x="5873557" y="2111988"/>
+              <a:ext cx="550151" cy="369332"/>
+            </a:xfrm>
+            <a:prstGeom prst="rect">
+              <a:avLst/>
+            </a:prstGeom>
+            <a:solidFill>
+              <a:schemeClr val="tx1"/>
+            </a:solidFill>
+          </p:spPr>
+          <p:txBody>
+            <a:bodyPr wrap="none" rtlCol="0">
+              <a:spAutoFit/>
+            </a:bodyPr>
+            <a:lstStyle/>
+            <a:p>
+              <a:r>
+                <a:rPr lang="en-US" dirty="0">
+                  <a:solidFill>
+                    <a:schemeClr val="bg1"/>
+                  </a:solidFill>
+                </a:rPr>
+                <a:t>FD3</a:t>
+              </a:r>
+            </a:p>
+          </p:txBody>
+        </p:sp>
+      </p:grpSp>
+      <p:grpSp>
+        <p:nvGrpSpPr>
+          <p:cNvPr id="128" name="Group 127">
+            <a:extLst>
+              <a:ext uri="{FF2B5EF4-FFF2-40B4-BE49-F238E27FC236}">
+                <a16:creationId xmlns:a16="http://schemas.microsoft.com/office/drawing/2014/main" id="{AF513865-1D7F-4537-AFF9-43A6649BA5CA}"/>
+              </a:ext>
+            </a:extLst>
+          </p:cNvPr>
+          <p:cNvGrpSpPr/>
+          <p:nvPr/>
+        </p:nvGrpSpPr>
+        <p:grpSpPr>
+          <a:xfrm>
+            <a:off x="5015423" y="2023946"/>
+            <a:ext cx="550151" cy="630279"/>
+            <a:chOff x="5873557" y="1855815"/>
+            <a:chExt cx="550151" cy="630279"/>
+          </a:xfrm>
+        </p:grpSpPr>
+        <p:grpSp>
+          <p:nvGrpSpPr>
+            <p:cNvPr id="129" name="组合 59">
+              <a:extLst>
+                <a:ext uri="{FF2B5EF4-FFF2-40B4-BE49-F238E27FC236}">
+                  <a16:creationId xmlns:a16="http://schemas.microsoft.com/office/drawing/2014/main" id="{2BED82ED-72BC-4718-8D59-9155D0C0F8C2}"/>
+                </a:ext>
+              </a:extLst>
+            </p:cNvPr>
+            <p:cNvGrpSpPr/>
+            <p:nvPr/>
+          </p:nvGrpSpPr>
+          <p:grpSpPr>
+            <a:xfrm>
+              <a:off x="5905158" y="1855815"/>
+              <a:ext cx="486950" cy="630279"/>
+              <a:chOff x="7330281" y="2278987"/>
+              <a:chExt cx="304800" cy="456275"/>
+            </a:xfrm>
+            <a:solidFill>
+              <a:schemeClr val="tx1"/>
+            </a:solidFill>
+          </p:grpSpPr>
+          <p:sp>
+            <p:nvSpPr>
+              <p:cNvPr id="131" name="空心弧 60">
+                <a:extLst>
+                  <a:ext uri="{FF2B5EF4-FFF2-40B4-BE49-F238E27FC236}">
+                    <a16:creationId xmlns:a16="http://schemas.microsoft.com/office/drawing/2014/main" id="{ABD82BF6-E41A-4D26-9E81-3799A3602BEE}"/>
+                  </a:ext>
+                </a:extLst>
+              </p:cNvPr>
+              <p:cNvSpPr/>
+              <p:nvPr/>
+            </p:nvSpPr>
+            <p:spPr bwMode="auto">
+              <a:xfrm>
+                <a:off x="7330281" y="2278987"/>
+                <a:ext cx="304800" cy="381000"/>
+              </a:xfrm>
+              <a:prstGeom prst="blockArc">
+                <a:avLst/>
+              </a:prstGeom>
+              <a:grpFill/>
+              <a:ln>
+                <a:noFill/>
+                <a:headEnd type="none" w="med" len="med"/>
+                <a:tailEnd type="none" w="med" len="med"/>
+              </a:ln>
+              <a:effectLst/>
+            </p:spPr>
+            <p:style>
+              <a:lnRef idx="1">
+                <a:schemeClr val="accent2"/>
+              </a:lnRef>
+              <a:fillRef idx="3">
+                <a:schemeClr val="accent2"/>
+              </a:fillRef>
+              <a:effectRef idx="2">
+                <a:schemeClr val="accent2"/>
+              </a:effectRef>
+              <a:fontRef idx="minor">
+                <a:schemeClr val="lt1"/>
+              </a:fontRef>
+            </p:style>
+            <p:txBody>
+              <a:bodyPr rot="0" spcFirstLastPara="0" vertOverflow="overflow" horzOverflow="overflow" vert="horz" wrap="square" lIns="179310" tIns="143448" rIns="179310" bIns="143448" numCol="1" spcCol="0" rtlCol="0" fromWordArt="0" anchor="t" anchorCtr="0" forceAA="0" compatLnSpc="1">
+                <a:prstTxWarp prst="textNoShape">
+                  <a:avLst/>
+                </a:prstTxWarp>
+                <a:noAutofit/>
+              </a:bodyPr>
+              <a:lstStyle/>
+              <a:p>
+                <a:pPr algn="ctr" defTabSz="914289" fontAlgn="base">
+                  <a:lnSpc>
+                    <a:spcPct val="90000"/>
+                  </a:lnSpc>
+                  <a:spcBef>
+                    <a:spcPct val="0"/>
+                  </a:spcBef>
+                  <a:spcAft>
+                    <a:spcPct val="0"/>
+                  </a:spcAft>
+                </a:pPr>
+                <a:endParaRPr lang="en-US" sz="2353" dirty="0" err="1">
+                  <a:gradFill>
+                    <a:gsLst>
+                      <a:gs pos="0">
+                        <a:srgbClr val="FFFFFF"/>
+                      </a:gs>
+                      <a:gs pos="100000">
+                        <a:srgbClr val="FFFFFF"/>
+                      </a:gs>
+                    </a:gsLst>
+                    <a:lin ang="5400000" scaled="0"/>
+                  </a:gradFill>
+                  <a:ea typeface="Segoe UI" pitchFamily="34" charset="0"/>
+                  <a:cs typeface="Segoe UI" pitchFamily="34" charset="0"/>
+                </a:endParaRPr>
+              </a:p>
+            </p:txBody>
+          </p:sp>
+          <p:sp>
+            <p:nvSpPr>
+              <p:cNvPr id="132" name="矩形 61">
+                <a:extLst>
+                  <a:ext uri="{FF2B5EF4-FFF2-40B4-BE49-F238E27FC236}">
+                    <a16:creationId xmlns:a16="http://schemas.microsoft.com/office/drawing/2014/main" id="{7A282F07-AE2E-49A5-A0D1-1C825A013CF8}"/>
+                  </a:ext>
+                </a:extLst>
+              </p:cNvPr>
+              <p:cNvSpPr/>
+              <p:nvPr/>
+            </p:nvSpPr>
+            <p:spPr bwMode="auto">
+              <a:xfrm>
+                <a:off x="7330281" y="2488184"/>
+                <a:ext cx="304800" cy="247078"/>
+              </a:xfrm>
+              <a:prstGeom prst="rect">
+                <a:avLst/>
+              </a:prstGeom>
+              <a:grpFill/>
+              <a:ln>
+                <a:noFill/>
+                <a:headEnd type="none" w="med" len="med"/>
+                <a:tailEnd type="none" w="med" len="med"/>
+              </a:ln>
+              <a:effectLst/>
+            </p:spPr>
+            <p:style>
+              <a:lnRef idx="1">
+                <a:schemeClr val="accent2"/>
+              </a:lnRef>
+              <a:fillRef idx="3">
+                <a:schemeClr val="accent2"/>
+              </a:fillRef>
+              <a:effectRef idx="2">
+                <a:schemeClr val="accent2"/>
+              </a:effectRef>
+              <a:fontRef idx="minor">
+                <a:schemeClr val="lt1"/>
+              </a:fontRef>
+            </p:style>
+            <p:txBody>
+              <a:bodyPr rot="0" spcFirstLastPara="0" vertOverflow="overflow" horzOverflow="overflow" vert="horz" wrap="square" lIns="179310" tIns="143448" rIns="179310" bIns="143448" numCol="1" spcCol="0" rtlCol="0" fromWordArt="0" anchor="t" anchorCtr="0" forceAA="0" compatLnSpc="1">
+                <a:prstTxWarp prst="textNoShape">
+                  <a:avLst/>
+                </a:prstTxWarp>
+                <a:noAutofit/>
+              </a:bodyPr>
+              <a:lstStyle/>
+              <a:p>
+                <a:pPr algn="ctr" defTabSz="914289" fontAlgn="base">
+                  <a:lnSpc>
+                    <a:spcPct val="90000"/>
+                  </a:lnSpc>
+                  <a:spcBef>
+                    <a:spcPct val="0"/>
+                  </a:spcBef>
+                  <a:spcAft>
+                    <a:spcPct val="0"/>
+                  </a:spcAft>
+                </a:pPr>
+                <a:endParaRPr lang="en-US" sz="2353" dirty="0">
+                  <a:gradFill>
+                    <a:gsLst>
+                      <a:gs pos="0">
+                        <a:srgbClr val="FFFFFF"/>
+                      </a:gs>
+                      <a:gs pos="100000">
+                        <a:srgbClr val="FFFFFF"/>
+                      </a:gs>
+                    </a:gsLst>
+                    <a:lin ang="5400000" scaled="0"/>
+                  </a:gradFill>
+                  <a:ea typeface="Segoe UI" pitchFamily="34" charset="0"/>
+                  <a:cs typeface="Segoe UI" pitchFamily="34" charset="0"/>
+                </a:endParaRPr>
+              </a:p>
+            </p:txBody>
+          </p:sp>
+        </p:grpSp>
+        <p:sp>
+          <p:nvSpPr>
+            <p:cNvPr id="130" name="TextBox 129">
+              <a:extLst>
+                <a:ext uri="{FF2B5EF4-FFF2-40B4-BE49-F238E27FC236}">
+                  <a16:creationId xmlns:a16="http://schemas.microsoft.com/office/drawing/2014/main" id="{2588AFCB-DD91-4F97-AB2B-B482D1778DDC}"/>
+                </a:ext>
+              </a:extLst>
+            </p:cNvPr>
+            <p:cNvSpPr txBox="1"/>
+            <p:nvPr/>
+          </p:nvSpPr>
+          <p:spPr>
+            <a:xfrm>
+              <a:off x="5873557" y="2111988"/>
+              <a:ext cx="550151" cy="369332"/>
+            </a:xfrm>
+            <a:prstGeom prst="rect">
+              <a:avLst/>
+            </a:prstGeom>
+            <a:solidFill>
+              <a:schemeClr val="tx1"/>
+            </a:solidFill>
+          </p:spPr>
+          <p:txBody>
+            <a:bodyPr wrap="none" rtlCol="0">
+              <a:spAutoFit/>
+            </a:bodyPr>
+            <a:lstStyle/>
+            <a:p>
+              <a:r>
+                <a:rPr lang="en-US" dirty="0">
+                  <a:solidFill>
+                    <a:schemeClr val="bg1"/>
+                  </a:solidFill>
+                </a:rPr>
+                <a:t>FD3</a:t>
+              </a:r>
+            </a:p>
+          </p:txBody>
+        </p:sp>
+      </p:grpSp>
+      <p:grpSp>
+        <p:nvGrpSpPr>
+          <p:cNvPr id="133" name="Group 132">
+            <a:extLst>
+              <a:ext uri="{FF2B5EF4-FFF2-40B4-BE49-F238E27FC236}">
+                <a16:creationId xmlns:a16="http://schemas.microsoft.com/office/drawing/2014/main" id="{C89322B7-87D9-4AB5-979E-C68367456E83}"/>
+              </a:ext>
+            </a:extLst>
+          </p:cNvPr>
+          <p:cNvGrpSpPr/>
+          <p:nvPr/>
+        </p:nvGrpSpPr>
+        <p:grpSpPr>
+          <a:xfrm>
+            <a:off x="3316275" y="1551911"/>
+            <a:ext cx="1500250" cy="387854"/>
+            <a:chOff x="3259659" y="772884"/>
+            <a:chExt cx="1500250" cy="387854"/>
+          </a:xfrm>
+        </p:grpSpPr>
+        <p:grpSp>
+          <p:nvGrpSpPr>
+            <p:cNvPr id="134" name="Group 133">
+              <a:extLst>
+                <a:ext uri="{FF2B5EF4-FFF2-40B4-BE49-F238E27FC236}">
+                  <a16:creationId xmlns:a16="http://schemas.microsoft.com/office/drawing/2014/main" id="{0B1B5739-E175-499B-B4DE-1A65C7537D57}"/>
+                </a:ext>
+              </a:extLst>
+            </p:cNvPr>
+            <p:cNvGrpSpPr/>
+            <p:nvPr/>
+          </p:nvGrpSpPr>
+          <p:grpSpPr>
+            <a:xfrm>
+              <a:off x="3259659" y="791406"/>
+              <a:ext cx="1500250" cy="369332"/>
+              <a:chOff x="3220866" y="2200705"/>
+              <a:chExt cx="1500250" cy="369332"/>
+            </a:xfrm>
+          </p:grpSpPr>
+          <p:sp>
+            <p:nvSpPr>
+              <p:cNvPr id="136" name="Rectangle 135">
+                <a:extLst>
+                  <a:ext uri="{FF2B5EF4-FFF2-40B4-BE49-F238E27FC236}">
+                    <a16:creationId xmlns:a16="http://schemas.microsoft.com/office/drawing/2014/main" id="{29216165-2CD2-4995-B85A-0D4844D78C8D}"/>
+                  </a:ext>
+                </a:extLst>
+              </p:cNvPr>
+              <p:cNvSpPr/>
+              <p:nvPr/>
+            </p:nvSpPr>
+            <p:spPr>
+              <a:xfrm>
+                <a:off x="3220866" y="2238582"/>
+                <a:ext cx="1424285" cy="274320"/>
+              </a:xfrm>
+              <a:prstGeom prst="rect">
+                <a:avLst/>
+              </a:prstGeom>
+              <a:ln w="28575"/>
+            </p:spPr>
+            <p:style>
+              <a:lnRef idx="2">
+                <a:schemeClr val="dk1"/>
+              </a:lnRef>
+              <a:fillRef idx="1">
+                <a:schemeClr val="lt1"/>
+              </a:fillRef>
+              <a:effectRef idx="0">
+                <a:schemeClr val="dk1"/>
+              </a:effectRef>
+              <a:fontRef idx="minor">
+                <a:schemeClr val="dk1"/>
+              </a:fontRef>
+            </p:style>
+            <p:txBody>
+              <a:bodyPr rtlCol="0" anchor="ctr"/>
+              <a:lstStyle/>
+              <a:p>
+                <a:pPr algn="ctr"/>
+                <a:endParaRPr lang="en-US" dirty="0"/>
+              </a:p>
+            </p:txBody>
+          </p:sp>
+          <p:cxnSp>
+            <p:nvCxnSpPr>
+              <p:cNvPr id="137" name="Straight Connector 136">
+                <a:extLst>
+                  <a:ext uri="{FF2B5EF4-FFF2-40B4-BE49-F238E27FC236}">
+                    <a16:creationId xmlns:a16="http://schemas.microsoft.com/office/drawing/2014/main" id="{753B6EBA-0735-458D-B186-5789EFB6D787}"/>
+                  </a:ext>
+                </a:extLst>
+              </p:cNvPr>
+              <p:cNvCxnSpPr/>
+              <p:nvPr/>
+            </p:nvCxnSpPr>
+            <p:spPr>
+              <a:xfrm>
+                <a:off x="4239129" y="2233178"/>
+                <a:ext cx="0" cy="274320"/>
+              </a:xfrm>
+              <a:prstGeom prst="line">
+                <a:avLst/>
+              </a:prstGeom>
+              <a:ln w="28575"/>
+            </p:spPr>
+            <p:style>
+              <a:lnRef idx="1">
+                <a:schemeClr val="dk1"/>
+              </a:lnRef>
+              <a:fillRef idx="0">
+                <a:schemeClr val="dk1"/>
+              </a:fillRef>
+              <a:effectRef idx="0">
+                <a:schemeClr val="dk1"/>
+              </a:effectRef>
+              <a:fontRef idx="minor">
+                <a:schemeClr val="tx1"/>
+              </a:fontRef>
+            </p:style>
+          </p:cxnSp>
+          <p:cxnSp>
+            <p:nvCxnSpPr>
+              <p:cNvPr id="138" name="Straight Connector 137">
+                <a:extLst>
+                  <a:ext uri="{FF2B5EF4-FFF2-40B4-BE49-F238E27FC236}">
+                    <a16:creationId xmlns:a16="http://schemas.microsoft.com/office/drawing/2014/main" id="{7CFC7EA0-67BD-4469-87DD-4844D981A0F3}"/>
+                  </a:ext>
+                </a:extLst>
+              </p:cNvPr>
+              <p:cNvCxnSpPr/>
+              <p:nvPr/>
+            </p:nvCxnSpPr>
+            <p:spPr>
+              <a:xfrm>
+                <a:off x="3831413" y="2233178"/>
+                <a:ext cx="0" cy="274320"/>
+              </a:xfrm>
+              <a:prstGeom prst="line">
+                <a:avLst/>
+              </a:prstGeom>
+              <a:ln w="28575"/>
+            </p:spPr>
+            <p:style>
+              <a:lnRef idx="1">
+                <a:schemeClr val="dk1"/>
+              </a:lnRef>
+              <a:fillRef idx="0">
+                <a:schemeClr val="dk1"/>
+              </a:fillRef>
+              <a:effectRef idx="0">
+                <a:schemeClr val="dk1"/>
+              </a:effectRef>
+              <a:fontRef idx="minor">
+                <a:schemeClr val="tx1"/>
+              </a:fontRef>
+            </p:style>
+          </p:cxnSp>
+          <p:sp>
+            <p:nvSpPr>
+              <p:cNvPr id="139" name="TextBox 138">
+                <a:extLst>
+                  <a:ext uri="{FF2B5EF4-FFF2-40B4-BE49-F238E27FC236}">
+                    <a16:creationId xmlns:a16="http://schemas.microsoft.com/office/drawing/2014/main" id="{A0D151C5-37FA-4FB5-8D4D-DC0EBBC18481}"/>
+                  </a:ext>
+                </a:extLst>
+              </p:cNvPr>
+              <p:cNvSpPr txBox="1"/>
+              <p:nvPr/>
+            </p:nvSpPr>
+            <p:spPr>
+              <a:xfrm>
+                <a:off x="4170965" y="2200705"/>
+                <a:ext cx="550151" cy="369332"/>
+              </a:xfrm>
+              <a:prstGeom prst="rect">
+                <a:avLst/>
+              </a:prstGeom>
+              <a:noFill/>
+            </p:spPr>
+            <p:txBody>
+              <a:bodyPr wrap="none" rtlCol="0">
+                <a:spAutoFit/>
+              </a:bodyPr>
+              <a:lstStyle/>
+              <a:p>
+                <a:r>
+                  <a:rPr lang="en-US" dirty="0"/>
+                  <a:t>FD2</a:t>
+                </a:r>
+              </a:p>
+            </p:txBody>
+          </p:sp>
+          <p:sp>
+            <p:nvSpPr>
+              <p:cNvPr id="140" name="TextBox 139">
+                <a:extLst>
+                  <a:ext uri="{FF2B5EF4-FFF2-40B4-BE49-F238E27FC236}">
+                    <a16:creationId xmlns:a16="http://schemas.microsoft.com/office/drawing/2014/main" id="{8D0F740D-DB9A-4EFF-B796-00E9F4509EC1}"/>
+                  </a:ext>
+                </a:extLst>
+              </p:cNvPr>
+              <p:cNvSpPr txBox="1"/>
+              <p:nvPr/>
+            </p:nvSpPr>
+            <p:spPr>
+              <a:xfrm>
+                <a:off x="3766794" y="2200705"/>
+                <a:ext cx="550151" cy="369332"/>
+              </a:xfrm>
+              <a:prstGeom prst="rect">
+                <a:avLst/>
+              </a:prstGeom>
+              <a:noFill/>
+            </p:spPr>
+            <p:txBody>
+              <a:bodyPr wrap="none" rtlCol="0">
+                <a:spAutoFit/>
+              </a:bodyPr>
+              <a:lstStyle/>
+              <a:p>
+                <a:r>
+                  <a:rPr lang="en-US" dirty="0"/>
+                  <a:t>FD2</a:t>
+                </a:r>
+              </a:p>
+            </p:txBody>
+          </p:sp>
+        </p:grpSp>
+        <p:sp>
+          <p:nvSpPr>
+            <p:cNvPr id="135" name="TextBox 134">
+              <a:extLst>
+                <a:ext uri="{FF2B5EF4-FFF2-40B4-BE49-F238E27FC236}">
+                  <a16:creationId xmlns:a16="http://schemas.microsoft.com/office/drawing/2014/main" id="{66FEBDCA-7C74-4C40-85B8-3E9AB4F6CC0D}"/>
+                </a:ext>
+              </a:extLst>
+            </p:cNvPr>
+            <p:cNvSpPr txBox="1"/>
+            <p:nvPr/>
+          </p:nvSpPr>
+          <p:spPr>
+            <a:xfrm>
+              <a:off x="3574287" y="772884"/>
+              <a:ext cx="343364" cy="369332"/>
+            </a:xfrm>
+            <a:prstGeom prst="rect">
+              <a:avLst/>
+            </a:prstGeom>
+            <a:noFill/>
+          </p:spPr>
+          <p:txBody>
+            <a:bodyPr wrap="none" rtlCol="0">
+              <a:spAutoFit/>
+            </a:bodyPr>
+            <a:lstStyle/>
+            <a:p>
+              <a:r>
+                <a:rPr lang="en-US" dirty="0"/>
+                <a:t>…</a:t>
+              </a:r>
+            </a:p>
+          </p:txBody>
+        </p:sp>
+      </p:grpSp>
+      <p:grpSp>
+        <p:nvGrpSpPr>
+          <p:cNvPr id="141" name="Group 140">
+            <a:extLst>
+              <a:ext uri="{FF2B5EF4-FFF2-40B4-BE49-F238E27FC236}">
+                <a16:creationId xmlns:a16="http://schemas.microsoft.com/office/drawing/2014/main" id="{1A8F7D47-42AE-4A23-97E2-08674D4BFC5F}"/>
+              </a:ext>
+            </a:extLst>
+          </p:cNvPr>
+          <p:cNvGrpSpPr/>
+          <p:nvPr/>
+        </p:nvGrpSpPr>
+        <p:grpSpPr>
+          <a:xfrm>
+            <a:off x="3315700" y="2188516"/>
+            <a:ext cx="1500250" cy="387854"/>
+            <a:chOff x="3259659" y="772884"/>
+            <a:chExt cx="1500250" cy="387854"/>
+          </a:xfrm>
+        </p:grpSpPr>
+        <p:grpSp>
+          <p:nvGrpSpPr>
+            <p:cNvPr id="142" name="Group 141">
+              <a:extLst>
+                <a:ext uri="{FF2B5EF4-FFF2-40B4-BE49-F238E27FC236}">
+                  <a16:creationId xmlns:a16="http://schemas.microsoft.com/office/drawing/2014/main" id="{5A24B2A2-07D7-4FA5-B1C9-262E1A5BF2F9}"/>
+                </a:ext>
+              </a:extLst>
+            </p:cNvPr>
+            <p:cNvGrpSpPr/>
+            <p:nvPr/>
+          </p:nvGrpSpPr>
+          <p:grpSpPr>
+            <a:xfrm>
+              <a:off x="3259659" y="791406"/>
+              <a:ext cx="1500250" cy="369332"/>
+              <a:chOff x="3220866" y="2200705"/>
+              <a:chExt cx="1500250" cy="369332"/>
+            </a:xfrm>
+          </p:grpSpPr>
+          <p:sp>
+            <p:nvSpPr>
+              <p:cNvPr id="144" name="Rectangle 143">
+                <a:extLst>
+                  <a:ext uri="{FF2B5EF4-FFF2-40B4-BE49-F238E27FC236}">
+                    <a16:creationId xmlns:a16="http://schemas.microsoft.com/office/drawing/2014/main" id="{D8DE119F-43D0-429E-96D6-9389FDCC1CC1}"/>
+                  </a:ext>
+                </a:extLst>
+              </p:cNvPr>
+              <p:cNvSpPr/>
+              <p:nvPr/>
+            </p:nvSpPr>
+            <p:spPr>
+              <a:xfrm>
+                <a:off x="3220866" y="2238582"/>
+                <a:ext cx="1424285" cy="274320"/>
+              </a:xfrm>
+              <a:prstGeom prst="rect">
+                <a:avLst/>
+              </a:prstGeom>
+              <a:ln w="28575"/>
+            </p:spPr>
+            <p:style>
+              <a:lnRef idx="2">
+                <a:schemeClr val="dk1"/>
+              </a:lnRef>
+              <a:fillRef idx="1">
+                <a:schemeClr val="lt1"/>
+              </a:fillRef>
+              <a:effectRef idx="0">
+                <a:schemeClr val="dk1"/>
+              </a:effectRef>
+              <a:fontRef idx="minor">
+                <a:schemeClr val="dk1"/>
+              </a:fontRef>
+            </p:style>
+            <p:txBody>
+              <a:bodyPr rtlCol="0" anchor="ctr"/>
+              <a:lstStyle/>
+              <a:p>
+                <a:pPr algn="ctr"/>
+                <a:endParaRPr lang="en-US" dirty="0"/>
+              </a:p>
+            </p:txBody>
+          </p:sp>
+          <p:cxnSp>
+            <p:nvCxnSpPr>
+              <p:cNvPr id="145" name="Straight Connector 144">
+                <a:extLst>
+                  <a:ext uri="{FF2B5EF4-FFF2-40B4-BE49-F238E27FC236}">
+                    <a16:creationId xmlns:a16="http://schemas.microsoft.com/office/drawing/2014/main" id="{5F66987B-1CB0-4B7B-B9A6-A1DC9A72A676}"/>
+                  </a:ext>
+                </a:extLst>
+              </p:cNvPr>
+              <p:cNvCxnSpPr/>
+              <p:nvPr/>
+            </p:nvCxnSpPr>
+            <p:spPr>
+              <a:xfrm>
+                <a:off x="4239129" y="2233178"/>
+                <a:ext cx="0" cy="274320"/>
+              </a:xfrm>
+              <a:prstGeom prst="line">
+                <a:avLst/>
+              </a:prstGeom>
+              <a:ln w="28575"/>
+            </p:spPr>
+            <p:style>
+              <a:lnRef idx="1">
+                <a:schemeClr val="dk1"/>
+              </a:lnRef>
+              <a:fillRef idx="0">
+                <a:schemeClr val="dk1"/>
+              </a:fillRef>
+              <a:effectRef idx="0">
+                <a:schemeClr val="dk1"/>
+              </a:effectRef>
+              <a:fontRef idx="minor">
+                <a:schemeClr val="tx1"/>
+              </a:fontRef>
+            </p:style>
+          </p:cxnSp>
+          <p:cxnSp>
+            <p:nvCxnSpPr>
+              <p:cNvPr id="146" name="Straight Connector 145">
+                <a:extLst>
+                  <a:ext uri="{FF2B5EF4-FFF2-40B4-BE49-F238E27FC236}">
+                    <a16:creationId xmlns:a16="http://schemas.microsoft.com/office/drawing/2014/main" id="{3951F3F6-A1A4-4DBB-B78B-8F21E66AE63E}"/>
+                  </a:ext>
+                </a:extLst>
+              </p:cNvPr>
+              <p:cNvCxnSpPr/>
+              <p:nvPr/>
+            </p:nvCxnSpPr>
+            <p:spPr>
+              <a:xfrm>
+                <a:off x="3831413" y="2233178"/>
+                <a:ext cx="0" cy="274320"/>
+              </a:xfrm>
+              <a:prstGeom prst="line">
+                <a:avLst/>
+              </a:prstGeom>
+              <a:ln w="28575"/>
+            </p:spPr>
+            <p:style>
+              <a:lnRef idx="1">
+                <a:schemeClr val="dk1"/>
+              </a:lnRef>
+              <a:fillRef idx="0">
+                <a:schemeClr val="dk1"/>
+              </a:fillRef>
+              <a:effectRef idx="0">
+                <a:schemeClr val="dk1"/>
+              </a:effectRef>
+              <a:fontRef idx="minor">
+                <a:schemeClr val="tx1"/>
+              </a:fontRef>
+            </p:style>
+          </p:cxnSp>
+          <p:sp>
+            <p:nvSpPr>
+              <p:cNvPr id="147" name="TextBox 146">
+                <a:extLst>
+                  <a:ext uri="{FF2B5EF4-FFF2-40B4-BE49-F238E27FC236}">
+                    <a16:creationId xmlns:a16="http://schemas.microsoft.com/office/drawing/2014/main" id="{40CA8DD5-EA85-4A9F-B4A5-5AD5FF1CE991}"/>
+                  </a:ext>
+                </a:extLst>
+              </p:cNvPr>
+              <p:cNvSpPr txBox="1"/>
+              <p:nvPr/>
+            </p:nvSpPr>
+            <p:spPr>
+              <a:xfrm>
+                <a:off x="4170965" y="2200705"/>
+                <a:ext cx="550151" cy="369332"/>
+              </a:xfrm>
+              <a:prstGeom prst="rect">
+                <a:avLst/>
+              </a:prstGeom>
+              <a:noFill/>
+            </p:spPr>
+            <p:txBody>
+              <a:bodyPr wrap="none" rtlCol="0">
+                <a:spAutoFit/>
+              </a:bodyPr>
+              <a:lstStyle/>
+              <a:p>
+                <a:r>
+                  <a:rPr lang="en-US" dirty="0"/>
+                  <a:t>FD3</a:t>
+                </a:r>
+              </a:p>
+            </p:txBody>
+          </p:sp>
+          <p:sp>
+            <p:nvSpPr>
+              <p:cNvPr id="148" name="TextBox 147">
+                <a:extLst>
+                  <a:ext uri="{FF2B5EF4-FFF2-40B4-BE49-F238E27FC236}">
+                    <a16:creationId xmlns:a16="http://schemas.microsoft.com/office/drawing/2014/main" id="{4C94DCB3-89FB-4001-A0BA-16E31E2D0ECC}"/>
+                  </a:ext>
+                </a:extLst>
+              </p:cNvPr>
+              <p:cNvSpPr txBox="1"/>
+              <p:nvPr/>
+            </p:nvSpPr>
+            <p:spPr>
+              <a:xfrm>
+                <a:off x="3766794" y="2200705"/>
+                <a:ext cx="550151" cy="369332"/>
+              </a:xfrm>
+              <a:prstGeom prst="rect">
+                <a:avLst/>
+              </a:prstGeom>
+              <a:noFill/>
+            </p:spPr>
+            <p:txBody>
+              <a:bodyPr wrap="none" rtlCol="0">
+                <a:spAutoFit/>
+              </a:bodyPr>
+              <a:lstStyle/>
+              <a:p>
+                <a:r>
+                  <a:rPr lang="en-US" dirty="0"/>
+                  <a:t>FD3</a:t>
+                </a:r>
+              </a:p>
+            </p:txBody>
+          </p:sp>
+        </p:grpSp>
+        <p:sp>
+          <p:nvSpPr>
+            <p:cNvPr id="143" name="TextBox 142">
+              <a:extLst>
+                <a:ext uri="{FF2B5EF4-FFF2-40B4-BE49-F238E27FC236}">
+                  <a16:creationId xmlns:a16="http://schemas.microsoft.com/office/drawing/2014/main" id="{162DA791-7B83-4959-A7B3-5725456F3575}"/>
+                </a:ext>
+              </a:extLst>
+            </p:cNvPr>
+            <p:cNvSpPr txBox="1"/>
+            <p:nvPr/>
+          </p:nvSpPr>
+          <p:spPr>
+            <a:xfrm>
+              <a:off x="3574287" y="772884"/>
+              <a:ext cx="343364" cy="369332"/>
+            </a:xfrm>
+            <a:prstGeom prst="rect">
+              <a:avLst/>
+            </a:prstGeom>
+            <a:noFill/>
+          </p:spPr>
+          <p:txBody>
+            <a:bodyPr wrap="none" rtlCol="0">
+              <a:spAutoFit/>
+            </a:bodyPr>
+            <a:lstStyle/>
+            <a:p>
+              <a:r>
+                <a:rPr lang="en-US" dirty="0"/>
+                <a:t>…</a:t>
+              </a:r>
+            </a:p>
+          </p:txBody>
+        </p:sp>
+      </p:grpSp>
+    </p:spTree>
+    <p:extLst>
+      <p:ext uri="{BB962C8B-B14F-4D97-AF65-F5344CB8AC3E}">
+        <p14:creationId xmlns:p14="http://schemas.microsoft.com/office/powerpoint/2010/main" val="3556271476"/>
+      </p:ext>
+    </p:extLst>
+  </p:cSld>
+  <p:clrMapOvr>
+    <a:masterClrMapping/>
+  </p:clrMapOvr>
+</p:sld>
+</file>
+
 <file path=ppt/theme/theme1.xml><?xml version="1.0" encoding="utf-8"?>
 <a:theme xmlns:a="http://schemas.openxmlformats.org/drawingml/2006/main" name="Office Theme">
   <a:themeElements>
